--- a/image/howToPost.pptx
+++ b/image/howToPost.pptx
@@ -6,6 +6,7 @@
   </p:sldMasterIdLst>
   <p:sldIdLst>
     <p:sldId id="256" r:id="rId2"/>
+    <p:sldId id="257" r:id="rId3"/>
   </p:sldIdLst>
   <p:sldSz cx="6858000" cy="9144000" type="screen4x3"/>
   <p:notesSz cx="6858000" cy="9144000"/>
@@ -104,6 +105,11 @@
       </a:defRPr>
     </a:lvl9pPr>
   </p:defaultTextStyle>
+  <p:extLst>
+    <p:ext uri="{EFAFB233-063F-42B5-8137-9DF3F51BA10A}">
+      <p15:sldGuideLst xmlns:p15="http://schemas.microsoft.com/office/powerpoint/2012/main"/>
+    </p:ext>
+  </p:extLst>
 </p:presentation>
 </file>
 
@@ -111,17 +117,49 @@
 <pc:chgInfo xmlns:a="http://schemas.openxmlformats.org/drawingml/2006/main" xmlns:r="http://schemas.openxmlformats.org/officeDocument/2006/relationships" xmlns:ac="http://schemas.microsoft.com/office/drawing/2013/main/command" xmlns:pc="http://schemas.microsoft.com/office/powerpoint/2013/main/command">
   <pc:docChgLst>
     <pc:chgData name="George John" userId="1c7f5d7288d1a48b" providerId="LiveId" clId="{0144DF34-647E-4BF4-ABCB-FB17BAA507B1}"/>
-    <pc:docChg chg="custSel modSld">
-      <pc:chgData name="George John" userId="1c7f5d7288d1a48b" providerId="LiveId" clId="{0144DF34-647E-4BF4-ABCB-FB17BAA507B1}" dt="2023-10-23T21:08:57.206" v="0" actId="478"/>
+    <pc:docChg chg="undo custSel addSld modSld">
+      <pc:chgData name="George John" userId="1c7f5d7288d1a48b" providerId="LiveId" clId="{0144DF34-647E-4BF4-ABCB-FB17BAA507B1}" dt="2023-10-28T06:01:37.553" v="693" actId="1076"/>
       <pc:docMkLst>
         <pc:docMk/>
       </pc:docMkLst>
-      <pc:sldChg chg="delSp mod">
-        <pc:chgData name="George John" userId="1c7f5d7288d1a48b" providerId="LiveId" clId="{0144DF34-647E-4BF4-ABCB-FB17BAA507B1}" dt="2023-10-23T21:08:57.206" v="0" actId="478"/>
+      <pc:sldChg chg="addSp delSp modSp mod">
+        <pc:chgData name="George John" userId="1c7f5d7288d1a48b" providerId="LiveId" clId="{0144DF34-647E-4BF4-ABCB-FB17BAA507B1}" dt="2023-10-28T06:01:08.853" v="684" actId="1076"/>
         <pc:sldMkLst>
           <pc:docMk/>
           <pc:sldMk cId="2429365050" sldId="256"/>
         </pc:sldMkLst>
+        <pc:picChg chg="add del mod">
+          <ac:chgData name="George John" userId="1c7f5d7288d1a48b" providerId="LiveId" clId="{0144DF34-647E-4BF4-ABCB-FB17BAA507B1}" dt="2023-10-28T05:07:25.497" v="2" actId="21"/>
+          <ac:picMkLst>
+            <pc:docMk/>
+            <pc:sldMk cId="2429365050" sldId="256"/>
+            <ac:picMk id="3" creationId="{E4713D69-A02F-2BA2-1911-61C3A0477C45}"/>
+          </ac:picMkLst>
+        </pc:picChg>
+        <pc:picChg chg="add del mod">
+          <ac:chgData name="George John" userId="1c7f5d7288d1a48b" providerId="LiveId" clId="{0144DF34-647E-4BF4-ABCB-FB17BAA507B1}" dt="2023-10-28T05:08:06.366" v="9" actId="478"/>
+          <ac:picMkLst>
+            <pc:docMk/>
+            <pc:sldMk cId="2429365050" sldId="256"/>
+            <ac:picMk id="4" creationId="{7C8B85BB-96C1-FA6C-A7E3-B5E6EFF3BFBF}"/>
+          </ac:picMkLst>
+        </pc:picChg>
+        <pc:picChg chg="add del mod">
+          <ac:chgData name="George John" userId="1c7f5d7288d1a48b" providerId="LiveId" clId="{0144DF34-647E-4BF4-ABCB-FB17BAA507B1}" dt="2023-10-28T05:09:35.675" v="11" actId="21"/>
+          <ac:picMkLst>
+            <pc:docMk/>
+            <pc:sldMk cId="2429365050" sldId="256"/>
+            <ac:picMk id="6" creationId="{F66EEBDE-455A-E019-8A1D-00435F274D03}"/>
+          </ac:picMkLst>
+        </pc:picChg>
+        <pc:picChg chg="add mod">
+          <ac:chgData name="George John" userId="1c7f5d7288d1a48b" providerId="LiveId" clId="{0144DF34-647E-4BF4-ABCB-FB17BAA507B1}" dt="2023-10-28T06:01:08.853" v="684" actId="1076"/>
+          <ac:picMkLst>
+            <pc:docMk/>
+            <pc:sldMk cId="2429365050" sldId="256"/>
+            <ac:picMk id="7" creationId="{BD8D348B-9B09-85F0-598C-37F5739B0C29}"/>
+          </ac:picMkLst>
+        </pc:picChg>
         <pc:picChg chg="del">
           <ac:chgData name="George John" userId="1c7f5d7288d1a48b" providerId="LiveId" clId="{0144DF34-647E-4BF4-ABCB-FB17BAA507B1}" dt="2023-10-23T21:08:57.206" v="0" actId="478"/>
           <ac:picMkLst>
@@ -130,6 +168,157 @@
             <ac:picMk id="13" creationId="{B2F09005-9A78-98C8-91D3-39145B4F0441}"/>
           </ac:picMkLst>
         </pc:picChg>
+      </pc:sldChg>
+      <pc:sldChg chg="addSp delSp modSp new mod">
+        <pc:chgData name="George John" userId="1c7f5d7288d1a48b" providerId="LiveId" clId="{0144DF34-647E-4BF4-ABCB-FB17BAA507B1}" dt="2023-10-28T06:01:37.553" v="693" actId="1076"/>
+        <pc:sldMkLst>
+          <pc:docMk/>
+          <pc:sldMk cId="1926906025" sldId="257"/>
+        </pc:sldMkLst>
+        <pc:spChg chg="add mod">
+          <ac:chgData name="George John" userId="1c7f5d7288d1a48b" providerId="LiveId" clId="{0144DF34-647E-4BF4-ABCB-FB17BAA507B1}" dt="2023-10-28T05:52:23.219" v="531" actId="1036"/>
+          <ac:spMkLst>
+            <pc:docMk/>
+            <pc:sldMk cId="1926906025" sldId="257"/>
+            <ac:spMk id="4" creationId="{F219D5B5-8811-99AF-432E-5B6809E53C89}"/>
+          </ac:spMkLst>
+        </pc:spChg>
+        <pc:spChg chg="add del mod">
+          <ac:chgData name="George John" userId="1c7f5d7288d1a48b" providerId="LiveId" clId="{0144DF34-647E-4BF4-ABCB-FB17BAA507B1}" dt="2023-10-28T05:52:26.665" v="532" actId="478"/>
+          <ac:spMkLst>
+            <pc:docMk/>
+            <pc:sldMk cId="1926906025" sldId="257"/>
+            <ac:spMk id="9" creationId="{47442DE0-EF8A-67B1-5146-A0342BD16A99}"/>
+          </ac:spMkLst>
+        </pc:spChg>
+        <pc:spChg chg="add mod">
+          <ac:chgData name="George John" userId="1c7f5d7288d1a48b" providerId="LiveId" clId="{0144DF34-647E-4BF4-ABCB-FB17BAA507B1}" dt="2023-10-28T05:52:23.219" v="531" actId="1036"/>
+          <ac:spMkLst>
+            <pc:docMk/>
+            <pc:sldMk cId="1926906025" sldId="257"/>
+            <ac:spMk id="16" creationId="{A0196CB8-430D-1EAC-BA7F-15D670F1FCA0}"/>
+          </ac:spMkLst>
+        </pc:spChg>
+        <pc:spChg chg="add mod">
+          <ac:chgData name="George John" userId="1c7f5d7288d1a48b" providerId="LiveId" clId="{0144DF34-647E-4BF4-ABCB-FB17BAA507B1}" dt="2023-10-28T05:52:23.219" v="531" actId="1036"/>
+          <ac:spMkLst>
+            <pc:docMk/>
+            <pc:sldMk cId="1926906025" sldId="257"/>
+            <ac:spMk id="19" creationId="{8A069E48-CC44-9E08-4B2C-14E8D2FFA428}"/>
+          </ac:spMkLst>
+        </pc:spChg>
+        <pc:spChg chg="add mod ord">
+          <ac:chgData name="George John" userId="1c7f5d7288d1a48b" providerId="LiveId" clId="{0144DF34-647E-4BF4-ABCB-FB17BAA507B1}" dt="2023-10-28T05:57:09.818" v="677" actId="1036"/>
+          <ac:spMkLst>
+            <pc:docMk/>
+            <pc:sldMk cId="1926906025" sldId="257"/>
+            <ac:spMk id="22" creationId="{4EDC5607-476E-1575-78D8-64DE3FA82D0C}"/>
+          </ac:spMkLst>
+        </pc:spChg>
+        <pc:spChg chg="add del mod">
+          <ac:chgData name="George John" userId="1c7f5d7288d1a48b" providerId="LiveId" clId="{0144DF34-647E-4BF4-ABCB-FB17BAA507B1}" dt="2023-10-28T05:54:07.466" v="604" actId="478"/>
+          <ac:spMkLst>
+            <pc:docMk/>
+            <pc:sldMk cId="1926906025" sldId="257"/>
+            <ac:spMk id="24" creationId="{AB8193E7-9041-7DF8-FFDC-DE58ECA536C9}"/>
+          </ac:spMkLst>
+        </pc:spChg>
+        <pc:spChg chg="add mod">
+          <ac:chgData name="George John" userId="1c7f5d7288d1a48b" providerId="LiveId" clId="{0144DF34-647E-4BF4-ABCB-FB17BAA507B1}" dt="2023-10-28T05:55:01.616" v="632" actId="207"/>
+          <ac:spMkLst>
+            <pc:docMk/>
+            <pc:sldMk cId="1926906025" sldId="257"/>
+            <ac:spMk id="25" creationId="{505E09E8-2DB6-13EB-A3E4-C6D73A6060B6}"/>
+          </ac:spMkLst>
+        </pc:spChg>
+        <pc:picChg chg="add del mod">
+          <ac:chgData name="George John" userId="1c7f5d7288d1a48b" providerId="LiveId" clId="{0144DF34-647E-4BF4-ABCB-FB17BAA507B1}" dt="2023-10-28T05:16:30.278" v="72" actId="478"/>
+          <ac:picMkLst>
+            <pc:docMk/>
+            <pc:sldMk cId="1926906025" sldId="257"/>
+            <ac:picMk id="2" creationId="{930693D6-6EEF-7153-3CD9-282361C227E6}"/>
+          </ac:picMkLst>
+        </pc:picChg>
+        <pc:picChg chg="add del mod">
+          <ac:chgData name="George John" userId="1c7f5d7288d1a48b" providerId="LiveId" clId="{0144DF34-647E-4BF4-ABCB-FB17BAA507B1}" dt="2023-10-28T05:10:04.428" v="14" actId="478"/>
+          <ac:picMkLst>
+            <pc:docMk/>
+            <pc:sldMk cId="1926906025" sldId="257"/>
+            <ac:picMk id="3" creationId="{99481F05-774C-C5BD-447A-9019C8804341}"/>
+          </ac:picMkLst>
+        </pc:picChg>
+        <pc:picChg chg="add mod">
+          <ac:chgData name="George John" userId="1c7f5d7288d1a48b" providerId="LiveId" clId="{0144DF34-647E-4BF4-ABCB-FB17BAA507B1}" dt="2023-10-28T05:52:23.219" v="531" actId="1036"/>
+          <ac:picMkLst>
+            <pc:docMk/>
+            <pc:sldMk cId="1926906025" sldId="257"/>
+            <ac:picMk id="6" creationId="{EC35F343-EBB2-402B-5A4B-F8284FF1B895}"/>
+          </ac:picMkLst>
+        </pc:picChg>
+        <pc:picChg chg="add mod">
+          <ac:chgData name="George John" userId="1c7f5d7288d1a48b" providerId="LiveId" clId="{0144DF34-647E-4BF4-ABCB-FB17BAA507B1}" dt="2023-10-28T05:52:23.219" v="531" actId="1036"/>
+          <ac:picMkLst>
+            <pc:docMk/>
+            <pc:sldMk cId="1926906025" sldId="257"/>
+            <ac:picMk id="8" creationId="{27622E98-60DB-D4A1-0902-FA2B65448455}"/>
+          </ac:picMkLst>
+        </pc:picChg>
+        <pc:picChg chg="add del mod">
+          <ac:chgData name="George John" userId="1c7f5d7288d1a48b" providerId="LiveId" clId="{0144DF34-647E-4BF4-ABCB-FB17BAA507B1}" dt="2023-10-28T05:49:41.593" v="477" actId="478"/>
+          <ac:picMkLst>
+            <pc:docMk/>
+            <pc:sldMk cId="1926906025" sldId="257"/>
+            <ac:picMk id="11" creationId="{D27F25D7-139D-EB58-590D-69500E70F685}"/>
+          </ac:picMkLst>
+        </pc:picChg>
+        <pc:picChg chg="add mod">
+          <ac:chgData name="George John" userId="1c7f5d7288d1a48b" providerId="LiveId" clId="{0144DF34-647E-4BF4-ABCB-FB17BAA507B1}" dt="2023-10-28T05:52:23.219" v="531" actId="1036"/>
+          <ac:picMkLst>
+            <pc:docMk/>
+            <pc:sldMk cId="1926906025" sldId="257"/>
+            <ac:picMk id="13" creationId="{D79BC184-8F5F-1D5D-347B-F1E551AC7D68}"/>
+          </ac:picMkLst>
+        </pc:picChg>
+        <pc:picChg chg="add mod">
+          <ac:chgData name="George John" userId="1c7f5d7288d1a48b" providerId="LiveId" clId="{0144DF34-647E-4BF4-ABCB-FB17BAA507B1}" dt="2023-10-28T05:52:23.219" v="531" actId="1036"/>
+          <ac:picMkLst>
+            <pc:docMk/>
+            <pc:sldMk cId="1926906025" sldId="257"/>
+            <ac:picMk id="15" creationId="{A0626C39-C368-E88E-863E-FFBD07231980}"/>
+          </ac:picMkLst>
+        </pc:picChg>
+        <pc:picChg chg="add mod">
+          <ac:chgData name="George John" userId="1c7f5d7288d1a48b" providerId="LiveId" clId="{0144DF34-647E-4BF4-ABCB-FB17BAA507B1}" dt="2023-10-28T05:52:23.219" v="531" actId="1036"/>
+          <ac:picMkLst>
+            <pc:docMk/>
+            <pc:sldMk cId="1926906025" sldId="257"/>
+            <ac:picMk id="18" creationId="{D1164090-9041-6189-18F9-E26EA055CD7F}"/>
+          </ac:picMkLst>
+        </pc:picChg>
+        <pc:picChg chg="add mod">
+          <ac:chgData name="George John" userId="1c7f5d7288d1a48b" providerId="LiveId" clId="{0144DF34-647E-4BF4-ABCB-FB17BAA507B1}" dt="2023-10-28T06:01:37.553" v="693" actId="1076"/>
+          <ac:picMkLst>
+            <pc:docMk/>
+            <pc:sldMk cId="1926906025" sldId="257"/>
+            <ac:picMk id="30" creationId="{12E57019-AEBA-EA26-A80D-A1839AE2ABB2}"/>
+          </ac:picMkLst>
+        </pc:picChg>
+        <pc:cxnChg chg="add mod">
+          <ac:chgData name="George John" userId="1c7f5d7288d1a48b" providerId="LiveId" clId="{0144DF34-647E-4BF4-ABCB-FB17BAA507B1}" dt="2023-10-28T05:52:23.219" v="531" actId="1036"/>
+          <ac:cxnSpMkLst>
+            <pc:docMk/>
+            <pc:sldMk cId="1926906025" sldId="257"/>
+            <ac:cxnSpMk id="20" creationId="{BF107E5E-13FC-A8EF-A646-94047B4BCF46}"/>
+          </ac:cxnSpMkLst>
+        </pc:cxnChg>
+        <pc:cxnChg chg="add mod ord">
+          <ac:chgData name="George John" userId="1c7f5d7288d1a48b" providerId="LiveId" clId="{0144DF34-647E-4BF4-ABCB-FB17BAA507B1}" dt="2023-10-28T05:57:13.912" v="678" actId="14100"/>
+          <ac:cxnSpMkLst>
+            <pc:docMk/>
+            <pc:sldMk cId="1926906025" sldId="257"/>
+            <ac:cxnSpMk id="23" creationId="{9CEEA6AF-3B91-9FBD-559E-8923C98A58EA}"/>
+          </ac:cxnSpMkLst>
+        </pc:cxnChg>
       </pc:sldChg>
     </pc:docChg>
   </pc:docChgLst>
@@ -267,7 +456,7 @@
           <a:p>
             <a:fld id="{EA307E68-3151-4021-8034-6905DEC8B993}" type="datetimeFigureOut">
               <a:rPr lang="en-US" smtClean="0"/>
-              <a:t>10/23/2023</a:t>
+              <a:t>10/27/2023</a:t>
             </a:fld>
             <a:endParaRPr lang="en-US"/>
           </a:p>
@@ -437,7 +626,7 @@
           <a:p>
             <a:fld id="{EA307E68-3151-4021-8034-6905DEC8B993}" type="datetimeFigureOut">
               <a:rPr lang="en-US" smtClean="0"/>
-              <a:t>10/23/2023</a:t>
+              <a:t>10/27/2023</a:t>
             </a:fld>
             <a:endParaRPr lang="en-US"/>
           </a:p>
@@ -617,7 +806,7 @@
           <a:p>
             <a:fld id="{EA307E68-3151-4021-8034-6905DEC8B993}" type="datetimeFigureOut">
               <a:rPr lang="en-US" smtClean="0"/>
-              <a:t>10/23/2023</a:t>
+              <a:t>10/27/2023</a:t>
             </a:fld>
             <a:endParaRPr lang="en-US"/>
           </a:p>
@@ -787,7 +976,7 @@
           <a:p>
             <a:fld id="{EA307E68-3151-4021-8034-6905DEC8B993}" type="datetimeFigureOut">
               <a:rPr lang="en-US" smtClean="0"/>
-              <a:t>10/23/2023</a:t>
+              <a:t>10/27/2023</a:t>
             </a:fld>
             <a:endParaRPr lang="en-US"/>
           </a:p>
@@ -1031,7 +1220,7 @@
           <a:p>
             <a:fld id="{EA307E68-3151-4021-8034-6905DEC8B993}" type="datetimeFigureOut">
               <a:rPr lang="en-US" smtClean="0"/>
-              <a:t>10/23/2023</a:t>
+              <a:t>10/27/2023</a:t>
             </a:fld>
             <a:endParaRPr lang="en-US"/>
           </a:p>
@@ -1263,7 +1452,7 @@
           <a:p>
             <a:fld id="{EA307E68-3151-4021-8034-6905DEC8B993}" type="datetimeFigureOut">
               <a:rPr lang="en-US" smtClean="0"/>
-              <a:t>10/23/2023</a:t>
+              <a:t>10/27/2023</a:t>
             </a:fld>
             <a:endParaRPr lang="en-US"/>
           </a:p>
@@ -1630,7 +1819,7 @@
           <a:p>
             <a:fld id="{EA307E68-3151-4021-8034-6905DEC8B993}" type="datetimeFigureOut">
               <a:rPr lang="en-US" smtClean="0"/>
-              <a:t>10/23/2023</a:t>
+              <a:t>10/27/2023</a:t>
             </a:fld>
             <a:endParaRPr lang="en-US"/>
           </a:p>
@@ -1748,7 +1937,7 @@
           <a:p>
             <a:fld id="{EA307E68-3151-4021-8034-6905DEC8B993}" type="datetimeFigureOut">
               <a:rPr lang="en-US" smtClean="0"/>
-              <a:t>10/23/2023</a:t>
+              <a:t>10/27/2023</a:t>
             </a:fld>
             <a:endParaRPr lang="en-US"/>
           </a:p>
@@ -1843,7 +2032,7 @@
           <a:p>
             <a:fld id="{EA307E68-3151-4021-8034-6905DEC8B993}" type="datetimeFigureOut">
               <a:rPr lang="en-US" smtClean="0"/>
-              <a:t>10/23/2023</a:t>
+              <a:t>10/27/2023</a:t>
             </a:fld>
             <a:endParaRPr lang="en-US"/>
           </a:p>
@@ -2120,7 +2309,7 @@
           <a:p>
             <a:fld id="{EA307E68-3151-4021-8034-6905DEC8B993}" type="datetimeFigureOut">
               <a:rPr lang="en-US" smtClean="0"/>
-              <a:t>10/23/2023</a:t>
+              <a:t>10/27/2023</a:t>
             </a:fld>
             <a:endParaRPr lang="en-US"/>
           </a:p>
@@ -2377,7 +2566,7 @@
           <a:p>
             <a:fld id="{EA307E68-3151-4021-8034-6905DEC8B993}" type="datetimeFigureOut">
               <a:rPr lang="en-US" smtClean="0"/>
-              <a:t>10/23/2023</a:t>
+              <a:t>10/27/2023</a:t>
             </a:fld>
             <a:endParaRPr lang="en-US"/>
           </a:p>
@@ -2590,7 +2779,7 @@
           <a:p>
             <a:fld id="{EA307E68-3151-4021-8034-6905DEC8B993}" type="datetimeFigureOut">
               <a:rPr lang="en-US" smtClean="0"/>
-              <a:t>10/23/2023</a:t>
+              <a:t>10/27/2023</a:t>
             </a:fld>
             <a:endParaRPr lang="en-US"/>
           </a:p>
@@ -3257,10 +3446,573 @@
           </a:fontRef>
         </p:style>
       </p:cxnSp>
+      <p:pic>
+        <p:nvPicPr>
+          <p:cNvPr id="7" name="Picture 6">
+            <a:extLst>
+              <a:ext uri="{FF2B5EF4-FFF2-40B4-BE49-F238E27FC236}">
+                <a16:creationId xmlns:a16="http://schemas.microsoft.com/office/drawing/2014/main" id="{BD8D348B-9B09-85F0-598C-37F5739B0C29}"/>
+              </a:ext>
+            </a:extLst>
+          </p:cNvPr>
+          <p:cNvPicPr>
+            <a:picLocks noChangeAspect="1"/>
+          </p:cNvPicPr>
+          <p:nvPr/>
+        </p:nvPicPr>
+        <p:blipFill>
+          <a:blip r:embed="rId5">
+            <a:extLst>
+              <a:ext uri="{28A0092B-C50C-407E-A947-70E740481C1C}">
+                <a14:useLocalDpi xmlns:a14="http://schemas.microsoft.com/office/drawing/2010/main" val="0"/>
+              </a:ext>
+            </a:extLst>
+          </a:blip>
+          <a:stretch>
+            <a:fillRect/>
+          </a:stretch>
+        </p:blipFill>
+        <p:spPr>
+          <a:xfrm>
+            <a:off x="835773" y="1219200"/>
+            <a:ext cx="4866667" cy="4400000"/>
+          </a:xfrm>
+          <a:prstGeom prst="rect">
+            <a:avLst/>
+          </a:prstGeom>
+        </p:spPr>
+      </p:pic>
     </p:spTree>
     <p:extLst>
       <p:ext uri="{BB962C8B-B14F-4D97-AF65-F5344CB8AC3E}">
         <p14:creationId xmlns:p14="http://schemas.microsoft.com/office/powerpoint/2010/main" val="2429365050"/>
+      </p:ext>
+    </p:extLst>
+  </p:cSld>
+  <p:clrMapOvr>
+    <a:masterClrMapping/>
+  </p:clrMapOvr>
+</p:sld>
+</file>
+
+<file path=ppt/slides/slide2.xml><?xml version="1.0" encoding="utf-8"?>
+<p:sld xmlns:a="http://schemas.openxmlformats.org/drawingml/2006/main" xmlns:r="http://schemas.openxmlformats.org/officeDocument/2006/relationships" xmlns:p="http://schemas.openxmlformats.org/presentationml/2006/main">
+  <p:cSld>
+    <p:spTree>
+      <p:nvGrpSpPr>
+        <p:cNvPr id="1" name=""/>
+        <p:cNvGrpSpPr/>
+        <p:nvPr/>
+      </p:nvGrpSpPr>
+      <p:grpSpPr>
+        <a:xfrm>
+          <a:off x="0" y="0"/>
+          <a:ext cx="0" cy="0"/>
+          <a:chOff x="0" y="0"/>
+          <a:chExt cx="0" cy="0"/>
+        </a:xfrm>
+      </p:grpSpPr>
+      <p:sp>
+        <p:nvSpPr>
+          <p:cNvPr id="4" name="TextBox 3">
+            <a:extLst>
+              <a:ext uri="{FF2B5EF4-FFF2-40B4-BE49-F238E27FC236}">
+                <a16:creationId xmlns:a16="http://schemas.microsoft.com/office/drawing/2014/main" id="{F219D5B5-8811-99AF-432E-5B6809E53C89}"/>
+              </a:ext>
+            </a:extLst>
+          </p:cNvPr>
+          <p:cNvSpPr txBox="1"/>
+          <p:nvPr/>
+        </p:nvSpPr>
+        <p:spPr>
+          <a:xfrm>
+            <a:off x="1942140" y="3266650"/>
+            <a:ext cx="1570623" cy="400110"/>
+          </a:xfrm>
+          <a:prstGeom prst="rect">
+            <a:avLst/>
+          </a:prstGeom>
+          <a:noFill/>
+        </p:spPr>
+        <p:txBody>
+          <a:bodyPr wrap="none" rtlCol="0">
+            <a:spAutoFit/>
+          </a:bodyPr>
+          <a:lstStyle/>
+          <a:p>
+            <a:r>
+              <a:rPr lang="en-US" sz="2000" b="1" dirty="0"/>
+              <a:t>Loki Goodcat</a:t>
+            </a:r>
+          </a:p>
+        </p:txBody>
+      </p:sp>
+      <p:pic>
+        <p:nvPicPr>
+          <p:cNvPr id="6" name="Picture 5">
+            <a:extLst>
+              <a:ext uri="{FF2B5EF4-FFF2-40B4-BE49-F238E27FC236}">
+                <a16:creationId xmlns:a16="http://schemas.microsoft.com/office/drawing/2014/main" id="{EC35F343-EBB2-402B-5A4B-F8284FF1B895}"/>
+              </a:ext>
+            </a:extLst>
+          </p:cNvPr>
+          <p:cNvPicPr>
+            <a:picLocks noChangeAspect="1"/>
+          </p:cNvPicPr>
+          <p:nvPr/>
+        </p:nvPicPr>
+        <p:blipFill>
+          <a:blip r:embed="rId2">
+            <a:extLst>
+              <a:ext uri="{28A0092B-C50C-407E-A947-70E740481C1C}">
+                <a14:useLocalDpi xmlns:a14="http://schemas.microsoft.com/office/drawing/2010/main" val="0"/>
+              </a:ext>
+            </a:extLst>
+          </a:blip>
+          <a:stretch>
+            <a:fillRect/>
+          </a:stretch>
+        </p:blipFill>
+        <p:spPr>
+          <a:xfrm>
+            <a:off x="1317547" y="48301"/>
+            <a:ext cx="4222906" cy="3145595"/>
+          </a:xfrm>
+          <a:prstGeom prst="rect">
+            <a:avLst/>
+          </a:prstGeom>
+        </p:spPr>
+      </p:pic>
+      <p:pic>
+        <p:nvPicPr>
+          <p:cNvPr id="8" name="Picture 7">
+            <a:extLst>
+              <a:ext uri="{FF2B5EF4-FFF2-40B4-BE49-F238E27FC236}">
+                <a16:creationId xmlns:a16="http://schemas.microsoft.com/office/drawing/2014/main" id="{27622E98-60DB-D4A1-0902-FA2B65448455}"/>
+              </a:ext>
+            </a:extLst>
+          </p:cNvPr>
+          <p:cNvPicPr>
+            <a:picLocks noChangeAspect="1"/>
+          </p:cNvPicPr>
+          <p:nvPr/>
+        </p:nvPicPr>
+        <p:blipFill>
+          <a:blip r:embed="rId3">
+            <a:extLst>
+              <a:ext uri="{28A0092B-C50C-407E-A947-70E740481C1C}">
+                <a14:useLocalDpi xmlns:a14="http://schemas.microsoft.com/office/drawing/2010/main" val="0"/>
+              </a:ext>
+            </a:extLst>
+          </a:blip>
+          <a:stretch>
+            <a:fillRect/>
+          </a:stretch>
+        </p:blipFill>
+        <p:spPr>
+          <a:xfrm>
+            <a:off x="1317547" y="7647187"/>
+            <a:ext cx="4222906" cy="1381359"/>
+          </a:xfrm>
+          <a:prstGeom prst="rect">
+            <a:avLst/>
+          </a:prstGeom>
+        </p:spPr>
+      </p:pic>
+      <p:pic>
+        <p:nvPicPr>
+          <p:cNvPr id="13" name="Picture 12">
+            <a:extLst>
+              <a:ext uri="{FF2B5EF4-FFF2-40B4-BE49-F238E27FC236}">
+                <a16:creationId xmlns:a16="http://schemas.microsoft.com/office/drawing/2014/main" id="{D79BC184-8F5F-1D5D-347B-F1E551AC7D68}"/>
+              </a:ext>
+            </a:extLst>
+          </p:cNvPr>
+          <p:cNvPicPr>
+            <a:picLocks noChangeAspect="1"/>
+          </p:cNvPicPr>
+          <p:nvPr/>
+        </p:nvPicPr>
+        <p:blipFill>
+          <a:blip r:embed="rId4">
+            <a:extLst>
+              <a:ext uri="{28A0092B-C50C-407E-A947-70E740481C1C}">
+                <a14:useLocalDpi xmlns:a14="http://schemas.microsoft.com/office/drawing/2010/main" val="0"/>
+              </a:ext>
+            </a:extLst>
+          </a:blip>
+          <a:stretch>
+            <a:fillRect/>
+          </a:stretch>
+        </p:blipFill>
+        <p:spPr>
+          <a:xfrm>
+            <a:off x="1317547" y="3943222"/>
+            <a:ext cx="4222906" cy="4091527"/>
+          </a:xfrm>
+          <a:prstGeom prst="rect">
+            <a:avLst/>
+          </a:prstGeom>
+        </p:spPr>
+      </p:pic>
+      <p:pic>
+        <p:nvPicPr>
+          <p:cNvPr id="15" name="Picture 14">
+            <a:extLst>
+              <a:ext uri="{FF2B5EF4-FFF2-40B4-BE49-F238E27FC236}">
+                <a16:creationId xmlns:a16="http://schemas.microsoft.com/office/drawing/2014/main" id="{A0626C39-C368-E88E-863E-FFBD07231980}"/>
+              </a:ext>
+            </a:extLst>
+          </p:cNvPr>
+          <p:cNvPicPr>
+            <a:picLocks noChangeAspect="1"/>
+          </p:cNvPicPr>
+          <p:nvPr/>
+        </p:nvPicPr>
+        <p:blipFill>
+          <a:blip r:embed="rId5"/>
+          <a:stretch>
+            <a:fillRect/>
+          </a:stretch>
+        </p:blipFill>
+        <p:spPr>
+          <a:xfrm>
+            <a:off x="1513569" y="3226458"/>
+            <a:ext cx="428571" cy="409524"/>
+          </a:xfrm>
+          <a:prstGeom prst="rect">
+            <a:avLst/>
+          </a:prstGeom>
+        </p:spPr>
+      </p:pic>
+      <p:sp>
+        <p:nvSpPr>
+          <p:cNvPr id="16" name="TextBox 15">
+            <a:extLst>
+              <a:ext uri="{FF2B5EF4-FFF2-40B4-BE49-F238E27FC236}">
+                <a16:creationId xmlns:a16="http://schemas.microsoft.com/office/drawing/2014/main" id="{A0196CB8-430D-1EAC-BA7F-15D670F1FCA0}"/>
+              </a:ext>
+            </a:extLst>
+          </p:cNvPr>
+          <p:cNvSpPr txBox="1"/>
+          <p:nvPr/>
+        </p:nvSpPr>
+        <p:spPr>
+          <a:xfrm>
+            <a:off x="1942140" y="3538721"/>
+            <a:ext cx="1898212" cy="400110"/>
+          </a:xfrm>
+          <a:prstGeom prst="rect">
+            <a:avLst/>
+          </a:prstGeom>
+          <a:noFill/>
+        </p:spPr>
+        <p:txBody>
+          <a:bodyPr wrap="none" rtlCol="0">
+            <a:spAutoFit/>
+          </a:bodyPr>
+          <a:lstStyle/>
+          <a:p>
+            <a:r>
+              <a:rPr lang="en-US" sz="2000" dirty="0">
+                <a:solidFill>
+                  <a:schemeClr val="bg1">
+                    <a:lumMod val="50000"/>
+                  </a:schemeClr>
+                </a:solidFill>
+              </a:rPr>
+              <a:t>Seattle, WA . 6h </a:t>
+            </a:r>
+          </a:p>
+        </p:txBody>
+      </p:sp>
+      <p:pic>
+        <p:nvPicPr>
+          <p:cNvPr id="18" name="Picture 17">
+            <a:extLst>
+              <a:ext uri="{FF2B5EF4-FFF2-40B4-BE49-F238E27FC236}">
+                <a16:creationId xmlns:a16="http://schemas.microsoft.com/office/drawing/2014/main" id="{D1164090-9041-6189-18F9-E26EA055CD7F}"/>
+              </a:ext>
+            </a:extLst>
+          </p:cNvPr>
+          <p:cNvPicPr>
+            <a:picLocks noChangeAspect="1"/>
+          </p:cNvPicPr>
+          <p:nvPr/>
+        </p:nvPicPr>
+        <p:blipFill>
+          <a:blip r:embed="rId6"/>
+          <a:stretch>
+            <a:fillRect/>
+          </a:stretch>
+        </p:blipFill>
+        <p:spPr>
+          <a:xfrm>
+            <a:off x="3764599" y="3627978"/>
+            <a:ext cx="209524" cy="219048"/>
+          </a:xfrm>
+          <a:prstGeom prst="rect">
+            <a:avLst/>
+          </a:prstGeom>
+        </p:spPr>
+      </p:pic>
+      <p:sp>
+        <p:nvSpPr>
+          <p:cNvPr id="19" name="TextBox 18">
+            <a:extLst>
+              <a:ext uri="{FF2B5EF4-FFF2-40B4-BE49-F238E27FC236}">
+                <a16:creationId xmlns:a16="http://schemas.microsoft.com/office/drawing/2014/main" id="{8A069E48-CC44-9E08-4B2C-14E8D2FFA428}"/>
+              </a:ext>
+            </a:extLst>
+          </p:cNvPr>
+          <p:cNvSpPr txBox="1"/>
+          <p:nvPr/>
+        </p:nvSpPr>
+        <p:spPr>
+          <a:xfrm>
+            <a:off x="5442942" y="1715002"/>
+            <a:ext cx="874959" cy="923330"/>
+          </a:xfrm>
+          <a:prstGeom prst="rect">
+            <a:avLst/>
+          </a:prstGeom>
+          <a:noFill/>
+        </p:spPr>
+        <p:txBody>
+          <a:bodyPr wrap="square" rtlCol="0">
+            <a:spAutoFit/>
+          </a:bodyPr>
+          <a:lstStyle/>
+          <a:p>
+            <a:pPr algn="ctr"/>
+            <a:r>
+              <a:rPr lang="en-US" b="1" dirty="0">
+                <a:solidFill>
+                  <a:schemeClr val="accent1"/>
+                </a:solidFill>
+              </a:rPr>
+              <a:t>Don’t click here</a:t>
+            </a:r>
+          </a:p>
+        </p:txBody>
+      </p:sp>
+      <p:cxnSp>
+        <p:nvCxnSpPr>
+          <p:cNvPr id="20" name="Straight Connector 19">
+            <a:extLst>
+              <a:ext uri="{FF2B5EF4-FFF2-40B4-BE49-F238E27FC236}">
+                <a16:creationId xmlns:a16="http://schemas.microsoft.com/office/drawing/2014/main" id="{BF107E5E-13FC-A8EF-A646-94047B4BCF46}"/>
+              </a:ext>
+            </a:extLst>
+          </p:cNvPr>
+          <p:cNvCxnSpPr>
+            <a:cxnSpLocks/>
+          </p:cNvCxnSpPr>
+          <p:nvPr/>
+        </p:nvCxnSpPr>
+        <p:spPr>
+          <a:xfrm flipH="1">
+            <a:off x="5310429" y="2246053"/>
+            <a:ext cx="335531" cy="230559"/>
+          </a:xfrm>
+          <a:prstGeom prst="line">
+            <a:avLst/>
+          </a:prstGeom>
+          <a:ln w="28575"/>
+        </p:spPr>
+        <p:style>
+          <a:lnRef idx="1">
+            <a:schemeClr val="accent1"/>
+          </a:lnRef>
+          <a:fillRef idx="0">
+            <a:schemeClr val="accent1"/>
+          </a:fillRef>
+          <a:effectRef idx="0">
+            <a:schemeClr val="accent1"/>
+          </a:effectRef>
+          <a:fontRef idx="minor">
+            <a:schemeClr val="tx1"/>
+          </a:fontRef>
+        </p:style>
+      </p:cxnSp>
+      <p:sp>
+        <p:nvSpPr>
+          <p:cNvPr id="25" name="Rectangle: Rounded Corners 24">
+            <a:extLst>
+              <a:ext uri="{FF2B5EF4-FFF2-40B4-BE49-F238E27FC236}">
+                <a16:creationId xmlns:a16="http://schemas.microsoft.com/office/drawing/2014/main" id="{505E09E8-2DB6-13EB-A3E4-C6D73A6060B6}"/>
+              </a:ext>
+            </a:extLst>
+          </p:cNvPr>
+          <p:cNvSpPr/>
+          <p:nvPr/>
+        </p:nvSpPr>
+        <p:spPr>
+          <a:xfrm>
+            <a:off x="1280475" y="3160080"/>
+            <a:ext cx="4328413" cy="4755657"/>
+          </a:xfrm>
+          <a:prstGeom prst="roundRect">
+            <a:avLst>
+              <a:gd name="adj" fmla="val 10690"/>
+            </a:avLst>
+          </a:prstGeom>
+          <a:solidFill>
+            <a:schemeClr val="bg2">
+              <a:lumMod val="90000"/>
+              <a:alpha val="76000"/>
+            </a:schemeClr>
+          </a:solidFill>
+          <a:ln>
+            <a:noFill/>
+          </a:ln>
+        </p:spPr>
+        <p:style>
+          <a:lnRef idx="2">
+            <a:schemeClr val="accent1">
+              <a:shade val="15000"/>
+            </a:schemeClr>
+          </a:lnRef>
+          <a:fillRef idx="1">
+            <a:schemeClr val="accent1"/>
+          </a:fillRef>
+          <a:effectRef idx="0">
+            <a:schemeClr val="accent1"/>
+          </a:effectRef>
+          <a:fontRef idx="minor">
+            <a:schemeClr val="lt1"/>
+          </a:fontRef>
+        </p:style>
+        <p:txBody>
+          <a:bodyPr rtlCol="0" anchor="ctr"/>
+          <a:lstStyle/>
+          <a:p>
+            <a:pPr algn="ctr"/>
+            <a:endParaRPr lang="en-US"/>
+          </a:p>
+        </p:txBody>
+      </p:sp>
+      <p:sp>
+        <p:nvSpPr>
+          <p:cNvPr id="22" name="TextBox 21">
+            <a:extLst>
+              <a:ext uri="{FF2B5EF4-FFF2-40B4-BE49-F238E27FC236}">
+                <a16:creationId xmlns:a16="http://schemas.microsoft.com/office/drawing/2014/main" id="{4EDC5607-476E-1575-78D8-64DE3FA82D0C}"/>
+              </a:ext>
+            </a:extLst>
+          </p:cNvPr>
+          <p:cNvSpPr txBox="1"/>
+          <p:nvPr/>
+        </p:nvSpPr>
+        <p:spPr>
+          <a:xfrm>
+            <a:off x="5330386" y="6960937"/>
+            <a:ext cx="644935" cy="553998"/>
+          </a:xfrm>
+          <a:prstGeom prst="rect">
+            <a:avLst/>
+          </a:prstGeom>
+          <a:solidFill>
+            <a:schemeClr val="bg1"/>
+          </a:solidFill>
+        </p:spPr>
+        <p:txBody>
+          <a:bodyPr wrap="square" lIns="0" tIns="0" rIns="0" bIns="0" rtlCol="0">
+            <a:spAutoFit/>
+          </a:bodyPr>
+          <a:lstStyle/>
+          <a:p>
+            <a:pPr algn="ctr"/>
+            <a:r>
+              <a:rPr lang="en-US" b="1" dirty="0">
+                <a:solidFill>
+                  <a:schemeClr val="accent1"/>
+                </a:solidFill>
+              </a:rPr>
+              <a:t>Click here</a:t>
+            </a:r>
+          </a:p>
+        </p:txBody>
+      </p:sp>
+      <p:cxnSp>
+        <p:nvCxnSpPr>
+          <p:cNvPr id="23" name="Straight Connector 22">
+            <a:extLst>
+              <a:ext uri="{FF2B5EF4-FFF2-40B4-BE49-F238E27FC236}">
+                <a16:creationId xmlns:a16="http://schemas.microsoft.com/office/drawing/2014/main" id="{9CEEA6AF-3B91-9FBD-559E-8923C98A58EA}"/>
+              </a:ext>
+            </a:extLst>
+          </p:cNvPr>
+          <p:cNvCxnSpPr>
+            <a:cxnSpLocks/>
+          </p:cNvCxnSpPr>
+          <p:nvPr/>
+        </p:nvCxnSpPr>
+        <p:spPr>
+          <a:xfrm flipH="1">
+            <a:off x="3649224" y="7428998"/>
+            <a:ext cx="1681162" cy="717298"/>
+          </a:xfrm>
+          <a:prstGeom prst="line">
+            <a:avLst/>
+          </a:prstGeom>
+          <a:ln w="28575"/>
+        </p:spPr>
+        <p:style>
+          <a:lnRef idx="1">
+            <a:schemeClr val="accent1"/>
+          </a:lnRef>
+          <a:fillRef idx="0">
+            <a:schemeClr val="accent1"/>
+          </a:fillRef>
+          <a:effectRef idx="0">
+            <a:schemeClr val="accent1"/>
+          </a:effectRef>
+          <a:fontRef idx="minor">
+            <a:schemeClr val="tx1"/>
+          </a:fontRef>
+        </p:style>
+      </p:cxnSp>
+      <p:pic>
+        <p:nvPicPr>
+          <p:cNvPr id="30" name="Picture 29">
+            <a:extLst>
+              <a:ext uri="{FF2B5EF4-FFF2-40B4-BE49-F238E27FC236}">
+                <a16:creationId xmlns:a16="http://schemas.microsoft.com/office/drawing/2014/main" id="{12E57019-AEBA-EA26-A80D-A1839AE2ABB2}"/>
+              </a:ext>
+            </a:extLst>
+          </p:cNvPr>
+          <p:cNvPicPr>
+            <a:picLocks noChangeAspect="1"/>
+          </p:cNvPicPr>
+          <p:nvPr/>
+        </p:nvPicPr>
+        <p:blipFill>
+          <a:blip r:embed="rId7">
+            <a:extLst>
+              <a:ext uri="{28A0092B-C50C-407E-A947-70E740481C1C}">
+                <a14:useLocalDpi xmlns:a14="http://schemas.microsoft.com/office/drawing/2010/main" val="0"/>
+              </a:ext>
+            </a:extLst>
+          </a:blip>
+          <a:stretch>
+            <a:fillRect/>
+          </a:stretch>
+        </p:blipFill>
+        <p:spPr>
+          <a:xfrm>
+            <a:off x="1215890" y="8852004"/>
+            <a:ext cx="4866667" cy="176542"/>
+          </a:xfrm>
+          <a:prstGeom prst="rect">
+            <a:avLst/>
+          </a:prstGeom>
+        </p:spPr>
+      </p:pic>
+    </p:spTree>
+    <p:extLst>
+      <p:ext uri="{BB962C8B-B14F-4D97-AF65-F5344CB8AC3E}">
+        <p14:creationId xmlns:p14="http://schemas.microsoft.com/office/powerpoint/2010/main" val="1926906025"/>
       </p:ext>
     </p:extLst>
   </p:cSld>

--- a/image/howToPost.pptx
+++ b/image/howToPost.pptx
@@ -118,16 +118,80 @@
   <pc:docChgLst>
     <pc:chgData name="George John" userId="1c7f5d7288d1a48b" providerId="LiveId" clId="{0144DF34-647E-4BF4-ABCB-FB17BAA507B1}"/>
     <pc:docChg chg="undo custSel addSld modSld">
-      <pc:chgData name="George John" userId="1c7f5d7288d1a48b" providerId="LiveId" clId="{0144DF34-647E-4BF4-ABCB-FB17BAA507B1}" dt="2023-10-28T06:01:37.553" v="693" actId="1076"/>
+      <pc:chgData name="George John" userId="1c7f5d7288d1a48b" providerId="LiveId" clId="{0144DF34-647E-4BF4-ABCB-FB17BAA507B1}" dt="2023-10-30T00:41:41.602" v="1260" actId="1076"/>
       <pc:docMkLst>
         <pc:docMk/>
       </pc:docMkLst>
       <pc:sldChg chg="addSp delSp modSp mod">
-        <pc:chgData name="George John" userId="1c7f5d7288d1a48b" providerId="LiveId" clId="{0144DF34-647E-4BF4-ABCB-FB17BAA507B1}" dt="2023-10-28T06:01:08.853" v="684" actId="1076"/>
+        <pc:chgData name="George John" userId="1c7f5d7288d1a48b" providerId="LiveId" clId="{0144DF34-647E-4BF4-ABCB-FB17BAA507B1}" dt="2023-10-30T00:41:41.602" v="1260" actId="1076"/>
         <pc:sldMkLst>
           <pc:docMk/>
           <pc:sldMk cId="2429365050" sldId="256"/>
         </pc:sldMkLst>
+        <pc:spChg chg="add mod ord">
+          <ac:chgData name="George John" userId="1c7f5d7288d1a48b" providerId="LiveId" clId="{0144DF34-647E-4BF4-ABCB-FB17BAA507B1}" dt="2023-10-30T00:41:22.697" v="1257" actId="1076"/>
+          <ac:spMkLst>
+            <pc:docMk/>
+            <pc:sldMk cId="2429365050" sldId="256"/>
+            <ac:spMk id="2" creationId="{8D618F7A-415B-3E5B-B839-9A1E37697057}"/>
+          </ac:spMkLst>
+        </pc:spChg>
+        <pc:spChg chg="add mod">
+          <ac:chgData name="George John" userId="1c7f5d7288d1a48b" providerId="LiveId" clId="{0144DF34-647E-4BF4-ABCB-FB17BAA507B1}" dt="2023-10-30T00:40:14.656" v="1247" actId="164"/>
+          <ac:spMkLst>
+            <pc:docMk/>
+            <pc:sldMk cId="2429365050" sldId="256"/>
+            <ac:spMk id="3" creationId="{15A83833-3350-0AE5-7A76-6357C1B48DF2}"/>
+          </ac:spMkLst>
+        </pc:spChg>
+        <pc:spChg chg="add mod">
+          <ac:chgData name="George John" userId="1c7f5d7288d1a48b" providerId="LiveId" clId="{0144DF34-647E-4BF4-ABCB-FB17BAA507B1}" dt="2023-10-30T00:40:14.656" v="1247" actId="164"/>
+          <ac:spMkLst>
+            <pc:docMk/>
+            <pc:sldMk cId="2429365050" sldId="256"/>
+            <ac:spMk id="4" creationId="{B4C1F2D1-C183-05EA-A130-1BA626B50822}"/>
+          </ac:spMkLst>
+        </pc:spChg>
+        <pc:spChg chg="add mod">
+          <ac:chgData name="George John" userId="1c7f5d7288d1a48b" providerId="LiveId" clId="{0144DF34-647E-4BF4-ABCB-FB17BAA507B1}" dt="2023-10-30T00:40:14.656" v="1247" actId="164"/>
+          <ac:spMkLst>
+            <pc:docMk/>
+            <pc:sldMk cId="2429365050" sldId="256"/>
+            <ac:spMk id="5" creationId="{6A4D6D54-257D-8402-7A79-E36C201BE877}"/>
+          </ac:spMkLst>
+        </pc:spChg>
+        <pc:spChg chg="mod">
+          <ac:chgData name="George John" userId="1c7f5d7288d1a48b" providerId="LiveId" clId="{0144DF34-647E-4BF4-ABCB-FB17BAA507B1}" dt="2023-10-30T00:40:14.656" v="1247" actId="164"/>
+          <ac:spMkLst>
+            <pc:docMk/>
+            <pc:sldMk cId="2429365050" sldId="256"/>
+            <ac:spMk id="16" creationId="{7FFE27DD-6947-F70A-917B-26A58299303D}"/>
+          </ac:spMkLst>
+        </pc:spChg>
+        <pc:spChg chg="mod">
+          <ac:chgData name="George John" userId="1c7f5d7288d1a48b" providerId="LiveId" clId="{0144DF34-647E-4BF4-ABCB-FB17BAA507B1}" dt="2023-10-30T00:40:14.656" v="1247" actId="164"/>
+          <ac:spMkLst>
+            <pc:docMk/>
+            <pc:sldMk cId="2429365050" sldId="256"/>
+            <ac:spMk id="17" creationId="{FDA87858-ED50-B542-5CEA-D7A03A25CD80}"/>
+          </ac:spMkLst>
+        </pc:spChg>
+        <pc:spChg chg="add mod">
+          <ac:chgData name="George John" userId="1c7f5d7288d1a48b" providerId="LiveId" clId="{0144DF34-647E-4BF4-ABCB-FB17BAA507B1}" dt="2023-10-30T00:41:41.602" v="1260" actId="1076"/>
+          <ac:spMkLst>
+            <pc:docMk/>
+            <pc:sldMk cId="2429365050" sldId="256"/>
+            <ac:spMk id="18" creationId="{46136DFE-F0D8-A090-1377-C788132E89A2}"/>
+          </ac:spMkLst>
+        </pc:spChg>
+        <pc:grpChg chg="add mod">
+          <ac:chgData name="George John" userId="1c7f5d7288d1a48b" providerId="LiveId" clId="{0144DF34-647E-4BF4-ABCB-FB17BAA507B1}" dt="2023-10-30T00:40:14.656" v="1247" actId="164"/>
+          <ac:grpSpMkLst>
+            <pc:docMk/>
+            <pc:sldMk cId="2429365050" sldId="256"/>
+            <ac:grpSpMk id="6" creationId="{87798A15-81C8-2DD8-7DC5-90FD6EEB0345}"/>
+          </ac:grpSpMkLst>
+        </pc:grpChg>
         <pc:picChg chg="add del mod">
           <ac:chgData name="George John" userId="1c7f5d7288d1a48b" providerId="LiveId" clId="{0144DF34-647E-4BF4-ABCB-FB17BAA507B1}" dt="2023-10-28T05:07:25.497" v="2" actId="21"/>
           <ac:picMkLst>
@@ -153,11 +217,27 @@
           </ac:picMkLst>
         </pc:picChg>
         <pc:picChg chg="add mod">
-          <ac:chgData name="George John" userId="1c7f5d7288d1a48b" providerId="LiveId" clId="{0144DF34-647E-4BF4-ABCB-FB17BAA507B1}" dt="2023-10-28T06:01:08.853" v="684" actId="1076"/>
+          <ac:chgData name="George John" userId="1c7f5d7288d1a48b" providerId="LiveId" clId="{0144DF34-647E-4BF4-ABCB-FB17BAA507B1}" dt="2023-10-30T00:40:14.656" v="1247" actId="164"/>
           <ac:picMkLst>
             <pc:docMk/>
             <pc:sldMk cId="2429365050" sldId="256"/>
             <ac:picMk id="7" creationId="{BD8D348B-9B09-85F0-598C-37F5739B0C29}"/>
+          </ac:picMkLst>
+        </pc:picChg>
+        <pc:picChg chg="mod">
+          <ac:chgData name="George John" userId="1c7f5d7288d1a48b" providerId="LiveId" clId="{0144DF34-647E-4BF4-ABCB-FB17BAA507B1}" dt="2023-10-30T00:40:14.656" v="1247" actId="164"/>
+          <ac:picMkLst>
+            <pc:docMk/>
+            <pc:sldMk cId="2429365050" sldId="256"/>
+            <ac:picMk id="9" creationId="{B5B8D332-926C-C7BA-9B83-B538091B55F6}"/>
+          </ac:picMkLst>
+        </pc:picChg>
+        <pc:picChg chg="mod">
+          <ac:chgData name="George John" userId="1c7f5d7288d1a48b" providerId="LiveId" clId="{0144DF34-647E-4BF4-ABCB-FB17BAA507B1}" dt="2023-10-30T00:40:14.656" v="1247" actId="164"/>
+          <ac:picMkLst>
+            <pc:docMk/>
+            <pc:sldMk cId="2429365050" sldId="256"/>
+            <ac:picMk id="11" creationId="{E362918E-6954-3B1B-DF77-B655EA6C452E}"/>
           </ac:picMkLst>
         </pc:picChg>
         <pc:picChg chg="del">
@@ -168,19 +248,75 @@
             <ac:picMk id="13" creationId="{B2F09005-9A78-98C8-91D3-39145B4F0441}"/>
           </ac:picMkLst>
         </pc:picChg>
+        <pc:picChg chg="mod">
+          <ac:chgData name="George John" userId="1c7f5d7288d1a48b" providerId="LiveId" clId="{0144DF34-647E-4BF4-ABCB-FB17BAA507B1}" dt="2023-10-30T00:40:14.656" v="1247" actId="164"/>
+          <ac:picMkLst>
+            <pc:docMk/>
+            <pc:sldMk cId="2429365050" sldId="256"/>
+            <ac:picMk id="15" creationId="{6F9F2A86-D911-18F5-691D-899F6EA47EBA}"/>
+          </ac:picMkLst>
+        </pc:picChg>
+        <pc:cxnChg chg="add mod">
+          <ac:chgData name="George John" userId="1c7f5d7288d1a48b" providerId="LiveId" clId="{0144DF34-647E-4BF4-ABCB-FB17BAA507B1}" dt="2023-10-30T00:41:26.664" v="1258" actId="14100"/>
+          <ac:cxnSpMkLst>
+            <pc:docMk/>
+            <pc:sldMk cId="2429365050" sldId="256"/>
+            <ac:cxnSpMk id="8" creationId="{7DCD4D0C-0EC4-E287-17B2-6FBDCB0497D6}"/>
+          </ac:cxnSpMkLst>
+        </pc:cxnChg>
+        <pc:cxnChg chg="mod">
+          <ac:chgData name="George John" userId="1c7f5d7288d1a48b" providerId="LiveId" clId="{0144DF34-647E-4BF4-ABCB-FB17BAA507B1}" dt="2023-10-30T00:40:14.656" v="1247" actId="164"/>
+          <ac:cxnSpMkLst>
+            <pc:docMk/>
+            <pc:sldMk cId="2429365050" sldId="256"/>
+            <ac:cxnSpMk id="19" creationId="{C6D52313-B39E-ED70-00B0-38EA885C93A1}"/>
+          </ac:cxnSpMkLst>
+        </pc:cxnChg>
+        <pc:cxnChg chg="mod">
+          <ac:chgData name="George John" userId="1c7f5d7288d1a48b" providerId="LiveId" clId="{0144DF34-647E-4BF4-ABCB-FB17BAA507B1}" dt="2023-10-30T00:40:14.656" v="1247" actId="164"/>
+          <ac:cxnSpMkLst>
+            <pc:docMk/>
+            <pc:sldMk cId="2429365050" sldId="256"/>
+            <ac:cxnSpMk id="20" creationId="{59FA40A0-43B2-7927-5632-154E835C24EA}"/>
+          </ac:cxnSpMkLst>
+        </pc:cxnChg>
+        <pc:cxnChg chg="add mod">
+          <ac:chgData name="George John" userId="1c7f5d7288d1a48b" providerId="LiveId" clId="{0144DF34-647E-4BF4-ABCB-FB17BAA507B1}" dt="2023-10-30T00:41:41.602" v="1260" actId="1076"/>
+          <ac:cxnSpMkLst>
+            <pc:docMk/>
+            <pc:sldMk cId="2429365050" sldId="256"/>
+            <ac:cxnSpMk id="21" creationId="{DF0CEFC7-9938-DC5D-7D42-71CA2323D1B0}"/>
+          </ac:cxnSpMkLst>
+        </pc:cxnChg>
       </pc:sldChg>
       <pc:sldChg chg="addSp delSp modSp new mod">
-        <pc:chgData name="George John" userId="1c7f5d7288d1a48b" providerId="LiveId" clId="{0144DF34-647E-4BF4-ABCB-FB17BAA507B1}" dt="2023-10-28T06:01:37.553" v="693" actId="1076"/>
+        <pc:chgData name="George John" userId="1c7f5d7288d1a48b" providerId="LiveId" clId="{0144DF34-647E-4BF4-ABCB-FB17BAA507B1}" dt="2023-10-30T00:12:36.140" v="1205" actId="14100"/>
         <pc:sldMkLst>
           <pc:docMk/>
           <pc:sldMk cId="1926906025" sldId="257"/>
         </pc:sldMkLst>
+        <pc:spChg chg="add del mod ord">
+          <ac:chgData name="George John" userId="1c7f5d7288d1a48b" providerId="LiveId" clId="{0144DF34-647E-4BF4-ABCB-FB17BAA507B1}" dt="2023-10-30T00:11:02.444" v="1200" actId="478"/>
+          <ac:spMkLst>
+            <pc:docMk/>
+            <pc:sldMk cId="1926906025" sldId="257"/>
+            <ac:spMk id="2" creationId="{769AAB3C-1D44-1806-19DF-FA924A40114B}"/>
+          </ac:spMkLst>
+        </pc:spChg>
         <pc:spChg chg="add mod">
           <ac:chgData name="George John" userId="1c7f5d7288d1a48b" providerId="LiveId" clId="{0144DF34-647E-4BF4-ABCB-FB17BAA507B1}" dt="2023-10-28T05:52:23.219" v="531" actId="1036"/>
           <ac:spMkLst>
             <pc:docMk/>
             <pc:sldMk cId="1926906025" sldId="257"/>
             <ac:spMk id="4" creationId="{F219D5B5-8811-99AF-432E-5B6809E53C89}"/>
+          </ac:spMkLst>
+        </pc:spChg>
+        <pc:spChg chg="add mod">
+          <ac:chgData name="George John" userId="1c7f5d7288d1a48b" providerId="LiveId" clId="{0144DF34-647E-4BF4-ABCB-FB17BAA507B1}" dt="2023-10-30T00:02:34.632" v="1096" actId="1035"/>
+          <ac:spMkLst>
+            <pc:docMk/>
+            <pc:sldMk cId="1926906025" sldId="257"/>
+            <ac:spMk id="7" creationId="{BD4DC219-D868-6115-C128-91F328A2E077}"/>
           </ac:spMkLst>
         </pc:spChg>
         <pc:spChg chg="add del mod">
@@ -192,6 +328,14 @@
           </ac:spMkLst>
         </pc:spChg>
         <pc:spChg chg="add mod">
+          <ac:chgData name="George John" userId="1c7f5d7288d1a48b" providerId="LiveId" clId="{0144DF34-647E-4BF4-ABCB-FB17BAA507B1}" dt="2023-10-29T23:59:39.258" v="1051" actId="20577"/>
+          <ac:spMkLst>
+            <pc:docMk/>
+            <pc:sldMk cId="1926906025" sldId="257"/>
+            <ac:spMk id="9" creationId="{E0FFCD8B-45B4-43BB-28EA-9E27A66680D2}"/>
+          </ac:spMkLst>
+        </pc:spChg>
+        <pc:spChg chg="add mod">
           <ac:chgData name="George John" userId="1c7f5d7288d1a48b" providerId="LiveId" clId="{0144DF34-647E-4BF4-ABCB-FB17BAA507B1}" dt="2023-10-28T05:52:23.219" v="531" actId="1036"/>
           <ac:spMkLst>
             <pc:docMk/>
@@ -200,7 +344,7 @@
           </ac:spMkLst>
         </pc:spChg>
         <pc:spChg chg="add mod">
-          <ac:chgData name="George John" userId="1c7f5d7288d1a48b" providerId="LiveId" clId="{0144DF34-647E-4BF4-ABCB-FB17BAA507B1}" dt="2023-10-28T05:52:23.219" v="531" actId="1036"/>
+          <ac:chgData name="George John" userId="1c7f5d7288d1a48b" providerId="LiveId" clId="{0144DF34-647E-4BF4-ABCB-FB17BAA507B1}" dt="2023-10-30T00:12:24.362" v="1204" actId="1076"/>
           <ac:spMkLst>
             <pc:docMk/>
             <pc:sldMk cId="1926906025" sldId="257"/>
@@ -208,11 +352,19 @@
           </ac:spMkLst>
         </pc:spChg>
         <pc:spChg chg="add mod ord">
-          <ac:chgData name="George John" userId="1c7f5d7288d1a48b" providerId="LiveId" clId="{0144DF34-647E-4BF4-ABCB-FB17BAA507B1}" dt="2023-10-28T05:57:09.818" v="677" actId="1036"/>
+          <ac:chgData name="George John" userId="1c7f5d7288d1a48b" providerId="LiveId" clId="{0144DF34-647E-4BF4-ABCB-FB17BAA507B1}" dt="2023-10-30T00:11:58.932" v="1202" actId="1076"/>
           <ac:spMkLst>
             <pc:docMk/>
             <pc:sldMk cId="1926906025" sldId="257"/>
             <ac:spMk id="22" creationId="{4EDC5607-476E-1575-78D8-64DE3FA82D0C}"/>
+          </ac:spMkLst>
+        </pc:spChg>
+        <pc:spChg chg="add mod">
+          <ac:chgData name="George John" userId="1c7f5d7288d1a48b" providerId="LiveId" clId="{0144DF34-647E-4BF4-ABCB-FB17BAA507B1}" dt="2023-10-30T00:10:59.695" v="1199" actId="1038"/>
+          <ac:spMkLst>
+            <pc:docMk/>
+            <pc:sldMk cId="1926906025" sldId="257"/>
+            <ac:spMk id="24" creationId="{090818EA-8152-473B-528B-B8BD0B3442C6}"/>
           </ac:spMkLst>
         </pc:spChg>
         <pc:spChg chg="add del mod">
@@ -224,7 +376,7 @@
           </ac:spMkLst>
         </pc:spChg>
         <pc:spChg chg="add mod">
-          <ac:chgData name="George John" userId="1c7f5d7288d1a48b" providerId="LiveId" clId="{0144DF34-647E-4BF4-ABCB-FB17BAA507B1}" dt="2023-10-28T05:55:01.616" v="632" actId="207"/>
+          <ac:chgData name="George John" userId="1c7f5d7288d1a48b" providerId="LiveId" clId="{0144DF34-647E-4BF4-ABCB-FB17BAA507B1}" dt="2023-10-29T23:58:35.834" v="1015" actId="14100"/>
           <ac:spMkLst>
             <pc:docMk/>
             <pc:sldMk cId="1926906025" sldId="257"/>
@@ -248,6 +400,14 @@
           </ac:picMkLst>
         </pc:picChg>
         <pc:picChg chg="add mod">
+          <ac:chgData name="George John" userId="1c7f5d7288d1a48b" providerId="LiveId" clId="{0144DF34-647E-4BF4-ABCB-FB17BAA507B1}" dt="2023-10-29T23:58:44.552" v="1033" actId="1036"/>
+          <ac:picMkLst>
+            <pc:docMk/>
+            <pc:sldMk cId="1926906025" sldId="257"/>
+            <ac:picMk id="5" creationId="{F5B540F1-9221-3895-8BC2-736903D9480F}"/>
+          </ac:picMkLst>
+        </pc:picChg>
+        <pc:picChg chg="add mod">
           <ac:chgData name="George John" userId="1c7f5d7288d1a48b" providerId="LiveId" clId="{0144DF34-647E-4BF4-ABCB-FB17BAA507B1}" dt="2023-10-28T05:52:23.219" v="531" actId="1036"/>
           <ac:picMkLst>
             <pc:docMk/>
@@ -255,8 +415,8 @@
             <ac:picMk id="6" creationId="{EC35F343-EBB2-402B-5A4B-F8284FF1B895}"/>
           </ac:picMkLst>
         </pc:picChg>
-        <pc:picChg chg="add mod">
-          <ac:chgData name="George John" userId="1c7f5d7288d1a48b" providerId="LiveId" clId="{0144DF34-647E-4BF4-ABCB-FB17BAA507B1}" dt="2023-10-28T05:52:23.219" v="531" actId="1036"/>
+        <pc:picChg chg="add del mod ord">
+          <ac:chgData name="George John" userId="1c7f5d7288d1a48b" providerId="LiveId" clId="{0144DF34-647E-4BF4-ABCB-FB17BAA507B1}" dt="2023-10-29T23:53:00.526" v="968" actId="478"/>
           <ac:picMkLst>
             <pc:docMk/>
             <pc:sldMk cId="1926906025" sldId="257"/>
@@ -272,7 +432,7 @@
           </ac:picMkLst>
         </pc:picChg>
         <pc:picChg chg="add mod">
-          <ac:chgData name="George John" userId="1c7f5d7288d1a48b" providerId="LiveId" clId="{0144DF34-647E-4BF4-ABCB-FB17BAA507B1}" dt="2023-10-28T05:52:23.219" v="531" actId="1036"/>
+          <ac:chgData name="George John" userId="1c7f5d7288d1a48b" providerId="LiveId" clId="{0144DF34-647E-4BF4-ABCB-FB17BAA507B1}" dt="2023-10-29T23:49:46.681" v="889" actId="14100"/>
           <ac:picMkLst>
             <pc:docMk/>
             <pc:sldMk cId="1926906025" sldId="257"/>
@@ -296,7 +456,7 @@
           </ac:picMkLst>
         </pc:picChg>
         <pc:picChg chg="add mod">
-          <ac:chgData name="George John" userId="1c7f5d7288d1a48b" providerId="LiveId" clId="{0144DF34-647E-4BF4-ABCB-FB17BAA507B1}" dt="2023-10-28T06:01:37.553" v="693" actId="1076"/>
+          <ac:chgData name="George John" userId="1c7f5d7288d1a48b" providerId="LiveId" clId="{0144DF34-647E-4BF4-ABCB-FB17BAA507B1}" dt="2023-10-29T23:59:17.739" v="1041" actId="1582"/>
           <ac:picMkLst>
             <pc:docMk/>
             <pc:sldMk cId="1926906025" sldId="257"/>
@@ -304,7 +464,7 @@
           </ac:picMkLst>
         </pc:picChg>
         <pc:cxnChg chg="add mod">
-          <ac:chgData name="George John" userId="1c7f5d7288d1a48b" providerId="LiveId" clId="{0144DF34-647E-4BF4-ABCB-FB17BAA507B1}" dt="2023-10-28T05:52:23.219" v="531" actId="1036"/>
+          <ac:chgData name="George John" userId="1c7f5d7288d1a48b" providerId="LiveId" clId="{0144DF34-647E-4BF4-ABCB-FB17BAA507B1}" dt="2023-10-30T00:12:36.140" v="1205" actId="14100"/>
           <ac:cxnSpMkLst>
             <pc:docMk/>
             <pc:sldMk cId="1926906025" sldId="257"/>
@@ -312,7 +472,7 @@
           </ac:cxnSpMkLst>
         </pc:cxnChg>
         <pc:cxnChg chg="add mod ord">
-          <ac:chgData name="George John" userId="1c7f5d7288d1a48b" providerId="LiveId" clId="{0144DF34-647E-4BF4-ABCB-FB17BAA507B1}" dt="2023-10-28T05:57:13.912" v="678" actId="14100"/>
+          <ac:chgData name="George John" userId="1c7f5d7288d1a48b" providerId="LiveId" clId="{0144DF34-647E-4BF4-ABCB-FB17BAA507B1}" dt="2023-10-30T00:12:08.312" v="1203" actId="166"/>
           <ac:cxnSpMkLst>
             <pc:docMk/>
             <pc:sldMk cId="1926906025" sldId="257"/>
@@ -456,7 +616,7 @@
           <a:p>
             <a:fld id="{EA307E68-3151-4021-8034-6905DEC8B993}" type="datetimeFigureOut">
               <a:rPr lang="en-US" smtClean="0"/>
-              <a:t>10/27/2023</a:t>
+              <a:t>10/29/2023</a:t>
             </a:fld>
             <a:endParaRPr lang="en-US"/>
           </a:p>
@@ -626,7 +786,7 @@
           <a:p>
             <a:fld id="{EA307E68-3151-4021-8034-6905DEC8B993}" type="datetimeFigureOut">
               <a:rPr lang="en-US" smtClean="0"/>
-              <a:t>10/27/2023</a:t>
+              <a:t>10/29/2023</a:t>
             </a:fld>
             <a:endParaRPr lang="en-US"/>
           </a:p>
@@ -806,7 +966,7 @@
           <a:p>
             <a:fld id="{EA307E68-3151-4021-8034-6905DEC8B993}" type="datetimeFigureOut">
               <a:rPr lang="en-US" smtClean="0"/>
-              <a:t>10/27/2023</a:t>
+              <a:t>10/29/2023</a:t>
             </a:fld>
             <a:endParaRPr lang="en-US"/>
           </a:p>
@@ -976,7 +1136,7 @@
           <a:p>
             <a:fld id="{EA307E68-3151-4021-8034-6905DEC8B993}" type="datetimeFigureOut">
               <a:rPr lang="en-US" smtClean="0"/>
-              <a:t>10/27/2023</a:t>
+              <a:t>10/29/2023</a:t>
             </a:fld>
             <a:endParaRPr lang="en-US"/>
           </a:p>
@@ -1220,7 +1380,7 @@
           <a:p>
             <a:fld id="{EA307E68-3151-4021-8034-6905DEC8B993}" type="datetimeFigureOut">
               <a:rPr lang="en-US" smtClean="0"/>
-              <a:t>10/27/2023</a:t>
+              <a:t>10/29/2023</a:t>
             </a:fld>
             <a:endParaRPr lang="en-US"/>
           </a:p>
@@ -1452,7 +1612,7 @@
           <a:p>
             <a:fld id="{EA307E68-3151-4021-8034-6905DEC8B993}" type="datetimeFigureOut">
               <a:rPr lang="en-US" smtClean="0"/>
-              <a:t>10/27/2023</a:t>
+              <a:t>10/29/2023</a:t>
             </a:fld>
             <a:endParaRPr lang="en-US"/>
           </a:p>
@@ -1819,7 +1979,7 @@
           <a:p>
             <a:fld id="{EA307E68-3151-4021-8034-6905DEC8B993}" type="datetimeFigureOut">
               <a:rPr lang="en-US" smtClean="0"/>
-              <a:t>10/27/2023</a:t>
+              <a:t>10/29/2023</a:t>
             </a:fld>
             <a:endParaRPr lang="en-US"/>
           </a:p>
@@ -1937,7 +2097,7 @@
           <a:p>
             <a:fld id="{EA307E68-3151-4021-8034-6905DEC8B993}" type="datetimeFigureOut">
               <a:rPr lang="en-US" smtClean="0"/>
-              <a:t>10/27/2023</a:t>
+              <a:t>10/29/2023</a:t>
             </a:fld>
             <a:endParaRPr lang="en-US"/>
           </a:p>
@@ -2032,7 +2192,7 @@
           <a:p>
             <a:fld id="{EA307E68-3151-4021-8034-6905DEC8B993}" type="datetimeFigureOut">
               <a:rPr lang="en-US" smtClean="0"/>
-              <a:t>10/27/2023</a:t>
+              <a:t>10/29/2023</a:t>
             </a:fld>
             <a:endParaRPr lang="en-US"/>
           </a:p>
@@ -2309,7 +2469,7 @@
           <a:p>
             <a:fld id="{EA307E68-3151-4021-8034-6905DEC8B993}" type="datetimeFigureOut">
               <a:rPr lang="en-US" smtClean="0"/>
-              <a:t>10/27/2023</a:t>
+              <a:t>10/29/2023</a:t>
             </a:fld>
             <a:endParaRPr lang="en-US"/>
           </a:p>
@@ -2566,7 +2726,7 @@
           <a:p>
             <a:fld id="{EA307E68-3151-4021-8034-6905DEC8B993}" type="datetimeFigureOut">
               <a:rPr lang="en-US" smtClean="0"/>
-              <a:t>10/27/2023</a:t>
+              <a:t>10/29/2023</a:t>
             </a:fld>
             <a:endParaRPr lang="en-US"/>
           </a:p>
@@ -2779,7 +2939,7 @@
           <a:p>
             <a:fld id="{EA307E68-3151-4021-8034-6905DEC8B993}" type="datetimeFigureOut">
               <a:rPr lang="en-US" smtClean="0"/>
-              <a:t>10/27/2023</a:t>
+              <a:t>10/29/2023</a:t>
             </a:fld>
             <a:endParaRPr lang="en-US"/>
           </a:p>
@@ -3184,114 +3344,493 @@
           <a:chExt cx="0" cy="0"/>
         </a:xfrm>
       </p:grpSpPr>
-      <p:pic>
-        <p:nvPicPr>
-          <p:cNvPr id="9" name="Picture 8">
+      <p:grpSp>
+        <p:nvGrpSpPr>
+          <p:cNvPr id="6" name="Group 5">
             <a:extLst>
               <a:ext uri="{FF2B5EF4-FFF2-40B4-BE49-F238E27FC236}">
-                <a16:creationId xmlns:a16="http://schemas.microsoft.com/office/drawing/2014/main" id="{B5B8D332-926C-C7BA-9B83-B538091B55F6}"/>
+                <a16:creationId xmlns:a16="http://schemas.microsoft.com/office/drawing/2014/main" id="{87798A15-81C8-2DD8-7DC5-90FD6EEB0345}"/>
               </a:ext>
             </a:extLst>
           </p:cNvPr>
-          <p:cNvPicPr>
-            <a:picLocks noChangeAspect="1"/>
-          </p:cNvPicPr>
+          <p:cNvGrpSpPr/>
           <p:nvPr/>
-        </p:nvPicPr>
-        <p:blipFill>
-          <a:blip r:embed="rId2">
-            <a:extLst>
-              <a:ext uri="{28A0092B-C50C-407E-A947-70E740481C1C}">
-                <a14:useLocalDpi xmlns:a14="http://schemas.microsoft.com/office/drawing/2010/main" val="0"/>
-              </a:ext>
-            </a:extLst>
-          </a:blip>
-          <a:stretch>
-            <a:fillRect/>
-          </a:stretch>
-        </p:blipFill>
-        <p:spPr>
+        </p:nvGrpSpPr>
+        <p:grpSpPr>
           <a:xfrm>
-            <a:off x="1676400" y="4950441"/>
-            <a:ext cx="4146472" cy="1404272"/>
+            <a:off x="731248" y="1219200"/>
+            <a:ext cx="5091624" cy="5135513"/>
+            <a:chOff x="731248" y="1219200"/>
+            <a:chExt cx="5091624" cy="5135513"/>
           </a:xfrm>
-          <a:prstGeom prst="rect">
-            <a:avLst/>
-          </a:prstGeom>
-        </p:spPr>
-      </p:pic>
-      <p:pic>
-        <p:nvPicPr>
-          <p:cNvPr id="11" name="Picture 10">
+        </p:grpSpPr>
+        <p:pic>
+          <p:nvPicPr>
+            <p:cNvPr id="9" name="Picture 8">
+              <a:extLst>
+                <a:ext uri="{FF2B5EF4-FFF2-40B4-BE49-F238E27FC236}">
+                  <a16:creationId xmlns:a16="http://schemas.microsoft.com/office/drawing/2014/main" id="{B5B8D332-926C-C7BA-9B83-B538091B55F6}"/>
+                </a:ext>
+              </a:extLst>
+            </p:cNvPr>
+            <p:cNvPicPr>
+              <a:picLocks noChangeAspect="1"/>
+            </p:cNvPicPr>
+            <p:nvPr/>
+          </p:nvPicPr>
+          <p:blipFill>
+            <a:blip r:embed="rId2">
+              <a:extLst>
+                <a:ext uri="{28A0092B-C50C-407E-A947-70E740481C1C}">
+                  <a14:useLocalDpi xmlns:a14="http://schemas.microsoft.com/office/drawing/2010/main" val="0"/>
+                </a:ext>
+              </a:extLst>
+            </a:blip>
+            <a:stretch>
+              <a:fillRect/>
+            </a:stretch>
+          </p:blipFill>
+          <p:spPr>
+            <a:xfrm>
+              <a:off x="1676400" y="4950441"/>
+              <a:ext cx="4146472" cy="1404272"/>
+            </a:xfrm>
+            <a:prstGeom prst="rect">
+              <a:avLst/>
+            </a:prstGeom>
+          </p:spPr>
+        </p:pic>
+        <p:pic>
+          <p:nvPicPr>
+            <p:cNvPr id="11" name="Picture 10">
+              <a:extLst>
+                <a:ext uri="{FF2B5EF4-FFF2-40B4-BE49-F238E27FC236}">
+                  <a16:creationId xmlns:a16="http://schemas.microsoft.com/office/drawing/2014/main" id="{E362918E-6954-3B1B-DF77-B655EA6C452E}"/>
+                </a:ext>
+              </a:extLst>
+            </p:cNvPr>
+            <p:cNvPicPr>
+              <a:picLocks noChangeAspect="1"/>
+            </p:cNvPicPr>
+            <p:nvPr/>
+          </p:nvPicPr>
+          <p:blipFill>
+            <a:blip r:embed="rId3">
+              <a:extLst>
+                <a:ext uri="{28A0092B-C50C-407E-A947-70E740481C1C}">
+                  <a14:useLocalDpi xmlns:a14="http://schemas.microsoft.com/office/drawing/2010/main" val="0"/>
+                </a:ext>
+              </a:extLst>
+            </a:blip>
+            <a:stretch>
+              <a:fillRect/>
+            </a:stretch>
+          </p:blipFill>
+          <p:spPr>
+            <a:xfrm>
+              <a:off x="1676400" y="1274699"/>
+              <a:ext cx="4146472" cy="3545694"/>
+            </a:xfrm>
+            <a:prstGeom prst="rect">
+              <a:avLst/>
+            </a:prstGeom>
+          </p:spPr>
+        </p:pic>
+        <p:pic>
+          <p:nvPicPr>
+            <p:cNvPr id="15" name="Picture 14">
+              <a:extLst>
+                <a:ext uri="{FF2B5EF4-FFF2-40B4-BE49-F238E27FC236}">
+                  <a16:creationId xmlns:a16="http://schemas.microsoft.com/office/drawing/2014/main" id="{6F9F2A86-D911-18F5-691D-899F6EA47EBA}"/>
+                </a:ext>
+              </a:extLst>
+            </p:cNvPr>
+            <p:cNvPicPr>
+              <a:picLocks noChangeAspect="1"/>
+            </p:cNvPicPr>
+            <p:nvPr/>
+          </p:nvPicPr>
+          <p:blipFill>
+            <a:blip r:embed="rId4"/>
+            <a:stretch>
+              <a:fillRect/>
+            </a:stretch>
+          </p:blipFill>
+          <p:spPr>
+            <a:xfrm>
+              <a:off x="1756204" y="4277536"/>
+              <a:ext cx="3987372" cy="534777"/>
+            </a:xfrm>
+            <a:prstGeom prst="rect">
+              <a:avLst/>
+            </a:prstGeom>
+          </p:spPr>
+        </p:pic>
+        <p:sp>
+          <p:nvSpPr>
+            <p:cNvPr id="16" name="TextBox 15">
+              <a:extLst>
+                <a:ext uri="{FF2B5EF4-FFF2-40B4-BE49-F238E27FC236}">
+                  <a16:creationId xmlns:a16="http://schemas.microsoft.com/office/drawing/2014/main" id="{7FFE27DD-6947-F70A-917B-26A58299303D}"/>
+                </a:ext>
+              </a:extLst>
+            </p:cNvPr>
+            <p:cNvSpPr txBox="1"/>
+            <p:nvPr/>
+          </p:nvSpPr>
+          <p:spPr>
+            <a:xfrm>
+              <a:off x="835773" y="1219200"/>
+              <a:ext cx="874959" cy="646331"/>
+            </a:xfrm>
+            <a:prstGeom prst="rect">
+              <a:avLst/>
+            </a:prstGeom>
+            <a:noFill/>
+          </p:spPr>
+          <p:txBody>
+            <a:bodyPr wrap="square" rtlCol="0">
+              <a:spAutoFit/>
+            </a:bodyPr>
+            <a:lstStyle/>
+            <a:p>
+              <a:pPr algn="ctr"/>
+              <a:r>
+                <a:rPr lang="en-US" dirty="0">
+                  <a:solidFill>
+                    <a:schemeClr val="accent1"/>
+                  </a:solidFill>
+                </a:rPr>
+                <a:t>Select this</a:t>
+              </a:r>
+            </a:p>
+          </p:txBody>
+        </p:sp>
+        <p:sp>
+          <p:nvSpPr>
+            <p:cNvPr id="17" name="TextBox 16">
+              <a:extLst>
+                <a:ext uri="{FF2B5EF4-FFF2-40B4-BE49-F238E27FC236}">
+                  <a16:creationId xmlns:a16="http://schemas.microsoft.com/office/drawing/2014/main" id="{FDA87858-ED50-B542-5CEA-D7A03A25CD80}"/>
+                </a:ext>
+              </a:extLst>
+            </p:cNvPr>
+            <p:cNvSpPr txBox="1"/>
+            <p:nvPr/>
+          </p:nvSpPr>
+          <p:spPr>
+            <a:xfrm>
+              <a:off x="849066" y="4382243"/>
+              <a:ext cx="874959" cy="646331"/>
+            </a:xfrm>
+            <a:prstGeom prst="rect">
+              <a:avLst/>
+            </a:prstGeom>
+            <a:noFill/>
+          </p:spPr>
+          <p:txBody>
+            <a:bodyPr wrap="square" rtlCol="0">
+              <a:spAutoFit/>
+            </a:bodyPr>
+            <a:lstStyle>
+              <a:defPPr>
+                <a:defRPr lang="en-US"/>
+              </a:defPPr>
+              <a:lvl1pPr algn="ctr">
+                <a:defRPr>
+                  <a:solidFill>
+                    <a:schemeClr val="accent1"/>
+                  </a:solidFill>
+                </a:defRPr>
+              </a:lvl1pPr>
+            </a:lstStyle>
+            <a:p>
+              <a:r>
+                <a:rPr lang="en-US" dirty="0"/>
+                <a:t>Select this</a:t>
+              </a:r>
+            </a:p>
+          </p:txBody>
+        </p:sp>
+        <p:cxnSp>
+          <p:nvCxnSpPr>
+            <p:cNvPr id="19" name="Straight Connector 18">
+              <a:extLst>
+                <a:ext uri="{FF2B5EF4-FFF2-40B4-BE49-F238E27FC236}">
+                  <a16:creationId xmlns:a16="http://schemas.microsoft.com/office/drawing/2014/main" id="{C6D52313-B39E-ED70-00B0-38EA885C93A1}"/>
+                </a:ext>
+              </a:extLst>
+            </p:cNvPr>
+            <p:cNvCxnSpPr/>
+            <p:nvPr/>
+          </p:nvCxnSpPr>
+          <p:spPr>
+            <a:xfrm>
+              <a:off x="1485900" y="1759982"/>
+              <a:ext cx="323850" cy="211693"/>
+            </a:xfrm>
+            <a:prstGeom prst="line">
+              <a:avLst/>
+            </a:prstGeom>
+            <a:ln w="28575"/>
+          </p:spPr>
+          <p:style>
+            <a:lnRef idx="1">
+              <a:schemeClr val="accent1"/>
+            </a:lnRef>
+            <a:fillRef idx="0">
+              <a:schemeClr val="accent1"/>
+            </a:fillRef>
+            <a:effectRef idx="0">
+              <a:schemeClr val="accent1"/>
+            </a:effectRef>
+            <a:fontRef idx="minor">
+              <a:schemeClr val="tx1"/>
+            </a:fontRef>
+          </p:style>
+        </p:cxnSp>
+        <p:cxnSp>
+          <p:nvCxnSpPr>
+            <p:cNvPr id="20" name="Straight Connector 19">
+              <a:extLst>
+                <a:ext uri="{FF2B5EF4-FFF2-40B4-BE49-F238E27FC236}">
+                  <a16:creationId xmlns:a16="http://schemas.microsoft.com/office/drawing/2014/main" id="{59FA40A0-43B2-7927-5632-154E835C24EA}"/>
+                </a:ext>
+              </a:extLst>
+            </p:cNvPr>
+            <p:cNvCxnSpPr/>
+            <p:nvPr/>
+          </p:nvCxnSpPr>
+          <p:spPr>
+            <a:xfrm>
+              <a:off x="1485900" y="4921442"/>
+              <a:ext cx="323850" cy="211693"/>
+            </a:xfrm>
+            <a:prstGeom prst="line">
+              <a:avLst/>
+            </a:prstGeom>
+            <a:ln w="28575"/>
+          </p:spPr>
+          <p:style>
+            <a:lnRef idx="1">
+              <a:schemeClr val="accent1"/>
+            </a:lnRef>
+            <a:fillRef idx="0">
+              <a:schemeClr val="accent1"/>
+            </a:fillRef>
+            <a:effectRef idx="0">
+              <a:schemeClr val="accent1"/>
+            </a:effectRef>
+            <a:fontRef idx="minor">
+              <a:schemeClr val="tx1"/>
+            </a:fontRef>
+          </p:style>
+        </p:cxnSp>
+        <p:pic>
+          <p:nvPicPr>
+            <p:cNvPr id="7" name="Picture 6">
+              <a:extLst>
+                <a:ext uri="{FF2B5EF4-FFF2-40B4-BE49-F238E27FC236}">
+                  <a16:creationId xmlns:a16="http://schemas.microsoft.com/office/drawing/2014/main" id="{BD8D348B-9B09-85F0-598C-37F5739B0C29}"/>
+                </a:ext>
+              </a:extLst>
+            </p:cNvPr>
+            <p:cNvPicPr>
+              <a:picLocks noChangeAspect="1"/>
+            </p:cNvPicPr>
+            <p:nvPr/>
+          </p:nvPicPr>
+          <p:blipFill>
+            <a:blip r:embed="rId5">
+              <a:extLst>
+                <a:ext uri="{28A0092B-C50C-407E-A947-70E740481C1C}">
+                  <a14:useLocalDpi xmlns:a14="http://schemas.microsoft.com/office/drawing/2010/main" val="0"/>
+                </a:ext>
+              </a:extLst>
+            </a:blip>
+            <a:stretch>
+              <a:fillRect/>
+            </a:stretch>
+          </p:blipFill>
+          <p:spPr>
+            <a:xfrm>
+              <a:off x="835773" y="1219200"/>
+              <a:ext cx="4866667" cy="4400000"/>
+            </a:xfrm>
+            <a:prstGeom prst="rect">
+              <a:avLst/>
+            </a:prstGeom>
+          </p:spPr>
+        </p:pic>
+        <p:sp>
+          <p:nvSpPr>
+            <p:cNvPr id="3" name="Rectangle 2">
+              <a:extLst>
+                <a:ext uri="{FF2B5EF4-FFF2-40B4-BE49-F238E27FC236}">
+                  <a16:creationId xmlns:a16="http://schemas.microsoft.com/office/drawing/2014/main" id="{15A83833-3350-0AE5-7A76-6357C1B48DF2}"/>
+                </a:ext>
+              </a:extLst>
+            </p:cNvPr>
+            <p:cNvSpPr/>
+            <p:nvPr/>
+          </p:nvSpPr>
+          <p:spPr>
+            <a:xfrm>
+              <a:off x="835773" y="1219200"/>
+              <a:ext cx="973977" cy="922116"/>
+            </a:xfrm>
+            <a:prstGeom prst="rect">
+              <a:avLst/>
+            </a:prstGeom>
+            <a:solidFill>
+              <a:schemeClr val="bg1"/>
+            </a:solidFill>
+            <a:ln>
+              <a:solidFill>
+                <a:schemeClr val="bg1"/>
+              </a:solidFill>
+            </a:ln>
+          </p:spPr>
+          <p:style>
+            <a:lnRef idx="2">
+              <a:schemeClr val="accent1">
+                <a:shade val="15000"/>
+              </a:schemeClr>
+            </a:lnRef>
+            <a:fillRef idx="1">
+              <a:schemeClr val="accent1"/>
+            </a:fillRef>
+            <a:effectRef idx="0">
+              <a:schemeClr val="accent1"/>
+            </a:effectRef>
+            <a:fontRef idx="minor">
+              <a:schemeClr val="lt1"/>
+            </a:fontRef>
+          </p:style>
+          <p:txBody>
+            <a:bodyPr rtlCol="0" anchor="ctr"/>
+            <a:lstStyle/>
+            <a:p>
+              <a:pPr algn="ctr"/>
+              <a:endParaRPr lang="en-US"/>
+            </a:p>
+          </p:txBody>
+        </p:sp>
+        <p:sp>
+          <p:nvSpPr>
+            <p:cNvPr id="4" name="Rectangle 3">
+              <a:extLst>
+                <a:ext uri="{FF2B5EF4-FFF2-40B4-BE49-F238E27FC236}">
+                  <a16:creationId xmlns:a16="http://schemas.microsoft.com/office/drawing/2014/main" id="{B4C1F2D1-C183-05EA-A130-1BA626B50822}"/>
+                </a:ext>
+              </a:extLst>
+            </p:cNvPr>
+            <p:cNvSpPr/>
+            <p:nvPr/>
+          </p:nvSpPr>
+          <p:spPr>
+            <a:xfrm>
+              <a:off x="731248" y="4483960"/>
+              <a:ext cx="973977" cy="787512"/>
+            </a:xfrm>
+            <a:prstGeom prst="rect">
+              <a:avLst/>
+            </a:prstGeom>
+            <a:solidFill>
+              <a:schemeClr val="bg1"/>
+            </a:solidFill>
+            <a:ln>
+              <a:solidFill>
+                <a:schemeClr val="bg1"/>
+              </a:solidFill>
+            </a:ln>
+          </p:spPr>
+          <p:style>
+            <a:lnRef idx="2">
+              <a:schemeClr val="accent1">
+                <a:shade val="15000"/>
+              </a:schemeClr>
+            </a:lnRef>
+            <a:fillRef idx="1">
+              <a:schemeClr val="accent1"/>
+            </a:fillRef>
+            <a:effectRef idx="0">
+              <a:schemeClr val="accent1"/>
+            </a:effectRef>
+            <a:fontRef idx="minor">
+              <a:schemeClr val="lt1"/>
+            </a:fontRef>
+          </p:style>
+          <p:txBody>
+            <a:bodyPr rtlCol="0" anchor="ctr"/>
+            <a:lstStyle/>
+            <a:p>
+              <a:pPr algn="ctr"/>
+              <a:endParaRPr lang="en-US"/>
+            </a:p>
+          </p:txBody>
+        </p:sp>
+        <p:sp>
+          <p:nvSpPr>
+            <p:cNvPr id="5" name="Rectangle 4">
+              <a:extLst>
+                <a:ext uri="{FF2B5EF4-FFF2-40B4-BE49-F238E27FC236}">
+                  <a16:creationId xmlns:a16="http://schemas.microsoft.com/office/drawing/2014/main" id="{6A4D6D54-257D-8402-7A79-E36C201BE877}"/>
+                </a:ext>
+              </a:extLst>
+            </p:cNvPr>
+            <p:cNvSpPr/>
+            <p:nvPr/>
+          </p:nvSpPr>
+          <p:spPr>
+            <a:xfrm>
+              <a:off x="848923" y="4867855"/>
+              <a:ext cx="973977" cy="306001"/>
+            </a:xfrm>
+            <a:prstGeom prst="rect">
+              <a:avLst/>
+            </a:prstGeom>
+            <a:solidFill>
+              <a:schemeClr val="bg1"/>
+            </a:solidFill>
+            <a:ln>
+              <a:solidFill>
+                <a:schemeClr val="bg1"/>
+              </a:solidFill>
+            </a:ln>
+          </p:spPr>
+          <p:style>
+            <a:lnRef idx="2">
+              <a:schemeClr val="accent1">
+                <a:shade val="15000"/>
+              </a:schemeClr>
+            </a:lnRef>
+            <a:fillRef idx="1">
+              <a:schemeClr val="accent1"/>
+            </a:fillRef>
+            <a:effectRef idx="0">
+              <a:schemeClr val="accent1"/>
+            </a:effectRef>
+            <a:fontRef idx="minor">
+              <a:schemeClr val="lt1"/>
+            </a:fontRef>
+          </p:style>
+          <p:txBody>
+            <a:bodyPr rtlCol="0" anchor="ctr"/>
+            <a:lstStyle/>
+            <a:p>
+              <a:pPr algn="ctr"/>
+              <a:endParaRPr lang="en-US"/>
+            </a:p>
+          </p:txBody>
+        </p:sp>
+      </p:grpSp>
+      <p:sp>
+        <p:nvSpPr>
+          <p:cNvPr id="2" name="TextBox 1">
             <a:extLst>
               <a:ext uri="{FF2B5EF4-FFF2-40B4-BE49-F238E27FC236}">
-                <a16:creationId xmlns:a16="http://schemas.microsoft.com/office/drawing/2014/main" id="{E362918E-6954-3B1B-DF77-B655EA6C452E}"/>
-              </a:ext>
-            </a:extLst>
-          </p:cNvPr>
-          <p:cNvPicPr>
-            <a:picLocks noChangeAspect="1"/>
-          </p:cNvPicPr>
-          <p:nvPr/>
-        </p:nvPicPr>
-        <p:blipFill>
-          <a:blip r:embed="rId3">
-            <a:extLst>
-              <a:ext uri="{28A0092B-C50C-407E-A947-70E740481C1C}">
-                <a14:useLocalDpi xmlns:a14="http://schemas.microsoft.com/office/drawing/2010/main" val="0"/>
-              </a:ext>
-            </a:extLst>
-          </a:blip>
-          <a:stretch>
-            <a:fillRect/>
-          </a:stretch>
-        </p:blipFill>
-        <p:spPr>
-          <a:xfrm>
-            <a:off x="1676400" y="1274699"/>
-            <a:ext cx="4146472" cy="3545694"/>
-          </a:xfrm>
-          <a:prstGeom prst="rect">
-            <a:avLst/>
-          </a:prstGeom>
-        </p:spPr>
-      </p:pic>
-      <p:pic>
-        <p:nvPicPr>
-          <p:cNvPr id="15" name="Picture 14">
-            <a:extLst>
-              <a:ext uri="{FF2B5EF4-FFF2-40B4-BE49-F238E27FC236}">
-                <a16:creationId xmlns:a16="http://schemas.microsoft.com/office/drawing/2014/main" id="{6F9F2A86-D911-18F5-691D-899F6EA47EBA}"/>
-              </a:ext>
-            </a:extLst>
-          </p:cNvPr>
-          <p:cNvPicPr>
-            <a:picLocks noChangeAspect="1"/>
-          </p:cNvPicPr>
-          <p:nvPr/>
-        </p:nvPicPr>
-        <p:blipFill>
-          <a:blip r:embed="rId4"/>
-          <a:stretch>
-            <a:fillRect/>
-          </a:stretch>
-        </p:blipFill>
-        <p:spPr>
-          <a:xfrm>
-            <a:off x="1756204" y="4277536"/>
-            <a:ext cx="3987372" cy="534777"/>
-          </a:xfrm>
-          <a:prstGeom prst="rect">
-            <a:avLst/>
-          </a:prstGeom>
-        </p:spPr>
-      </p:pic>
-      <p:sp>
-        <p:nvSpPr>
-          <p:cNvPr id="16" name="TextBox 15">
-            <a:extLst>
-              <a:ext uri="{FF2B5EF4-FFF2-40B4-BE49-F238E27FC236}">
-                <a16:creationId xmlns:a16="http://schemas.microsoft.com/office/drawing/2014/main" id="{7FFE27DD-6947-F70A-917B-26A58299303D}"/>
+                <a16:creationId xmlns:a16="http://schemas.microsoft.com/office/drawing/2014/main" id="{8D618F7A-415B-3E5B-B839-9A1E37697057}"/>
               </a:ext>
             </a:extLst>
           </p:cNvPr>
@@ -3300,8 +3839,8 @@
         </p:nvSpPr>
         <p:spPr>
           <a:xfrm>
-            <a:off x="835773" y="1219200"/>
-            <a:ext cx="874959" cy="646331"/>
+            <a:off x="794637" y="4424866"/>
+            <a:ext cx="853858" cy="646331"/>
           </a:xfrm>
           <a:prstGeom prst="rect">
             <a:avLst/>
@@ -3316,7 +3855,7 @@
           <a:p>
             <a:pPr algn="ctr"/>
             <a:r>
-              <a:rPr lang="en-US" dirty="0">
+              <a:rPr lang="en-US" b="1" dirty="0">
                 <a:solidFill>
                   <a:schemeClr val="accent1"/>
                 </a:solidFill>
@@ -3326,68 +3865,24 @@
           </a:p>
         </p:txBody>
       </p:sp>
-      <p:sp>
-        <p:nvSpPr>
-          <p:cNvPr id="17" name="TextBox 16">
+      <p:cxnSp>
+        <p:nvCxnSpPr>
+          <p:cNvPr id="8" name="Straight Connector 7">
             <a:extLst>
               <a:ext uri="{FF2B5EF4-FFF2-40B4-BE49-F238E27FC236}">
-                <a16:creationId xmlns:a16="http://schemas.microsoft.com/office/drawing/2014/main" id="{FDA87858-ED50-B542-5CEA-D7A03A25CD80}"/>
+                <a16:creationId xmlns:a16="http://schemas.microsoft.com/office/drawing/2014/main" id="{7DCD4D0C-0EC4-E287-17B2-6FBDCB0497D6}"/>
               </a:ext>
             </a:extLst>
           </p:cNvPr>
-          <p:cNvSpPr txBox="1"/>
-          <p:nvPr/>
-        </p:nvSpPr>
-        <p:spPr>
-          <a:xfrm>
-            <a:off x="849066" y="4382243"/>
-            <a:ext cx="874959" cy="646331"/>
-          </a:xfrm>
-          <a:prstGeom prst="rect">
-            <a:avLst/>
-          </a:prstGeom>
-          <a:noFill/>
-        </p:spPr>
-        <p:txBody>
-          <a:bodyPr wrap="square" rtlCol="0">
-            <a:spAutoFit/>
-          </a:bodyPr>
-          <a:lstStyle>
-            <a:defPPr>
-              <a:defRPr lang="en-US"/>
-            </a:defPPr>
-            <a:lvl1pPr algn="ctr">
-              <a:defRPr>
-                <a:solidFill>
-                  <a:schemeClr val="accent1"/>
-                </a:solidFill>
-              </a:defRPr>
-            </a:lvl1pPr>
-          </a:lstStyle>
-          <a:p>
-            <a:r>
-              <a:rPr lang="en-US" dirty="0"/>
-              <a:t>Select this</a:t>
-            </a:r>
-          </a:p>
-        </p:txBody>
-      </p:sp>
-      <p:cxnSp>
-        <p:nvCxnSpPr>
-          <p:cNvPr id="19" name="Straight Connector 18">
-            <a:extLst>
-              <a:ext uri="{FF2B5EF4-FFF2-40B4-BE49-F238E27FC236}">
-                <a16:creationId xmlns:a16="http://schemas.microsoft.com/office/drawing/2014/main" id="{C6D52313-B39E-ED70-00B0-38EA885C93A1}"/>
-              </a:ext>
-            </a:extLst>
-          </p:cNvPr>
-          <p:cNvCxnSpPr/>
+          <p:cNvCxnSpPr>
+            <a:cxnSpLocks/>
+          </p:cNvCxnSpPr>
           <p:nvPr/>
         </p:nvCxnSpPr>
         <p:spPr>
           <a:xfrm>
-            <a:off x="1485900" y="1759982"/>
-            <a:ext cx="323850" cy="211693"/>
+            <a:off x="1444764" y="4914030"/>
+            <a:ext cx="364986" cy="281608"/>
           </a:xfrm>
           <a:prstGeom prst="line">
             <a:avLst/>
@@ -3409,22 +3904,64 @@
           </a:fontRef>
         </p:style>
       </p:cxnSp>
-      <p:cxnSp>
-        <p:nvCxnSpPr>
-          <p:cNvPr id="20" name="Straight Connector 19">
+      <p:sp>
+        <p:nvSpPr>
+          <p:cNvPr id="18" name="TextBox 17">
             <a:extLst>
               <a:ext uri="{FF2B5EF4-FFF2-40B4-BE49-F238E27FC236}">
-                <a16:creationId xmlns:a16="http://schemas.microsoft.com/office/drawing/2014/main" id="{59FA40A0-43B2-7927-5632-154E835C24EA}"/>
+                <a16:creationId xmlns:a16="http://schemas.microsoft.com/office/drawing/2014/main" id="{46136DFE-F0D8-A090-1377-C788132E89A2}"/>
               </a:ext>
             </a:extLst>
           </p:cNvPr>
-          <p:cNvCxnSpPr/>
+          <p:cNvSpPr txBox="1"/>
+          <p:nvPr/>
+        </p:nvSpPr>
+        <p:spPr>
+          <a:xfrm>
+            <a:off x="764157" y="1283463"/>
+            <a:ext cx="853858" cy="646331"/>
+          </a:xfrm>
+          <a:prstGeom prst="rect">
+            <a:avLst/>
+          </a:prstGeom>
+          <a:noFill/>
+        </p:spPr>
+        <p:txBody>
+          <a:bodyPr wrap="square" rtlCol="0">
+            <a:spAutoFit/>
+          </a:bodyPr>
+          <a:lstStyle/>
+          <a:p>
+            <a:pPr algn="ctr"/>
+            <a:r>
+              <a:rPr lang="en-US" b="1" dirty="0">
+                <a:solidFill>
+                  <a:schemeClr val="accent1"/>
+                </a:solidFill>
+              </a:rPr>
+              <a:t>Select this</a:t>
+            </a:r>
+          </a:p>
+        </p:txBody>
+      </p:sp>
+      <p:cxnSp>
+        <p:nvCxnSpPr>
+          <p:cNvPr id="21" name="Straight Connector 20">
+            <a:extLst>
+              <a:ext uri="{FF2B5EF4-FFF2-40B4-BE49-F238E27FC236}">
+                <a16:creationId xmlns:a16="http://schemas.microsoft.com/office/drawing/2014/main" id="{DF0CEFC7-9938-DC5D-7D42-71CA2323D1B0}"/>
+              </a:ext>
+            </a:extLst>
+          </p:cNvPr>
+          <p:cNvCxnSpPr>
+            <a:cxnSpLocks/>
+          </p:cNvCxnSpPr>
           <p:nvPr/>
         </p:nvCxnSpPr>
         <p:spPr>
           <a:xfrm>
-            <a:off x="1485900" y="4921442"/>
-            <a:ext cx="323850" cy="211693"/>
+            <a:off x="1414284" y="1772627"/>
+            <a:ext cx="364986" cy="281608"/>
           </a:xfrm>
           <a:prstGeom prst="line">
             <a:avLst/>
@@ -3446,42 +3983,6 @@
           </a:fontRef>
         </p:style>
       </p:cxnSp>
-      <p:pic>
-        <p:nvPicPr>
-          <p:cNvPr id="7" name="Picture 6">
-            <a:extLst>
-              <a:ext uri="{FF2B5EF4-FFF2-40B4-BE49-F238E27FC236}">
-                <a16:creationId xmlns:a16="http://schemas.microsoft.com/office/drawing/2014/main" id="{BD8D348B-9B09-85F0-598C-37F5739B0C29}"/>
-              </a:ext>
-            </a:extLst>
-          </p:cNvPr>
-          <p:cNvPicPr>
-            <a:picLocks noChangeAspect="1"/>
-          </p:cNvPicPr>
-          <p:nvPr/>
-        </p:nvPicPr>
-        <p:blipFill>
-          <a:blip r:embed="rId5">
-            <a:extLst>
-              <a:ext uri="{28A0092B-C50C-407E-A947-70E740481C1C}">
-                <a14:useLocalDpi xmlns:a14="http://schemas.microsoft.com/office/drawing/2010/main" val="0"/>
-              </a:ext>
-            </a:extLst>
-          </a:blip>
-          <a:stretch>
-            <a:fillRect/>
-          </a:stretch>
-        </p:blipFill>
-        <p:spPr>
-          <a:xfrm>
-            <a:off x="835773" y="1219200"/>
-            <a:ext cx="4866667" cy="4400000"/>
-          </a:xfrm>
-          <a:prstGeom prst="rect">
-            <a:avLst/>
-          </a:prstGeom>
-        </p:spPr>
-      </p:pic>
     </p:spTree>
     <p:extLst>
       <p:ext uri="{BB962C8B-B14F-4D97-AF65-F5344CB8AC3E}">
@@ -3585,10 +4086,10 @@
       </p:pic>
       <p:pic>
         <p:nvPicPr>
-          <p:cNvPr id="8" name="Picture 7">
+          <p:cNvPr id="13" name="Picture 12">
             <a:extLst>
               <a:ext uri="{FF2B5EF4-FFF2-40B4-BE49-F238E27FC236}">
-                <a16:creationId xmlns:a16="http://schemas.microsoft.com/office/drawing/2014/main" id="{27622E98-60DB-D4A1-0902-FA2B65448455}"/>
+                <a16:creationId xmlns:a16="http://schemas.microsoft.com/office/drawing/2014/main" id="{D79BC184-8F5F-1D5D-347B-F1E551AC7D68}"/>
               </a:ext>
             </a:extLst>
           </p:cNvPr>
@@ -3611,44 +4112,8 @@
         </p:blipFill>
         <p:spPr>
           <a:xfrm>
-            <a:off x="1317547" y="7647187"/>
-            <a:ext cx="4222906" cy="1381359"/>
-          </a:xfrm>
-          <a:prstGeom prst="rect">
-            <a:avLst/>
-          </a:prstGeom>
-        </p:spPr>
-      </p:pic>
-      <p:pic>
-        <p:nvPicPr>
-          <p:cNvPr id="13" name="Picture 12">
-            <a:extLst>
-              <a:ext uri="{FF2B5EF4-FFF2-40B4-BE49-F238E27FC236}">
-                <a16:creationId xmlns:a16="http://schemas.microsoft.com/office/drawing/2014/main" id="{D79BC184-8F5F-1D5D-347B-F1E551AC7D68}"/>
-              </a:ext>
-            </a:extLst>
-          </p:cNvPr>
-          <p:cNvPicPr>
-            <a:picLocks noChangeAspect="1"/>
-          </p:cNvPicPr>
-          <p:nvPr/>
-        </p:nvPicPr>
-        <p:blipFill>
-          <a:blip r:embed="rId4">
-            <a:extLst>
-              <a:ext uri="{28A0092B-C50C-407E-A947-70E740481C1C}">
-                <a14:useLocalDpi xmlns:a14="http://schemas.microsoft.com/office/drawing/2010/main" val="0"/>
-              </a:ext>
-            </a:extLst>
-          </a:blip>
-          <a:stretch>
-            <a:fillRect/>
-          </a:stretch>
-        </p:blipFill>
-        <p:spPr>
-          <a:xfrm>
             <a:off x="1317547" y="3943222"/>
-            <a:ext cx="4222906" cy="4091527"/>
+            <a:ext cx="3723377" cy="3607539"/>
           </a:xfrm>
           <a:prstGeom prst="rect">
             <a:avLst/>
@@ -3670,7 +4135,7 @@
           <p:nvPr/>
         </p:nvPicPr>
         <p:blipFill>
-          <a:blip r:embed="rId5"/>
+          <a:blip r:embed="rId4"/>
           <a:stretch>
             <a:fillRect/>
           </a:stretch>
@@ -3741,7 +4206,7 @@
           <p:nvPr/>
         </p:nvPicPr>
         <p:blipFill>
-          <a:blip r:embed="rId6"/>
+          <a:blip r:embed="rId5"/>
           <a:stretch>
             <a:fillRect/>
           </a:stretch>
@@ -3770,8 +4235,8 @@
         </p:nvSpPr>
         <p:spPr>
           <a:xfrm>
-            <a:off x="5442942" y="1715002"/>
-            <a:ext cx="874959" cy="923330"/>
+            <a:off x="5503682" y="1978599"/>
+            <a:ext cx="1039920" cy="2308324"/>
           </a:xfrm>
           <a:prstGeom prst="rect">
             <a:avLst/>
@@ -3791,7 +4256,7 @@
                   <a:schemeClr val="accent1"/>
                 </a:solidFill>
               </a:rPr>
-              <a:t>Don’t click here</a:t>
+              <a:t>Click here to post a message only to the ‘Pet Lost and Found’</a:t>
             </a:r>
           </a:p>
         </p:txBody>
@@ -3812,8 +4277,8 @@
         </p:nvCxnSpPr>
         <p:spPr>
           <a:xfrm flipH="1">
-            <a:off x="5310429" y="2246053"/>
-            <a:ext cx="335531" cy="230559"/>
+            <a:off x="5285295" y="2170366"/>
+            <a:ext cx="497514" cy="400009"/>
           </a:xfrm>
           <a:prstGeom prst="line">
             <a:avLst/>
@@ -3849,8 +4314,8 @@
         </p:nvSpPr>
         <p:spPr>
           <a:xfrm>
-            <a:off x="1280475" y="3160080"/>
-            <a:ext cx="4328413" cy="4755657"/>
+            <a:off x="1280476" y="3160081"/>
+            <a:ext cx="3760448" cy="3761795"/>
           </a:xfrm>
           <a:prstGeom prst="roundRect">
             <a:avLst>
@@ -3906,8 +4371,8 @@
         </p:nvSpPr>
         <p:spPr>
           <a:xfrm>
-            <a:off x="5330386" y="6960937"/>
-            <a:ext cx="644935" cy="553998"/>
+            <a:off x="5190383" y="4500919"/>
+            <a:ext cx="1184852" cy="2215991"/>
           </a:xfrm>
           <a:prstGeom prst="rect">
             <a:avLst/>
@@ -3929,56 +4394,58 @@
                   <a:schemeClr val="accent1"/>
                 </a:solidFill>
               </a:rPr>
-              <a:t>Click here</a:t>
-            </a:r>
-          </a:p>
-        </p:txBody>
-      </p:sp>
-      <p:cxnSp>
-        <p:nvCxnSpPr>
-          <p:cNvPr id="23" name="Straight Connector 22">
-            <a:extLst>
-              <a:ext uri="{FF2B5EF4-FFF2-40B4-BE49-F238E27FC236}">
-                <a16:creationId xmlns:a16="http://schemas.microsoft.com/office/drawing/2014/main" id="{9CEEA6AF-3B91-9FBD-559E-8923C98A58EA}"/>
-              </a:ext>
-            </a:extLst>
-          </p:cNvPr>
-          <p:cNvCxnSpPr>
-            <a:cxnSpLocks/>
-          </p:cNvCxnSpPr>
-          <p:nvPr/>
-        </p:nvCxnSpPr>
-        <p:spPr>
-          <a:xfrm flipH="1">
-            <a:off x="3649224" y="7428998"/>
-            <a:ext cx="1681162" cy="717298"/>
-          </a:xfrm>
-          <a:prstGeom prst="line">
-            <a:avLst/>
-          </a:prstGeom>
-          <a:ln w="28575"/>
-        </p:spPr>
-        <p:style>
-          <a:lnRef idx="1">
-            <a:schemeClr val="accent1"/>
-          </a:lnRef>
-          <a:fillRef idx="0">
-            <a:schemeClr val="accent1"/>
-          </a:fillRef>
-          <a:effectRef idx="0">
-            <a:schemeClr val="accent1"/>
-          </a:effectRef>
-          <a:fontRef idx="minor">
-            <a:schemeClr val="tx1"/>
-          </a:fontRef>
-        </p:style>
-      </p:cxnSp>
+              <a:t>Click here to post a message to all of NextDoor  and to the ‘Pet Lost and Found’</a:t>
+            </a:r>
+          </a:p>
+        </p:txBody>
+      </p:sp>
       <p:pic>
         <p:nvPicPr>
           <p:cNvPr id="30" name="Picture 29">
             <a:extLst>
               <a:ext uri="{FF2B5EF4-FFF2-40B4-BE49-F238E27FC236}">
                 <a16:creationId xmlns:a16="http://schemas.microsoft.com/office/drawing/2014/main" id="{12E57019-AEBA-EA26-A80D-A1839AE2ABB2}"/>
+              </a:ext>
+            </a:extLst>
+          </p:cNvPr>
+          <p:cNvPicPr>
+            <a:picLocks noChangeAspect="1"/>
+          </p:cNvPicPr>
+          <p:nvPr/>
+        </p:nvPicPr>
+        <p:blipFill>
+          <a:blip r:embed="rId6">
+            <a:extLst>
+              <a:ext uri="{28A0092B-C50C-407E-A947-70E740481C1C}">
+                <a14:useLocalDpi xmlns:a14="http://schemas.microsoft.com/office/drawing/2010/main" val="0"/>
+              </a:ext>
+            </a:extLst>
+          </a:blip>
+          <a:stretch>
+            <a:fillRect/>
+          </a:stretch>
+        </p:blipFill>
+        <p:spPr>
+          <a:xfrm>
+            <a:off x="1215890" y="8852004"/>
+            <a:ext cx="4866667" cy="176542"/>
+          </a:xfrm>
+          <a:prstGeom prst="rect">
+            <a:avLst/>
+          </a:prstGeom>
+          <a:ln w="57150">
+            <a:solidFill>
+              <a:schemeClr val="accent1"/>
+            </a:solidFill>
+          </a:ln>
+        </p:spPr>
+      </p:pic>
+      <p:pic>
+        <p:nvPicPr>
+          <p:cNvPr id="5" name="Picture 4">
+            <a:extLst>
+              <a:ext uri="{FF2B5EF4-FFF2-40B4-BE49-F238E27FC236}">
+                <a16:creationId xmlns:a16="http://schemas.microsoft.com/office/drawing/2014/main" id="{F5B540F1-9221-3895-8BC2-736903D9480F}"/>
               </a:ext>
             </a:extLst>
           </p:cNvPr>
@@ -4001,14 +4468,202 @@
         </p:blipFill>
         <p:spPr>
           <a:xfrm>
-            <a:off x="1215890" y="8852004"/>
-            <a:ext cx="4866667" cy="176542"/>
+            <a:off x="1317547" y="6912099"/>
+            <a:ext cx="4222906" cy="743232"/>
           </a:xfrm>
           <a:prstGeom prst="rect">
             <a:avLst/>
           </a:prstGeom>
         </p:spPr>
       </p:pic>
+      <p:sp>
+        <p:nvSpPr>
+          <p:cNvPr id="7" name="TextBox 6">
+            <a:extLst>
+              <a:ext uri="{FF2B5EF4-FFF2-40B4-BE49-F238E27FC236}">
+                <a16:creationId xmlns:a16="http://schemas.microsoft.com/office/drawing/2014/main" id="{BD4DC219-D868-6115-C128-91F328A2E077}"/>
+              </a:ext>
+            </a:extLst>
+          </p:cNvPr>
+          <p:cNvSpPr txBox="1"/>
+          <p:nvPr/>
+        </p:nvSpPr>
+        <p:spPr>
+          <a:xfrm>
+            <a:off x="4735481" y="2137778"/>
+            <a:ext cx="874959" cy="369332"/>
+          </a:xfrm>
+          <a:prstGeom prst="rect">
+            <a:avLst/>
+          </a:prstGeom>
+          <a:noFill/>
+        </p:spPr>
+        <p:txBody>
+          <a:bodyPr wrap="square" rtlCol="0">
+            <a:spAutoFit/>
+          </a:bodyPr>
+          <a:lstStyle/>
+          <a:p>
+            <a:pPr algn="ctr"/>
+            <a:r>
+              <a:rPr lang="en-US" b="1" dirty="0">
+                <a:solidFill>
+                  <a:schemeClr val="accent1"/>
+                </a:solidFill>
+              </a:rPr>
+              <a:t>Btn 2</a:t>
+            </a:r>
+          </a:p>
+        </p:txBody>
+      </p:sp>
+      <p:sp>
+        <p:nvSpPr>
+          <p:cNvPr id="9" name="TextBox 8">
+            <a:extLst>
+              <a:ext uri="{FF2B5EF4-FFF2-40B4-BE49-F238E27FC236}">
+                <a16:creationId xmlns:a16="http://schemas.microsoft.com/office/drawing/2014/main" id="{E0FFCD8B-45B4-43BB-28EA-9E27A66680D2}"/>
+              </a:ext>
+            </a:extLst>
+          </p:cNvPr>
+          <p:cNvSpPr txBox="1"/>
+          <p:nvPr/>
+        </p:nvSpPr>
+        <p:spPr>
+          <a:xfrm>
+            <a:off x="198650" y="8707372"/>
+            <a:ext cx="874959" cy="369332"/>
+          </a:xfrm>
+          <a:prstGeom prst="rect">
+            <a:avLst/>
+          </a:prstGeom>
+          <a:noFill/>
+        </p:spPr>
+        <p:txBody>
+          <a:bodyPr wrap="square" rtlCol="0">
+            <a:spAutoFit/>
+          </a:bodyPr>
+          <a:lstStyle/>
+          <a:p>
+            <a:pPr algn="ctr"/>
+            <a:r>
+              <a:rPr lang="en-US" b="1" dirty="0">
+                <a:solidFill>
+                  <a:schemeClr val="accent1"/>
+                </a:solidFill>
+              </a:rPr>
+              <a:t>82%</a:t>
+            </a:r>
+          </a:p>
+        </p:txBody>
+      </p:sp>
+      <p:sp>
+        <p:nvSpPr>
+          <p:cNvPr id="24" name="Rectangle: Rounded Corners 23">
+            <a:extLst>
+              <a:ext uri="{FF2B5EF4-FFF2-40B4-BE49-F238E27FC236}">
+                <a16:creationId xmlns:a16="http://schemas.microsoft.com/office/drawing/2014/main" id="{090818EA-8152-473B-528B-B8BD0B3442C6}"/>
+              </a:ext>
+            </a:extLst>
+          </p:cNvPr>
+          <p:cNvSpPr/>
+          <p:nvPr/>
+        </p:nvSpPr>
+        <p:spPr>
+          <a:xfrm>
+            <a:off x="3073768" y="6672230"/>
+            <a:ext cx="704548" cy="277272"/>
+          </a:xfrm>
+          <a:prstGeom prst="roundRect">
+            <a:avLst/>
+          </a:prstGeom>
+          <a:solidFill>
+            <a:schemeClr val="bg1"/>
+          </a:solidFill>
+          <a:ln>
+            <a:solidFill>
+              <a:schemeClr val="bg1"/>
+            </a:solidFill>
+          </a:ln>
+        </p:spPr>
+        <p:style>
+          <a:lnRef idx="2">
+            <a:schemeClr val="accent1">
+              <a:shade val="15000"/>
+            </a:schemeClr>
+          </a:lnRef>
+          <a:fillRef idx="1">
+            <a:schemeClr val="accent1"/>
+          </a:fillRef>
+          <a:effectRef idx="0">
+            <a:schemeClr val="accent1"/>
+          </a:effectRef>
+          <a:fontRef idx="minor">
+            <a:schemeClr val="lt1"/>
+          </a:fontRef>
+        </p:style>
+        <p:txBody>
+          <a:bodyPr lIns="0" tIns="0" rIns="0" bIns="0" rtlCol="0" anchor="ctr"/>
+          <a:lstStyle/>
+          <a:p>
+            <a:pPr algn="ctr"/>
+            <a:r>
+              <a:rPr lang="en-US" b="1" dirty="0">
+                <a:solidFill>
+                  <a:schemeClr val="accent1"/>
+                </a:solidFill>
+              </a:rPr>
+              <a:t>Btn</a:t>
+            </a:r>
+            <a:r>
+              <a:rPr lang="en-US" b="1" dirty="0">
+                <a:solidFill>
+                  <a:srgbClr val="0070C0"/>
+                </a:solidFill>
+              </a:rPr>
+              <a:t> 1</a:t>
+            </a:r>
+          </a:p>
+        </p:txBody>
+      </p:sp>
+      <p:cxnSp>
+        <p:nvCxnSpPr>
+          <p:cNvPr id="23" name="Straight Connector 22">
+            <a:extLst>
+              <a:ext uri="{FF2B5EF4-FFF2-40B4-BE49-F238E27FC236}">
+                <a16:creationId xmlns:a16="http://schemas.microsoft.com/office/drawing/2014/main" id="{9CEEA6AF-3B91-9FBD-559E-8923C98A58EA}"/>
+              </a:ext>
+            </a:extLst>
+          </p:cNvPr>
+          <p:cNvCxnSpPr>
+            <a:cxnSpLocks/>
+          </p:cNvCxnSpPr>
+          <p:nvPr/>
+        </p:nvCxnSpPr>
+        <p:spPr>
+          <a:xfrm flipH="1">
+            <a:off x="3577633" y="4684456"/>
+            <a:ext cx="1595327" cy="2418659"/>
+          </a:xfrm>
+          <a:prstGeom prst="line">
+            <a:avLst/>
+          </a:prstGeom>
+          <a:ln w="28575"/>
+        </p:spPr>
+        <p:style>
+          <a:lnRef idx="1">
+            <a:schemeClr val="accent1"/>
+          </a:lnRef>
+          <a:fillRef idx="0">
+            <a:schemeClr val="accent1"/>
+          </a:fillRef>
+          <a:effectRef idx="0">
+            <a:schemeClr val="accent1"/>
+          </a:effectRef>
+          <a:fontRef idx="minor">
+            <a:schemeClr val="tx1"/>
+          </a:fontRef>
+        </p:style>
+      </p:cxnSp>
     </p:spTree>
     <p:extLst>
       <p:ext uri="{BB962C8B-B14F-4D97-AF65-F5344CB8AC3E}">

--- a/image/howToPost.pptx
+++ b/image/howToPost.pptx
@@ -118,18 +118,18 @@
   <pc:docChgLst>
     <pc:chgData name="George John" userId="1c7f5d7288d1a48b" providerId="LiveId" clId="{0144DF34-647E-4BF4-ABCB-FB17BAA507B1}"/>
     <pc:docChg chg="undo custSel addSld modSld">
-      <pc:chgData name="George John" userId="1c7f5d7288d1a48b" providerId="LiveId" clId="{0144DF34-647E-4BF4-ABCB-FB17BAA507B1}" dt="2023-10-30T00:41:41.602" v="1260" actId="1076"/>
+      <pc:chgData name="George John" userId="1c7f5d7288d1a48b" providerId="LiveId" clId="{0144DF34-647E-4BF4-ABCB-FB17BAA507B1}" dt="2023-10-30T01:06:33.701" v="1592" actId="1076"/>
       <pc:docMkLst>
         <pc:docMk/>
       </pc:docMkLst>
       <pc:sldChg chg="addSp delSp modSp mod">
-        <pc:chgData name="George John" userId="1c7f5d7288d1a48b" providerId="LiveId" clId="{0144DF34-647E-4BF4-ABCB-FB17BAA507B1}" dt="2023-10-30T00:41:41.602" v="1260" actId="1076"/>
+        <pc:chgData name="George John" userId="1c7f5d7288d1a48b" providerId="LiveId" clId="{0144DF34-647E-4BF4-ABCB-FB17BAA507B1}" dt="2023-10-30T01:06:33.701" v="1592" actId="1076"/>
         <pc:sldMkLst>
           <pc:docMk/>
           <pc:sldMk cId="2429365050" sldId="256"/>
         </pc:sldMkLst>
         <pc:spChg chg="add mod ord">
-          <ac:chgData name="George John" userId="1c7f5d7288d1a48b" providerId="LiveId" clId="{0144DF34-647E-4BF4-ABCB-FB17BAA507B1}" dt="2023-10-30T00:41:22.697" v="1257" actId="1076"/>
+          <ac:chgData name="George John" userId="1c7f5d7288d1a48b" providerId="LiveId" clId="{0144DF34-647E-4BF4-ABCB-FB17BAA507B1}" dt="2023-10-30T00:59:45.576" v="1401" actId="1076"/>
           <ac:spMkLst>
             <pc:docMk/>
             <pc:sldMk cId="2429365050" sldId="256"/>
@@ -160,6 +160,22 @@
             <ac:spMk id="5" creationId="{6A4D6D54-257D-8402-7A79-E36C201BE877}"/>
           </ac:spMkLst>
         </pc:spChg>
+        <pc:spChg chg="add del mod">
+          <ac:chgData name="George John" userId="1c7f5d7288d1a48b" providerId="LiveId" clId="{0144DF34-647E-4BF4-ABCB-FB17BAA507B1}" dt="2023-10-30T00:58:51.537" v="1359" actId="478"/>
+          <ac:spMkLst>
+            <pc:docMk/>
+            <pc:sldMk cId="2429365050" sldId="256"/>
+            <ac:spMk id="10" creationId="{259514FF-7BB7-C337-39B0-7B3957E22181}"/>
+          </ac:spMkLst>
+        </pc:spChg>
+        <pc:spChg chg="add mod">
+          <ac:chgData name="George John" userId="1c7f5d7288d1a48b" providerId="LiveId" clId="{0144DF34-647E-4BF4-ABCB-FB17BAA507B1}" dt="2023-10-30T01:00:56.455" v="1590" actId="20577"/>
+          <ac:spMkLst>
+            <pc:docMk/>
+            <pc:sldMk cId="2429365050" sldId="256"/>
+            <ac:spMk id="14" creationId="{18EA7B5B-CAE0-3626-EB19-684DA946DF2F}"/>
+          </ac:spMkLst>
+        </pc:spChg>
         <pc:spChg chg="mod">
           <ac:chgData name="George John" userId="1c7f5d7288d1a48b" providerId="LiveId" clId="{0144DF34-647E-4BF4-ABCB-FB17BAA507B1}" dt="2023-10-30T00:40:14.656" v="1247" actId="164"/>
           <ac:spMkLst>
@@ -176,12 +192,20 @@
             <ac:spMk id="17" creationId="{FDA87858-ED50-B542-5CEA-D7A03A25CD80}"/>
           </ac:spMkLst>
         </pc:spChg>
-        <pc:spChg chg="add mod">
-          <ac:chgData name="George John" userId="1c7f5d7288d1a48b" providerId="LiveId" clId="{0144DF34-647E-4BF4-ABCB-FB17BAA507B1}" dt="2023-10-30T00:41:41.602" v="1260" actId="1076"/>
+        <pc:spChg chg="add del mod">
+          <ac:chgData name="George John" userId="1c7f5d7288d1a48b" providerId="LiveId" clId="{0144DF34-647E-4BF4-ABCB-FB17BAA507B1}" dt="2023-10-30T01:00:42.832" v="1586" actId="478"/>
           <ac:spMkLst>
             <pc:docMk/>
             <pc:sldMk cId="2429365050" sldId="256"/>
             <ac:spMk id="18" creationId="{46136DFE-F0D8-A090-1377-C788132E89A2}"/>
+          </ac:spMkLst>
+        </pc:spChg>
+        <pc:spChg chg="add mod">
+          <ac:chgData name="George John" userId="1c7f5d7288d1a48b" providerId="LiveId" clId="{0144DF34-647E-4BF4-ABCB-FB17BAA507B1}" dt="2023-10-30T01:06:33.701" v="1592" actId="1076"/>
+          <ac:spMkLst>
+            <pc:docMk/>
+            <pc:sldMk cId="2429365050" sldId="256"/>
+            <ac:spMk id="26" creationId="{ABF3806E-AB4B-845D-010E-5BA5B273A69C}"/>
           </ac:spMkLst>
         </pc:spChg>
         <pc:grpChg chg="add mod">
@@ -256,8 +280,16 @@
             <ac:picMk id="15" creationId="{6F9F2A86-D911-18F5-691D-899F6EA47EBA}"/>
           </ac:picMkLst>
         </pc:picChg>
+        <pc:picChg chg="add mod">
+          <ac:chgData name="George John" userId="1c7f5d7288d1a48b" providerId="LiveId" clId="{0144DF34-647E-4BF4-ABCB-FB17BAA507B1}" dt="2023-10-30T01:06:33.701" v="1592" actId="1076"/>
+          <ac:picMkLst>
+            <pc:docMk/>
+            <pc:sldMk cId="2429365050" sldId="256"/>
+            <ac:picMk id="25" creationId="{136A37AC-EF87-5E99-6EE5-903024D1A9C9}"/>
+          </ac:picMkLst>
+        </pc:picChg>
         <pc:cxnChg chg="add mod">
-          <ac:chgData name="George John" userId="1c7f5d7288d1a48b" providerId="LiveId" clId="{0144DF34-647E-4BF4-ABCB-FB17BAA507B1}" dt="2023-10-30T00:41:26.664" v="1258" actId="14100"/>
+          <ac:chgData name="George John" userId="1c7f5d7288d1a48b" providerId="LiveId" clId="{0144DF34-647E-4BF4-ABCB-FB17BAA507B1}" dt="2023-10-30T01:00:15.058" v="1583" actId="1035"/>
           <ac:cxnSpMkLst>
             <pc:docMk/>
             <pc:sldMk cId="2429365050" sldId="256"/>
@@ -280,12 +312,20 @@
             <ac:cxnSpMk id="20" creationId="{59FA40A0-43B2-7927-5632-154E835C24EA}"/>
           </ac:cxnSpMkLst>
         </pc:cxnChg>
-        <pc:cxnChg chg="add mod">
-          <ac:chgData name="George John" userId="1c7f5d7288d1a48b" providerId="LiveId" clId="{0144DF34-647E-4BF4-ABCB-FB17BAA507B1}" dt="2023-10-30T00:41:41.602" v="1260" actId="1076"/>
+        <pc:cxnChg chg="add del mod">
+          <ac:chgData name="George John" userId="1c7f5d7288d1a48b" providerId="LiveId" clId="{0144DF34-647E-4BF4-ABCB-FB17BAA507B1}" dt="2023-10-30T01:00:42.832" v="1586" actId="478"/>
           <ac:cxnSpMkLst>
             <pc:docMk/>
             <pc:sldMk cId="2429365050" sldId="256"/>
             <ac:cxnSpMk id="21" creationId="{DF0CEFC7-9938-DC5D-7D42-71CA2323D1B0}"/>
+          </ac:cxnSpMkLst>
+        </pc:cxnChg>
+        <pc:cxnChg chg="add mod">
+          <ac:chgData name="George John" userId="1c7f5d7288d1a48b" providerId="LiveId" clId="{0144DF34-647E-4BF4-ABCB-FB17BAA507B1}" dt="2023-10-30T01:00:54.497" v="1588" actId="14100"/>
+          <ac:cxnSpMkLst>
+            <pc:docMk/>
+            <pc:sldMk cId="2429365050" sldId="256"/>
+            <ac:cxnSpMk id="22" creationId="{6A967B6C-CF22-19BB-9AE1-A909C742EA02}"/>
           </ac:cxnSpMkLst>
         </pc:cxnChg>
       </pc:sldChg>
@@ -3839,8 +3879,8 @@
         </p:nvSpPr>
         <p:spPr>
           <a:xfrm>
-            <a:off x="794637" y="4424866"/>
-            <a:ext cx="853858" cy="646331"/>
+            <a:off x="5383836" y="4612776"/>
+            <a:ext cx="1037679" cy="646331"/>
           </a:xfrm>
           <a:prstGeom prst="rect">
             <a:avLst/>
@@ -3860,7 +3900,7 @@
                   <a:schemeClr val="accent1"/>
                 </a:solidFill>
               </a:rPr>
-              <a:t>Select this</a:t>
+              <a:t>#2 Select this</a:t>
             </a:r>
           </a:p>
         </p:txBody>
@@ -3880,9 +3920,9 @@
           <p:nvPr/>
         </p:nvCxnSpPr>
         <p:spPr>
-          <a:xfrm>
-            <a:off x="1444764" y="4914030"/>
-            <a:ext cx="364986" cy="281608"/>
+          <a:xfrm flipH="1">
+            <a:off x="5508289" y="4902979"/>
+            <a:ext cx="91734" cy="246484"/>
           </a:xfrm>
           <a:prstGeom prst="line">
             <a:avLst/>
@@ -3906,10 +3946,10 @@
       </p:cxnSp>
       <p:sp>
         <p:nvSpPr>
-          <p:cNvPr id="18" name="TextBox 17">
+          <p:cNvPr id="14" name="TextBox 13">
             <a:extLst>
               <a:ext uri="{FF2B5EF4-FFF2-40B4-BE49-F238E27FC236}">
-                <a16:creationId xmlns:a16="http://schemas.microsoft.com/office/drawing/2014/main" id="{46136DFE-F0D8-A090-1377-C788132E89A2}"/>
+                <a16:creationId xmlns:a16="http://schemas.microsoft.com/office/drawing/2014/main" id="{18EA7B5B-CAE0-3626-EB19-684DA946DF2F}"/>
               </a:ext>
             </a:extLst>
           </p:cNvPr>
@@ -3918,8 +3958,8 @@
         </p:nvSpPr>
         <p:spPr>
           <a:xfrm>
-            <a:off x="764157" y="1283463"/>
-            <a:ext cx="853858" cy="646331"/>
+            <a:off x="5255216" y="1271142"/>
+            <a:ext cx="1037679" cy="646331"/>
           </a:xfrm>
           <a:prstGeom prst="rect">
             <a:avLst/>
@@ -3939,17 +3979,17 @@
                   <a:schemeClr val="accent1"/>
                 </a:solidFill>
               </a:rPr>
-              <a:t>Select this</a:t>
+              <a:t>#1 Select this</a:t>
             </a:r>
           </a:p>
         </p:txBody>
       </p:sp>
       <p:cxnSp>
         <p:nvCxnSpPr>
-          <p:cNvPr id="21" name="Straight Connector 20">
+          <p:cNvPr id="22" name="Straight Connector 21">
             <a:extLst>
               <a:ext uri="{FF2B5EF4-FFF2-40B4-BE49-F238E27FC236}">
-                <a16:creationId xmlns:a16="http://schemas.microsoft.com/office/drawing/2014/main" id="{DF0CEFC7-9938-DC5D-7D42-71CA2323D1B0}"/>
+                <a16:creationId xmlns:a16="http://schemas.microsoft.com/office/drawing/2014/main" id="{6A967B6C-CF22-19BB-9AE1-A909C742EA02}"/>
               </a:ext>
             </a:extLst>
           </p:cNvPr>
@@ -3959,9 +3999,9 @@
           <p:nvPr/>
         </p:nvCxnSpPr>
         <p:spPr>
-          <a:xfrm>
-            <a:off x="1414284" y="1772627"/>
-            <a:ext cx="364986" cy="281608"/>
+          <a:xfrm flipH="1">
+            <a:off x="5431809" y="1555845"/>
+            <a:ext cx="109182" cy="390627"/>
           </a:xfrm>
           <a:prstGeom prst="line">
             <a:avLst/>
@@ -3983,6 +4023,87 @@
           </a:fontRef>
         </p:style>
       </p:cxnSp>
+      <p:pic>
+        <p:nvPicPr>
+          <p:cNvPr id="25" name="Picture 24">
+            <a:extLst>
+              <a:ext uri="{FF2B5EF4-FFF2-40B4-BE49-F238E27FC236}">
+                <a16:creationId xmlns:a16="http://schemas.microsoft.com/office/drawing/2014/main" id="{136A37AC-EF87-5E99-6EE5-903024D1A9C9}"/>
+              </a:ext>
+            </a:extLst>
+          </p:cNvPr>
+          <p:cNvPicPr>
+            <a:picLocks noChangeAspect="1"/>
+          </p:cNvPicPr>
+          <p:nvPr/>
+        </p:nvPicPr>
+        <p:blipFill>
+          <a:blip r:embed="rId5">
+            <a:extLst>
+              <a:ext uri="{28A0092B-C50C-407E-A947-70E740481C1C}">
+                <a14:useLocalDpi xmlns:a14="http://schemas.microsoft.com/office/drawing/2010/main" val="0"/>
+              </a:ext>
+            </a:extLst>
+          </a:blip>
+          <a:stretch>
+            <a:fillRect/>
+          </a:stretch>
+        </p:blipFill>
+        <p:spPr>
+          <a:xfrm>
+            <a:off x="1676400" y="5879783"/>
+            <a:ext cx="4866667" cy="176542"/>
+          </a:xfrm>
+          <a:prstGeom prst="rect">
+            <a:avLst/>
+          </a:prstGeom>
+          <a:ln w="57150">
+            <a:solidFill>
+              <a:schemeClr val="accent1"/>
+            </a:solidFill>
+          </a:ln>
+        </p:spPr>
+      </p:pic>
+      <p:sp>
+        <p:nvSpPr>
+          <p:cNvPr id="26" name="TextBox 25">
+            <a:extLst>
+              <a:ext uri="{FF2B5EF4-FFF2-40B4-BE49-F238E27FC236}">
+                <a16:creationId xmlns:a16="http://schemas.microsoft.com/office/drawing/2014/main" id="{ABF3806E-AB4B-845D-010E-5BA5B273A69C}"/>
+              </a:ext>
+            </a:extLst>
+          </p:cNvPr>
+          <p:cNvSpPr txBox="1"/>
+          <p:nvPr/>
+        </p:nvSpPr>
+        <p:spPr>
+          <a:xfrm>
+            <a:off x="659160" y="5735151"/>
+            <a:ext cx="874959" cy="369332"/>
+          </a:xfrm>
+          <a:prstGeom prst="rect">
+            <a:avLst/>
+          </a:prstGeom>
+          <a:noFill/>
+        </p:spPr>
+        <p:txBody>
+          <a:bodyPr wrap="square" rtlCol="0">
+            <a:spAutoFit/>
+          </a:bodyPr>
+          <a:lstStyle/>
+          <a:p>
+            <a:pPr algn="ctr"/>
+            <a:r>
+              <a:rPr lang="en-US" b="1" dirty="0">
+                <a:solidFill>
+                  <a:schemeClr val="accent1"/>
+                </a:solidFill>
+              </a:rPr>
+              <a:t>82%</a:t>
+            </a:r>
+          </a:p>
+        </p:txBody>
+      </p:sp>
     </p:spTree>
     <p:extLst>
       <p:ext uri="{BB962C8B-B14F-4D97-AF65-F5344CB8AC3E}">

--- a/image/howToPost.pptx
+++ b/image/howToPost.pptx
@@ -7,6 +7,8 @@
   <p:sldIdLst>
     <p:sldId id="256" r:id="rId2"/>
     <p:sldId id="257" r:id="rId3"/>
+    <p:sldId id="258" r:id="rId4"/>
+    <p:sldId id="259" r:id="rId5"/>
   </p:sldIdLst>
   <p:sldSz cx="6858000" cy="9144000" type="screen4x3"/>
   <p:notesSz cx="6858000" cy="9144000"/>
@@ -118,7 +120,7 @@
   <pc:docChgLst>
     <pc:chgData name="George John" userId="1c7f5d7288d1a48b" providerId="LiveId" clId="{0144DF34-647E-4BF4-ABCB-FB17BAA507B1}"/>
     <pc:docChg chg="undo custSel addSld modSld">
-      <pc:chgData name="George John" userId="1c7f5d7288d1a48b" providerId="LiveId" clId="{0144DF34-647E-4BF4-ABCB-FB17BAA507B1}" dt="2023-10-30T01:06:33.701" v="1592" actId="1076"/>
+      <pc:chgData name="George John" userId="1c7f5d7288d1a48b" providerId="LiveId" clId="{0144DF34-647E-4BF4-ABCB-FB17BAA507B1}" dt="2023-10-30T18:09:55.279" v="1982" actId="115"/>
       <pc:docMkLst>
         <pc:docMk/>
       </pc:docMkLst>
@@ -517,6 +519,332 @@
             <pc:docMk/>
             <pc:sldMk cId="1926906025" sldId="257"/>
             <ac:cxnSpMk id="23" creationId="{9CEEA6AF-3B91-9FBD-559E-8923C98A58EA}"/>
+          </ac:cxnSpMkLst>
+        </pc:cxnChg>
+      </pc:sldChg>
+      <pc:sldChg chg="addSp modSp new mod">
+        <pc:chgData name="George John" userId="1c7f5d7288d1a48b" providerId="LiveId" clId="{0144DF34-647E-4BF4-ABCB-FB17BAA507B1}" dt="2023-10-30T03:30:50.834" v="1624" actId="313"/>
+        <pc:sldMkLst>
+          <pc:docMk/>
+          <pc:sldMk cId="1888480241" sldId="258"/>
+        </pc:sldMkLst>
+        <pc:spChg chg="add mod">
+          <ac:chgData name="George John" userId="1c7f5d7288d1a48b" providerId="LiveId" clId="{0144DF34-647E-4BF4-ABCB-FB17BAA507B1}" dt="2023-10-30T03:30:50.834" v="1624" actId="313"/>
+          <ac:spMkLst>
+            <pc:docMk/>
+            <pc:sldMk cId="1888480241" sldId="258"/>
+            <ac:spMk id="4" creationId="{36CD2847-EFAE-4A48-CECB-0F2E95350E48}"/>
+          </ac:spMkLst>
+        </pc:spChg>
+        <pc:picChg chg="add">
+          <ac:chgData name="George John" userId="1c7f5d7288d1a48b" providerId="LiveId" clId="{0144DF34-647E-4BF4-ABCB-FB17BAA507B1}" dt="2023-10-30T03:30:26.577" v="1594" actId="22"/>
+          <ac:picMkLst>
+            <pc:docMk/>
+            <pc:sldMk cId="1888480241" sldId="258"/>
+            <ac:picMk id="3" creationId="{6F5326F8-64D4-A83A-DE1A-2CCB2A4B9B08}"/>
+          </ac:picMkLst>
+        </pc:picChg>
+      </pc:sldChg>
+      <pc:sldChg chg="addSp delSp modSp new mod">
+        <pc:chgData name="George John" userId="1c7f5d7288d1a48b" providerId="LiveId" clId="{0144DF34-647E-4BF4-ABCB-FB17BAA507B1}" dt="2023-10-30T18:09:55.279" v="1982" actId="115"/>
+        <pc:sldMkLst>
+          <pc:docMk/>
+          <pc:sldMk cId="4004389404" sldId="259"/>
+        </pc:sldMkLst>
+        <pc:spChg chg="add del mod">
+          <ac:chgData name="George John" userId="1c7f5d7288d1a48b" providerId="LiveId" clId="{0144DF34-647E-4BF4-ABCB-FB17BAA507B1}" dt="2023-10-30T17:54:23.835" v="1689" actId="478"/>
+          <ac:spMkLst>
+            <pc:docMk/>
+            <pc:sldMk cId="4004389404" sldId="259"/>
+            <ac:spMk id="4" creationId="{6C4ED36D-1DDC-C23A-710A-D16ACC859DFF}"/>
+          </ac:spMkLst>
+        </pc:spChg>
+        <pc:spChg chg="add mod">
+          <ac:chgData name="George John" userId="1c7f5d7288d1a48b" providerId="LiveId" clId="{0144DF34-647E-4BF4-ABCB-FB17BAA507B1}" dt="2023-10-30T17:58:11.403" v="1837" actId="14100"/>
+          <ac:spMkLst>
+            <pc:docMk/>
+            <pc:sldMk cId="4004389404" sldId="259"/>
+            <ac:spMk id="9" creationId="{012E32BB-F522-0EB6-A0C0-5DD589579FE0}"/>
+          </ac:spMkLst>
+        </pc:spChg>
+        <pc:spChg chg="add mod">
+          <ac:chgData name="George John" userId="1c7f5d7288d1a48b" providerId="LiveId" clId="{0144DF34-647E-4BF4-ABCB-FB17BAA507B1}" dt="2023-10-30T17:58:20.638" v="1839" actId="14100"/>
+          <ac:spMkLst>
+            <pc:docMk/>
+            <pc:sldMk cId="4004389404" sldId="259"/>
+            <ac:spMk id="10" creationId="{24D9B148-127C-1015-66D0-80EAB423B793}"/>
+          </ac:spMkLst>
+        </pc:spChg>
+        <pc:spChg chg="add del mod">
+          <ac:chgData name="George John" userId="1c7f5d7288d1a48b" providerId="LiveId" clId="{0144DF34-647E-4BF4-ABCB-FB17BAA507B1}" dt="2023-10-30T17:58:26.269" v="1840" actId="478"/>
+          <ac:spMkLst>
+            <pc:docMk/>
+            <pc:sldMk cId="4004389404" sldId="259"/>
+            <ac:spMk id="17" creationId="{0DABC9C0-3F6F-D138-E288-40B47A901D10}"/>
+          </ac:spMkLst>
+        </pc:spChg>
+        <pc:spChg chg="add del mod">
+          <ac:chgData name="George John" userId="1c7f5d7288d1a48b" providerId="LiveId" clId="{0144DF34-647E-4BF4-ABCB-FB17BAA507B1}" dt="2023-10-30T17:58:26.269" v="1840" actId="478"/>
+          <ac:spMkLst>
+            <pc:docMk/>
+            <pc:sldMk cId="4004389404" sldId="259"/>
+            <ac:spMk id="18" creationId="{BE7FC7EE-E14B-0689-7C93-2C5F34FA88F4}"/>
+          </ac:spMkLst>
+        </pc:spChg>
+        <pc:spChg chg="add del mod">
+          <ac:chgData name="George John" userId="1c7f5d7288d1a48b" providerId="LiveId" clId="{0144DF34-647E-4BF4-ABCB-FB17BAA507B1}" dt="2023-10-30T18:00:08.324" v="1871" actId="478"/>
+          <ac:spMkLst>
+            <pc:docMk/>
+            <pc:sldMk cId="4004389404" sldId="259"/>
+            <ac:spMk id="23" creationId="{1F462B13-D23A-14D8-300F-884606306103}"/>
+          </ac:spMkLst>
+        </pc:spChg>
+        <pc:spChg chg="add del mod">
+          <ac:chgData name="George John" userId="1c7f5d7288d1a48b" providerId="LiveId" clId="{0144DF34-647E-4BF4-ABCB-FB17BAA507B1}" dt="2023-10-30T18:00:08.324" v="1871" actId="478"/>
+          <ac:spMkLst>
+            <pc:docMk/>
+            <pc:sldMk cId="4004389404" sldId="259"/>
+            <ac:spMk id="24" creationId="{68A5DF2C-E1EF-F438-F713-35620FE0540E}"/>
+          </ac:spMkLst>
+        </pc:spChg>
+        <pc:spChg chg="add mod">
+          <ac:chgData name="George John" userId="1c7f5d7288d1a48b" providerId="LiveId" clId="{0144DF34-647E-4BF4-ABCB-FB17BAA507B1}" dt="2023-10-30T18:06:09.704" v="1980" actId="1036"/>
+          <ac:spMkLst>
+            <pc:docMk/>
+            <pc:sldMk cId="4004389404" sldId="259"/>
+            <ac:spMk id="31" creationId="{D755C21D-9F8C-E2AE-E822-D3D9704E44BC}"/>
+          </ac:spMkLst>
+        </pc:spChg>
+        <pc:spChg chg="add mod">
+          <ac:chgData name="George John" userId="1c7f5d7288d1a48b" providerId="LiveId" clId="{0144DF34-647E-4BF4-ABCB-FB17BAA507B1}" dt="2023-10-30T18:06:09.704" v="1980" actId="1036"/>
+          <ac:spMkLst>
+            <pc:docMk/>
+            <pc:sldMk cId="4004389404" sldId="259"/>
+            <ac:spMk id="32" creationId="{8E8BC55C-1207-B53F-D602-47CE5250A9B9}"/>
+          </ac:spMkLst>
+        </pc:spChg>
+        <pc:spChg chg="add mod">
+          <ac:chgData name="George John" userId="1c7f5d7288d1a48b" providerId="LiveId" clId="{0144DF34-647E-4BF4-ABCB-FB17BAA507B1}" dt="2023-10-30T18:00:28.370" v="1874" actId="1076"/>
+          <ac:spMkLst>
+            <pc:docMk/>
+            <pc:sldMk cId="4004389404" sldId="259"/>
+            <ac:spMk id="45" creationId="{33AF70B5-73D6-E40A-A279-0B09AB33EA85}"/>
+          </ac:spMkLst>
+        </pc:spChg>
+        <pc:spChg chg="add mod">
+          <ac:chgData name="George John" userId="1c7f5d7288d1a48b" providerId="LiveId" clId="{0144DF34-647E-4BF4-ABCB-FB17BAA507B1}" dt="2023-10-30T18:00:28.370" v="1874" actId="1076"/>
+          <ac:spMkLst>
+            <pc:docMk/>
+            <pc:sldMk cId="4004389404" sldId="259"/>
+            <ac:spMk id="46" creationId="{492CE0CA-5198-6C92-A726-14BBBFAA8842}"/>
+          </ac:spMkLst>
+        </pc:spChg>
+        <pc:spChg chg="add mod">
+          <ac:chgData name="George John" userId="1c7f5d7288d1a48b" providerId="LiveId" clId="{0144DF34-647E-4BF4-ABCB-FB17BAA507B1}" dt="2023-10-30T18:01:12.446" v="1918" actId="1036"/>
+          <ac:spMkLst>
+            <pc:docMk/>
+            <pc:sldMk cId="4004389404" sldId="259"/>
+            <ac:spMk id="47" creationId="{B9546930-CF4D-CDD3-5760-1D2825B0A000}"/>
+          </ac:spMkLst>
+        </pc:spChg>
+        <pc:spChg chg="add mod">
+          <ac:chgData name="George John" userId="1c7f5d7288d1a48b" providerId="LiveId" clId="{0144DF34-647E-4BF4-ABCB-FB17BAA507B1}" dt="2023-10-30T18:06:09.704" v="1980" actId="1036"/>
+          <ac:spMkLst>
+            <pc:docMk/>
+            <pc:sldMk cId="4004389404" sldId="259"/>
+            <ac:spMk id="48" creationId="{8E8DB781-8FCE-C906-CD60-BDDF37E7031A}"/>
+          </ac:spMkLst>
+        </pc:spChg>
+        <pc:spChg chg="add mod">
+          <ac:chgData name="George John" userId="1c7f5d7288d1a48b" providerId="LiveId" clId="{0144DF34-647E-4BF4-ABCB-FB17BAA507B1}" dt="2023-10-30T18:09:55.279" v="1982" actId="115"/>
+          <ac:spMkLst>
+            <pc:docMk/>
+            <pc:sldMk cId="4004389404" sldId="259"/>
+            <ac:spMk id="50" creationId="{2D43653E-FA5C-DD6A-A910-8CAE9A3FAB4C}"/>
+          </ac:spMkLst>
+        </pc:spChg>
+        <pc:spChg chg="add mod">
+          <ac:chgData name="George John" userId="1c7f5d7288d1a48b" providerId="LiveId" clId="{0144DF34-647E-4BF4-ABCB-FB17BAA507B1}" dt="2023-10-30T18:09:39.153" v="1981"/>
+          <ac:spMkLst>
+            <pc:docMk/>
+            <pc:sldMk cId="4004389404" sldId="259"/>
+            <ac:spMk id="52" creationId="{4B8CECDE-83F0-C47D-03DF-F40AF0B69B86}"/>
+          </ac:spMkLst>
+        </pc:spChg>
+        <pc:picChg chg="add mod ord">
+          <ac:chgData name="George John" userId="1c7f5d7288d1a48b" providerId="LiveId" clId="{0144DF34-647E-4BF4-ABCB-FB17BAA507B1}" dt="2023-10-30T17:57:46.443" v="1831" actId="1076"/>
+          <ac:picMkLst>
+            <pc:docMk/>
+            <pc:sldMk cId="4004389404" sldId="259"/>
+            <ac:picMk id="3" creationId="{EF0CE378-26C5-099F-49B3-47F2BC2612CD}"/>
+          </ac:picMkLst>
+        </pc:picChg>
+        <pc:picChg chg="add mod">
+          <ac:chgData name="George John" userId="1c7f5d7288d1a48b" providerId="LiveId" clId="{0144DF34-647E-4BF4-ABCB-FB17BAA507B1}" dt="2023-10-30T17:57:46.443" v="1831" actId="1076"/>
+          <ac:picMkLst>
+            <pc:docMk/>
+            <pc:sldMk cId="4004389404" sldId="259"/>
+            <ac:picMk id="6" creationId="{28A3F2D3-17D1-6A1F-79B6-757EBE15070E}"/>
+          </ac:picMkLst>
+        </pc:picChg>
+        <pc:picChg chg="add del mod">
+          <ac:chgData name="George John" userId="1c7f5d7288d1a48b" providerId="LiveId" clId="{0144DF34-647E-4BF4-ABCB-FB17BAA507B1}" dt="2023-10-30T17:55:47.790" v="1706" actId="478"/>
+          <ac:picMkLst>
+            <pc:docMk/>
+            <pc:sldMk cId="4004389404" sldId="259"/>
+            <ac:picMk id="8" creationId="{174238E8-2683-69AF-A941-0B8BE9E9A7DD}"/>
+          </ac:picMkLst>
+        </pc:picChg>
+        <pc:picChg chg="add del mod">
+          <ac:chgData name="George John" userId="1c7f5d7288d1a48b" providerId="LiveId" clId="{0144DF34-647E-4BF4-ABCB-FB17BAA507B1}" dt="2023-10-30T17:57:30.655" v="1812" actId="478"/>
+          <ac:picMkLst>
+            <pc:docMk/>
+            <pc:sldMk cId="4004389404" sldId="259"/>
+            <ac:picMk id="15" creationId="{0A3B0378-F006-F7BC-22F0-FE20B92D5178}"/>
+          </ac:picMkLst>
+        </pc:picChg>
+        <pc:picChg chg="add del mod">
+          <ac:chgData name="George John" userId="1c7f5d7288d1a48b" providerId="LiveId" clId="{0144DF34-647E-4BF4-ABCB-FB17BAA507B1}" dt="2023-10-30T17:57:30.655" v="1812" actId="478"/>
+          <ac:picMkLst>
+            <pc:docMk/>
+            <pc:sldMk cId="4004389404" sldId="259"/>
+            <ac:picMk id="16" creationId="{78D86C70-97E6-00FA-CBFF-379CF787CA2D}"/>
+          </ac:picMkLst>
+        </pc:picChg>
+        <pc:picChg chg="add del mod">
+          <ac:chgData name="George John" userId="1c7f5d7288d1a48b" providerId="LiveId" clId="{0144DF34-647E-4BF4-ABCB-FB17BAA507B1}" dt="2023-10-30T17:57:32.479" v="1813" actId="478"/>
+          <ac:picMkLst>
+            <pc:docMk/>
+            <pc:sldMk cId="4004389404" sldId="259"/>
+            <ac:picMk id="21" creationId="{D77F1DAD-9E13-128B-A373-5A9F945E49C8}"/>
+          </ac:picMkLst>
+        </pc:picChg>
+        <pc:picChg chg="add del mod">
+          <ac:chgData name="George John" userId="1c7f5d7288d1a48b" providerId="LiveId" clId="{0144DF34-647E-4BF4-ABCB-FB17BAA507B1}" dt="2023-10-30T17:57:32.479" v="1813" actId="478"/>
+          <ac:picMkLst>
+            <pc:docMk/>
+            <pc:sldMk cId="4004389404" sldId="259"/>
+            <ac:picMk id="22" creationId="{157B1136-E59F-EF60-11D4-670079F99BBE}"/>
+          </ac:picMkLst>
+        </pc:picChg>
+        <pc:picChg chg="add mod">
+          <ac:chgData name="George John" userId="1c7f5d7288d1a48b" providerId="LiveId" clId="{0144DF34-647E-4BF4-ABCB-FB17BAA507B1}" dt="2023-10-30T18:06:09.704" v="1980" actId="1036"/>
+          <ac:picMkLst>
+            <pc:docMk/>
+            <pc:sldMk cId="4004389404" sldId="259"/>
+            <ac:picMk id="29" creationId="{C49D0217-3004-8B9C-9F4D-922428107990}"/>
+          </ac:picMkLst>
+        </pc:picChg>
+        <pc:picChg chg="add mod">
+          <ac:chgData name="George John" userId="1c7f5d7288d1a48b" providerId="LiveId" clId="{0144DF34-647E-4BF4-ABCB-FB17BAA507B1}" dt="2023-10-30T18:06:09.704" v="1980" actId="1036"/>
+          <ac:picMkLst>
+            <pc:docMk/>
+            <pc:sldMk cId="4004389404" sldId="259"/>
+            <ac:picMk id="30" creationId="{0EE96934-D11B-0883-D170-E574B5F2B43F}"/>
+          </ac:picMkLst>
+        </pc:picChg>
+        <pc:picChg chg="add mod">
+          <ac:chgData name="George John" userId="1c7f5d7288d1a48b" providerId="LiveId" clId="{0144DF34-647E-4BF4-ABCB-FB17BAA507B1}" dt="2023-10-30T18:00:28.370" v="1874" actId="1076"/>
+          <ac:picMkLst>
+            <pc:docMk/>
+            <pc:sldMk cId="4004389404" sldId="259"/>
+            <ac:picMk id="36" creationId="{A79AAD16-5AD2-4E0B-AF48-48742327AF51}"/>
+          </ac:picMkLst>
+        </pc:picChg>
+        <pc:picChg chg="add mod">
+          <ac:chgData name="George John" userId="1c7f5d7288d1a48b" providerId="LiveId" clId="{0144DF34-647E-4BF4-ABCB-FB17BAA507B1}" dt="2023-10-30T18:00:28.370" v="1874" actId="1076"/>
+          <ac:picMkLst>
+            <pc:docMk/>
+            <pc:sldMk cId="4004389404" sldId="259"/>
+            <ac:picMk id="37" creationId="{048477BC-6CC0-0805-AD08-2E72F89FBA64}"/>
+          </ac:picMkLst>
+        </pc:picChg>
+        <pc:picChg chg="add del mod">
+          <ac:chgData name="George John" userId="1c7f5d7288d1a48b" providerId="LiveId" clId="{0144DF34-647E-4BF4-ABCB-FB17BAA507B1}" dt="2023-10-30T18:01:40.999" v="1943" actId="478"/>
+          <ac:picMkLst>
+            <pc:docMk/>
+            <pc:sldMk cId="4004389404" sldId="259"/>
+            <ac:picMk id="49" creationId="{B6A4AFC8-5C90-E5D2-D756-E3F1EC5F6408}"/>
+          </ac:picMkLst>
+        </pc:picChg>
+        <pc:picChg chg="add mod">
+          <ac:chgData name="George John" userId="1c7f5d7288d1a48b" providerId="LiveId" clId="{0144DF34-647E-4BF4-ABCB-FB17BAA507B1}" dt="2023-10-30T18:09:39.153" v="1981"/>
+          <ac:picMkLst>
+            <pc:docMk/>
+            <pc:sldMk cId="4004389404" sldId="259"/>
+            <ac:picMk id="51" creationId="{A642B783-F1DA-6EE8-642F-7EB3D6BB7258}"/>
+          </ac:picMkLst>
+        </pc:picChg>
+        <pc:cxnChg chg="add mod">
+          <ac:chgData name="George John" userId="1c7f5d7288d1a48b" providerId="LiveId" clId="{0144DF34-647E-4BF4-ABCB-FB17BAA507B1}" dt="2023-10-30T17:59:54.184" v="1870" actId="14100"/>
+          <ac:cxnSpMkLst>
+            <pc:docMk/>
+            <pc:sldMk cId="4004389404" sldId="259"/>
+            <ac:cxnSpMk id="12" creationId="{4CAFA452-D358-D0AD-0623-3C17CF5779C2}"/>
+          </ac:cxnSpMkLst>
+        </pc:cxnChg>
+        <pc:cxnChg chg="add del mod">
+          <ac:chgData name="George John" userId="1c7f5d7288d1a48b" providerId="LiveId" clId="{0144DF34-647E-4BF4-ABCB-FB17BAA507B1}" dt="2023-10-30T17:56:03.503" v="1711" actId="478"/>
+          <ac:cxnSpMkLst>
+            <pc:docMk/>
+            <pc:sldMk cId="4004389404" sldId="259"/>
+            <ac:cxnSpMk id="13" creationId="{3A6D2E10-1BAD-C563-5E66-EC1455950CDE}"/>
+          </ac:cxnSpMkLst>
+        </pc:cxnChg>
+        <pc:cxnChg chg="add del mod">
+          <ac:chgData name="George John" userId="1c7f5d7288d1a48b" providerId="LiveId" clId="{0144DF34-647E-4BF4-ABCB-FB17BAA507B1}" dt="2023-10-30T17:56:06.878" v="1712" actId="478"/>
+          <ac:cxnSpMkLst>
+            <pc:docMk/>
+            <pc:sldMk cId="4004389404" sldId="259"/>
+            <ac:cxnSpMk id="19" creationId="{51144985-A4E0-A375-3873-0DF12948376E}"/>
+          </ac:cxnSpMkLst>
+        </pc:cxnChg>
+        <pc:cxnChg chg="add del mod">
+          <ac:chgData name="George John" userId="1c7f5d7288d1a48b" providerId="LiveId" clId="{0144DF34-647E-4BF4-ABCB-FB17BAA507B1}" dt="2023-10-30T17:58:26.269" v="1840" actId="478"/>
+          <ac:cxnSpMkLst>
+            <pc:docMk/>
+            <pc:sldMk cId="4004389404" sldId="259"/>
+            <ac:cxnSpMk id="20" creationId="{1A9D6FAB-6CA3-8FCA-57C4-F3EDD3FCE15C}"/>
+          </ac:cxnSpMkLst>
+        </pc:cxnChg>
+        <pc:cxnChg chg="add del mod">
+          <ac:chgData name="George John" userId="1c7f5d7288d1a48b" providerId="LiveId" clId="{0144DF34-647E-4BF4-ABCB-FB17BAA507B1}" dt="2023-10-30T17:58:57.134" v="1847" actId="478"/>
+          <ac:cxnSpMkLst>
+            <pc:docMk/>
+            <pc:sldMk cId="4004389404" sldId="259"/>
+            <ac:cxnSpMk id="25" creationId="{63F722AD-761E-0FFF-C073-D6D9608A7C84}"/>
+          </ac:cxnSpMkLst>
+        </pc:cxnChg>
+        <pc:cxnChg chg="add del mod">
+          <ac:chgData name="George John" userId="1c7f5d7288d1a48b" providerId="LiveId" clId="{0144DF34-647E-4BF4-ABCB-FB17BAA507B1}" dt="2023-10-30T17:58:58.150" v="1848" actId="478"/>
+          <ac:cxnSpMkLst>
+            <pc:docMk/>
+            <pc:sldMk cId="4004389404" sldId="259"/>
+            <ac:cxnSpMk id="26" creationId="{9EB18051-4D8B-DF1E-B21E-B6E9E1752FD1}"/>
+          </ac:cxnSpMkLst>
+        </pc:cxnChg>
+        <pc:cxnChg chg="add mod">
+          <ac:chgData name="George John" userId="1c7f5d7288d1a48b" providerId="LiveId" clId="{0144DF34-647E-4BF4-ABCB-FB17BAA507B1}" dt="2023-10-30T18:06:09.704" v="1980" actId="1036"/>
+          <ac:cxnSpMkLst>
+            <pc:docMk/>
+            <pc:sldMk cId="4004389404" sldId="259"/>
+            <ac:cxnSpMk id="33" creationId="{6A8C18D4-B643-BB16-FF1F-F6751ABA34B3}"/>
+          </ac:cxnSpMkLst>
+        </pc:cxnChg>
+        <pc:cxnChg chg="add mod">
+          <ac:chgData name="George John" userId="1c7f5d7288d1a48b" providerId="LiveId" clId="{0144DF34-647E-4BF4-ABCB-FB17BAA507B1}" dt="2023-10-30T18:00:28.370" v="1874" actId="1076"/>
+          <ac:cxnSpMkLst>
+            <pc:docMk/>
+            <pc:sldMk cId="4004389404" sldId="259"/>
+            <ac:cxnSpMk id="38" creationId="{7F76CD94-1C52-98E7-9680-AF6EA8F4AA09}"/>
+          </ac:cxnSpMkLst>
+        </pc:cxnChg>
+        <pc:cxnChg chg="add mod">
+          <ac:chgData name="George John" userId="1c7f5d7288d1a48b" providerId="LiveId" clId="{0144DF34-647E-4BF4-ABCB-FB17BAA507B1}" dt="2023-10-30T18:00:28.370" v="1874" actId="1076"/>
+          <ac:cxnSpMkLst>
+            <pc:docMk/>
+            <pc:sldMk cId="4004389404" sldId="259"/>
+            <ac:cxnSpMk id="39" creationId="{A39FD7E4-D5D1-8822-5581-34ECB7D9EC03}"/>
           </ac:cxnSpMkLst>
         </pc:cxnChg>
       </pc:sldChg>
@@ -4798,6 +5126,1066 @@
 </p:sld>
 </file>
 
+<file path=ppt/slides/slide3.xml><?xml version="1.0" encoding="utf-8"?>
+<p:sld xmlns:a="http://schemas.openxmlformats.org/drawingml/2006/main" xmlns:r="http://schemas.openxmlformats.org/officeDocument/2006/relationships" xmlns:p="http://schemas.openxmlformats.org/presentationml/2006/main">
+  <p:cSld>
+    <p:spTree>
+      <p:nvGrpSpPr>
+        <p:cNvPr id="1" name=""/>
+        <p:cNvGrpSpPr/>
+        <p:nvPr/>
+      </p:nvGrpSpPr>
+      <p:grpSpPr>
+        <a:xfrm>
+          <a:off x="0" y="0"/>
+          <a:ext cx="0" cy="0"/>
+          <a:chOff x="0" y="0"/>
+          <a:chExt cx="0" cy="0"/>
+        </a:xfrm>
+      </p:grpSpPr>
+      <p:pic>
+        <p:nvPicPr>
+          <p:cNvPr id="3" name="Picture 2">
+            <a:extLst>
+              <a:ext uri="{FF2B5EF4-FFF2-40B4-BE49-F238E27FC236}">
+                <a16:creationId xmlns:a16="http://schemas.microsoft.com/office/drawing/2014/main" id="{6F5326F8-64D4-A83A-DE1A-2CCB2A4B9B08}"/>
+              </a:ext>
+            </a:extLst>
+          </p:cNvPr>
+          <p:cNvPicPr>
+            <a:picLocks noChangeAspect="1"/>
+          </p:cNvPicPr>
+          <p:nvPr/>
+        </p:nvPicPr>
+        <p:blipFill>
+          <a:blip r:embed="rId2"/>
+          <a:stretch>
+            <a:fillRect/>
+          </a:stretch>
+        </p:blipFill>
+        <p:spPr>
+          <a:xfrm>
+            <a:off x="1648047" y="829143"/>
+            <a:ext cx="3561905" cy="7485714"/>
+          </a:xfrm>
+          <a:prstGeom prst="rect">
+            <a:avLst/>
+          </a:prstGeom>
+        </p:spPr>
+      </p:pic>
+      <p:sp>
+        <p:nvSpPr>
+          <p:cNvPr id="4" name="TextBox 3">
+            <a:extLst>
+              <a:ext uri="{FF2B5EF4-FFF2-40B4-BE49-F238E27FC236}">
+                <a16:creationId xmlns:a16="http://schemas.microsoft.com/office/drawing/2014/main" id="{36CD2847-EFAE-4A48-CECB-0F2E95350E48}"/>
+              </a:ext>
+            </a:extLst>
+          </p:cNvPr>
+          <p:cNvSpPr txBox="1"/>
+          <p:nvPr/>
+        </p:nvSpPr>
+        <p:spPr>
+          <a:xfrm>
+            <a:off x="1817077" y="351692"/>
+            <a:ext cx="2889637" cy="369332"/>
+          </a:xfrm>
+          <a:prstGeom prst="rect">
+            <a:avLst/>
+          </a:prstGeom>
+          <a:noFill/>
+        </p:spPr>
+        <p:txBody>
+          <a:bodyPr wrap="none" rtlCol="0">
+            <a:spAutoFit/>
+          </a:bodyPr>
+          <a:lstStyle/>
+          <a:p>
+            <a:r>
+              <a:rPr lang="en-US" dirty="0"/>
+              <a:t>Screen Snap of Brett’s Phone</a:t>
+            </a:r>
+          </a:p>
+        </p:txBody>
+      </p:sp>
+    </p:spTree>
+    <p:extLst>
+      <p:ext uri="{BB962C8B-B14F-4D97-AF65-F5344CB8AC3E}">
+        <p14:creationId xmlns:p14="http://schemas.microsoft.com/office/powerpoint/2010/main" val="1888480241"/>
+      </p:ext>
+    </p:extLst>
+  </p:cSld>
+  <p:clrMapOvr>
+    <a:masterClrMapping/>
+  </p:clrMapOvr>
+</p:sld>
+</file>
+
+<file path=ppt/slides/slide4.xml><?xml version="1.0" encoding="utf-8"?>
+<p:sld xmlns:a="http://schemas.openxmlformats.org/drawingml/2006/main" xmlns:r="http://schemas.openxmlformats.org/officeDocument/2006/relationships" xmlns:p="http://schemas.openxmlformats.org/presentationml/2006/main">
+  <p:cSld>
+    <p:spTree>
+      <p:nvGrpSpPr>
+        <p:cNvPr id="1" name=""/>
+        <p:cNvGrpSpPr/>
+        <p:nvPr/>
+      </p:nvGrpSpPr>
+      <p:grpSpPr>
+        <a:xfrm>
+          <a:off x="0" y="0"/>
+          <a:ext cx="0" cy="0"/>
+          <a:chOff x="0" y="0"/>
+          <a:chExt cx="0" cy="0"/>
+        </a:xfrm>
+      </p:grpSpPr>
+      <p:pic>
+        <p:nvPicPr>
+          <p:cNvPr id="3" name="Picture 2">
+            <a:extLst>
+              <a:ext uri="{FF2B5EF4-FFF2-40B4-BE49-F238E27FC236}">
+                <a16:creationId xmlns:a16="http://schemas.microsoft.com/office/drawing/2014/main" id="{EF0CE378-26C5-099F-49B3-47F2BC2612CD}"/>
+              </a:ext>
+            </a:extLst>
+          </p:cNvPr>
+          <p:cNvPicPr>
+            <a:picLocks noChangeAspect="1"/>
+          </p:cNvPicPr>
+          <p:nvPr/>
+        </p:nvPicPr>
+        <p:blipFill>
+          <a:blip r:embed="rId2"/>
+          <a:stretch>
+            <a:fillRect/>
+          </a:stretch>
+        </p:blipFill>
+        <p:spPr>
+          <a:xfrm>
+            <a:off x="2729825" y="1138874"/>
+            <a:ext cx="466725" cy="895350"/>
+          </a:xfrm>
+          <a:prstGeom prst="rect">
+            <a:avLst/>
+          </a:prstGeom>
+        </p:spPr>
+      </p:pic>
+      <p:pic>
+        <p:nvPicPr>
+          <p:cNvPr id="6" name="Picture 5">
+            <a:extLst>
+              <a:ext uri="{FF2B5EF4-FFF2-40B4-BE49-F238E27FC236}">
+                <a16:creationId xmlns:a16="http://schemas.microsoft.com/office/drawing/2014/main" id="{28A3F2D3-17D1-6A1F-79B6-757EBE15070E}"/>
+              </a:ext>
+            </a:extLst>
+          </p:cNvPr>
+          <p:cNvPicPr>
+            <a:picLocks noChangeAspect="1"/>
+          </p:cNvPicPr>
+          <p:nvPr/>
+        </p:nvPicPr>
+        <p:blipFill>
+          <a:blip r:embed="rId3"/>
+          <a:stretch>
+            <a:fillRect/>
+          </a:stretch>
+        </p:blipFill>
+        <p:spPr>
+          <a:xfrm>
+            <a:off x="3248207" y="1420226"/>
+            <a:ext cx="361585" cy="657427"/>
+          </a:xfrm>
+          <a:prstGeom prst="rect">
+            <a:avLst/>
+          </a:prstGeom>
+        </p:spPr>
+      </p:pic>
+      <p:sp>
+        <p:nvSpPr>
+          <p:cNvPr id="9" name="Oval 8">
+            <a:extLst>
+              <a:ext uri="{FF2B5EF4-FFF2-40B4-BE49-F238E27FC236}">
+                <a16:creationId xmlns:a16="http://schemas.microsoft.com/office/drawing/2014/main" id="{012E32BB-F522-0EB6-A0C0-5DD589579FE0}"/>
+              </a:ext>
+            </a:extLst>
+          </p:cNvPr>
+          <p:cNvSpPr/>
+          <p:nvPr/>
+        </p:nvSpPr>
+        <p:spPr>
+          <a:xfrm>
+            <a:off x="4456604" y="853588"/>
+            <a:ext cx="1440103" cy="895351"/>
+          </a:xfrm>
+          <a:prstGeom prst="ellipse">
+            <a:avLst/>
+          </a:prstGeom>
+          <a:solidFill>
+            <a:schemeClr val="accent4">
+              <a:lumMod val="20000"/>
+              <a:lumOff val="80000"/>
+            </a:schemeClr>
+          </a:solidFill>
+          <a:ln>
+            <a:solidFill>
+              <a:schemeClr val="tx1"/>
+            </a:solidFill>
+          </a:ln>
+        </p:spPr>
+        <p:style>
+          <a:lnRef idx="2">
+            <a:schemeClr val="accent1">
+              <a:shade val="15000"/>
+            </a:schemeClr>
+          </a:lnRef>
+          <a:fillRef idx="1">
+            <a:schemeClr val="accent1"/>
+          </a:fillRef>
+          <a:effectRef idx="0">
+            <a:schemeClr val="accent1"/>
+          </a:effectRef>
+          <a:fontRef idx="minor">
+            <a:schemeClr val="lt1"/>
+          </a:fontRef>
+        </p:style>
+        <p:txBody>
+          <a:bodyPr rtlCol="0" anchor="ctr"/>
+          <a:lstStyle/>
+          <a:p>
+            <a:pPr algn="ctr"/>
+            <a:r>
+              <a:rPr lang="en-US" sz="1600" b="1" dirty="0">
+                <a:solidFill>
+                  <a:schemeClr val="tx1"/>
+                </a:solidFill>
+              </a:rPr>
+              <a:t>The Pet Lost and Found</a:t>
+            </a:r>
+          </a:p>
+        </p:txBody>
+      </p:sp>
+      <p:sp>
+        <p:nvSpPr>
+          <p:cNvPr id="10" name="Oval 9">
+            <a:extLst>
+              <a:ext uri="{FF2B5EF4-FFF2-40B4-BE49-F238E27FC236}">
+                <a16:creationId xmlns:a16="http://schemas.microsoft.com/office/drawing/2014/main" id="{24D9B148-127C-1015-66D0-80EAB423B793}"/>
+              </a:ext>
+            </a:extLst>
+          </p:cNvPr>
+          <p:cNvSpPr/>
+          <p:nvPr/>
+        </p:nvSpPr>
+        <p:spPr>
+          <a:xfrm>
+            <a:off x="4456604" y="1851153"/>
+            <a:ext cx="1440103" cy="895351"/>
+          </a:xfrm>
+          <a:prstGeom prst="ellipse">
+            <a:avLst/>
+          </a:prstGeom>
+          <a:solidFill>
+            <a:schemeClr val="accent2">
+              <a:lumMod val="40000"/>
+              <a:lumOff val="60000"/>
+            </a:schemeClr>
+          </a:solidFill>
+          <a:ln>
+            <a:solidFill>
+              <a:schemeClr val="tx1"/>
+            </a:solidFill>
+          </a:ln>
+        </p:spPr>
+        <p:style>
+          <a:lnRef idx="2">
+            <a:schemeClr val="accent1">
+              <a:shade val="15000"/>
+            </a:schemeClr>
+          </a:lnRef>
+          <a:fillRef idx="1">
+            <a:schemeClr val="accent1"/>
+          </a:fillRef>
+          <a:effectRef idx="0">
+            <a:schemeClr val="accent1"/>
+          </a:effectRef>
+          <a:fontRef idx="minor">
+            <a:schemeClr val="lt1"/>
+          </a:fontRef>
+        </p:style>
+        <p:txBody>
+          <a:bodyPr rtlCol="0" anchor="ctr"/>
+          <a:lstStyle/>
+          <a:p>
+            <a:pPr algn="ctr"/>
+            <a:r>
+              <a:rPr lang="en-US" sz="1600" b="1" dirty="0">
+                <a:solidFill>
+                  <a:schemeClr val="tx1"/>
+                </a:solidFill>
+              </a:rPr>
+              <a:t>Anyone on NextDoor</a:t>
+            </a:r>
+          </a:p>
+        </p:txBody>
+      </p:sp>
+      <p:cxnSp>
+        <p:nvCxnSpPr>
+          <p:cNvPr id="12" name="Straight Arrow Connector 11">
+            <a:extLst>
+              <a:ext uri="{FF2B5EF4-FFF2-40B4-BE49-F238E27FC236}">
+                <a16:creationId xmlns:a16="http://schemas.microsoft.com/office/drawing/2014/main" id="{4CAFA452-D358-D0AD-0623-3C17CF5779C2}"/>
+              </a:ext>
+            </a:extLst>
+          </p:cNvPr>
+          <p:cNvCxnSpPr>
+            <a:cxnSpLocks/>
+          </p:cNvCxnSpPr>
+          <p:nvPr/>
+        </p:nvCxnSpPr>
+        <p:spPr>
+          <a:xfrm flipV="1">
+            <a:off x="3661452" y="1312990"/>
+            <a:ext cx="795152" cy="256415"/>
+          </a:xfrm>
+          <a:prstGeom prst="straightConnector1">
+            <a:avLst/>
+          </a:prstGeom>
+          <a:ln>
+            <a:solidFill>
+              <a:schemeClr val="tx1"/>
+            </a:solidFill>
+            <a:tailEnd type="triangle" w="lg" len="lg"/>
+          </a:ln>
+        </p:spPr>
+        <p:style>
+          <a:lnRef idx="1">
+            <a:schemeClr val="accent1"/>
+          </a:lnRef>
+          <a:fillRef idx="0">
+            <a:schemeClr val="accent1"/>
+          </a:fillRef>
+          <a:effectRef idx="0">
+            <a:schemeClr val="accent1"/>
+          </a:effectRef>
+          <a:fontRef idx="minor">
+            <a:schemeClr val="tx1"/>
+          </a:fontRef>
+        </p:style>
+      </p:cxnSp>
+      <p:pic>
+        <p:nvPicPr>
+          <p:cNvPr id="29" name="Picture 28">
+            <a:extLst>
+              <a:ext uri="{FF2B5EF4-FFF2-40B4-BE49-F238E27FC236}">
+                <a16:creationId xmlns:a16="http://schemas.microsoft.com/office/drawing/2014/main" id="{C49D0217-3004-8B9C-9F4D-922428107990}"/>
+              </a:ext>
+            </a:extLst>
+          </p:cNvPr>
+          <p:cNvPicPr>
+            <a:picLocks noChangeAspect="1"/>
+          </p:cNvPicPr>
+          <p:nvPr/>
+        </p:nvPicPr>
+        <p:blipFill>
+          <a:blip r:embed="rId2"/>
+          <a:stretch>
+            <a:fillRect/>
+          </a:stretch>
+        </p:blipFill>
+        <p:spPr>
+          <a:xfrm>
+            <a:off x="2729825" y="3529867"/>
+            <a:ext cx="466725" cy="895350"/>
+          </a:xfrm>
+          <a:prstGeom prst="rect">
+            <a:avLst/>
+          </a:prstGeom>
+        </p:spPr>
+      </p:pic>
+      <p:pic>
+        <p:nvPicPr>
+          <p:cNvPr id="30" name="Picture 29">
+            <a:extLst>
+              <a:ext uri="{FF2B5EF4-FFF2-40B4-BE49-F238E27FC236}">
+                <a16:creationId xmlns:a16="http://schemas.microsoft.com/office/drawing/2014/main" id="{0EE96934-D11B-0883-D170-E574B5F2B43F}"/>
+              </a:ext>
+            </a:extLst>
+          </p:cNvPr>
+          <p:cNvPicPr>
+            <a:picLocks noChangeAspect="1"/>
+          </p:cNvPicPr>
+          <p:nvPr/>
+        </p:nvPicPr>
+        <p:blipFill>
+          <a:blip r:embed="rId3"/>
+          <a:stretch>
+            <a:fillRect/>
+          </a:stretch>
+        </p:blipFill>
+        <p:spPr>
+          <a:xfrm>
+            <a:off x="3248207" y="3811219"/>
+            <a:ext cx="361585" cy="657427"/>
+          </a:xfrm>
+          <a:prstGeom prst="rect">
+            <a:avLst/>
+          </a:prstGeom>
+        </p:spPr>
+      </p:pic>
+      <p:sp>
+        <p:nvSpPr>
+          <p:cNvPr id="31" name="Oval 30">
+            <a:extLst>
+              <a:ext uri="{FF2B5EF4-FFF2-40B4-BE49-F238E27FC236}">
+                <a16:creationId xmlns:a16="http://schemas.microsoft.com/office/drawing/2014/main" id="{D755C21D-9F8C-E2AE-E822-D3D9704E44BC}"/>
+              </a:ext>
+            </a:extLst>
+          </p:cNvPr>
+          <p:cNvSpPr/>
+          <p:nvPr/>
+        </p:nvSpPr>
+        <p:spPr>
+          <a:xfrm>
+            <a:off x="4456604" y="3244581"/>
+            <a:ext cx="1440103" cy="895351"/>
+          </a:xfrm>
+          <a:prstGeom prst="ellipse">
+            <a:avLst/>
+          </a:prstGeom>
+          <a:solidFill>
+            <a:schemeClr val="accent4">
+              <a:lumMod val="20000"/>
+              <a:lumOff val="80000"/>
+            </a:schemeClr>
+          </a:solidFill>
+          <a:ln>
+            <a:solidFill>
+              <a:schemeClr val="tx1"/>
+            </a:solidFill>
+          </a:ln>
+        </p:spPr>
+        <p:style>
+          <a:lnRef idx="2">
+            <a:schemeClr val="accent1">
+              <a:shade val="15000"/>
+            </a:schemeClr>
+          </a:lnRef>
+          <a:fillRef idx="1">
+            <a:schemeClr val="accent1"/>
+          </a:fillRef>
+          <a:effectRef idx="0">
+            <a:schemeClr val="accent1"/>
+          </a:effectRef>
+          <a:fontRef idx="minor">
+            <a:schemeClr val="lt1"/>
+          </a:fontRef>
+        </p:style>
+        <p:txBody>
+          <a:bodyPr rtlCol="0" anchor="ctr"/>
+          <a:lstStyle/>
+          <a:p>
+            <a:pPr algn="ctr"/>
+            <a:r>
+              <a:rPr lang="en-US" sz="1600" b="1" dirty="0">
+                <a:solidFill>
+                  <a:schemeClr val="tx1"/>
+                </a:solidFill>
+              </a:rPr>
+              <a:t>The Pet Lost and Found</a:t>
+            </a:r>
+          </a:p>
+        </p:txBody>
+      </p:sp>
+      <p:sp>
+        <p:nvSpPr>
+          <p:cNvPr id="32" name="Oval 31">
+            <a:extLst>
+              <a:ext uri="{FF2B5EF4-FFF2-40B4-BE49-F238E27FC236}">
+                <a16:creationId xmlns:a16="http://schemas.microsoft.com/office/drawing/2014/main" id="{8E8BC55C-1207-B53F-D602-47CE5250A9B9}"/>
+              </a:ext>
+            </a:extLst>
+          </p:cNvPr>
+          <p:cNvSpPr/>
+          <p:nvPr/>
+        </p:nvSpPr>
+        <p:spPr>
+          <a:xfrm>
+            <a:off x="4456604" y="4242146"/>
+            <a:ext cx="1440103" cy="895351"/>
+          </a:xfrm>
+          <a:prstGeom prst="ellipse">
+            <a:avLst/>
+          </a:prstGeom>
+          <a:solidFill>
+            <a:schemeClr val="accent2">
+              <a:lumMod val="40000"/>
+              <a:lumOff val="60000"/>
+            </a:schemeClr>
+          </a:solidFill>
+          <a:ln>
+            <a:solidFill>
+              <a:schemeClr val="tx1"/>
+            </a:solidFill>
+          </a:ln>
+        </p:spPr>
+        <p:style>
+          <a:lnRef idx="2">
+            <a:schemeClr val="accent1">
+              <a:shade val="15000"/>
+            </a:schemeClr>
+          </a:lnRef>
+          <a:fillRef idx="1">
+            <a:schemeClr val="accent1"/>
+          </a:fillRef>
+          <a:effectRef idx="0">
+            <a:schemeClr val="accent1"/>
+          </a:effectRef>
+          <a:fontRef idx="minor">
+            <a:schemeClr val="lt1"/>
+          </a:fontRef>
+        </p:style>
+        <p:txBody>
+          <a:bodyPr rtlCol="0" anchor="ctr"/>
+          <a:lstStyle/>
+          <a:p>
+            <a:pPr algn="ctr"/>
+            <a:r>
+              <a:rPr lang="en-US" sz="1600" b="1" dirty="0">
+                <a:solidFill>
+                  <a:schemeClr val="tx1"/>
+                </a:solidFill>
+              </a:rPr>
+              <a:t>Anyone on NextDoor</a:t>
+            </a:r>
+          </a:p>
+        </p:txBody>
+      </p:sp>
+      <p:cxnSp>
+        <p:nvCxnSpPr>
+          <p:cNvPr id="33" name="Straight Arrow Connector 32">
+            <a:extLst>
+              <a:ext uri="{FF2B5EF4-FFF2-40B4-BE49-F238E27FC236}">
+                <a16:creationId xmlns:a16="http://schemas.microsoft.com/office/drawing/2014/main" id="{6A8C18D4-B643-BB16-FF1F-F6751ABA34B3}"/>
+              </a:ext>
+            </a:extLst>
+          </p:cNvPr>
+          <p:cNvCxnSpPr>
+            <a:cxnSpLocks/>
+            <a:endCxn id="32" idx="2"/>
+          </p:cNvCxnSpPr>
+          <p:nvPr/>
+        </p:nvCxnSpPr>
+        <p:spPr>
+          <a:xfrm>
+            <a:off x="3638920" y="4242146"/>
+            <a:ext cx="817684" cy="447676"/>
+          </a:xfrm>
+          <a:prstGeom prst="straightConnector1">
+            <a:avLst/>
+          </a:prstGeom>
+          <a:ln>
+            <a:solidFill>
+              <a:schemeClr val="tx1"/>
+            </a:solidFill>
+            <a:tailEnd type="triangle" w="lg" len="lg"/>
+          </a:ln>
+        </p:spPr>
+        <p:style>
+          <a:lnRef idx="1">
+            <a:schemeClr val="accent1"/>
+          </a:lnRef>
+          <a:fillRef idx="0">
+            <a:schemeClr val="accent1"/>
+          </a:fillRef>
+          <a:effectRef idx="0">
+            <a:schemeClr val="accent1"/>
+          </a:effectRef>
+          <a:fontRef idx="minor">
+            <a:schemeClr val="tx1"/>
+          </a:fontRef>
+        </p:style>
+      </p:cxnSp>
+      <p:pic>
+        <p:nvPicPr>
+          <p:cNvPr id="36" name="Picture 35">
+            <a:extLst>
+              <a:ext uri="{FF2B5EF4-FFF2-40B4-BE49-F238E27FC236}">
+                <a16:creationId xmlns:a16="http://schemas.microsoft.com/office/drawing/2014/main" id="{A79AAD16-5AD2-4E0B-AF48-48742327AF51}"/>
+              </a:ext>
+            </a:extLst>
+          </p:cNvPr>
+          <p:cNvPicPr>
+            <a:picLocks noChangeAspect="1"/>
+          </p:cNvPicPr>
+          <p:nvPr/>
+        </p:nvPicPr>
+        <p:blipFill>
+          <a:blip r:embed="rId2"/>
+          <a:stretch>
+            <a:fillRect/>
+          </a:stretch>
+        </p:blipFill>
+        <p:spPr>
+          <a:xfrm>
+            <a:off x="2729825" y="6156678"/>
+            <a:ext cx="466725" cy="895350"/>
+          </a:xfrm>
+          <a:prstGeom prst="rect">
+            <a:avLst/>
+          </a:prstGeom>
+        </p:spPr>
+      </p:pic>
+      <p:pic>
+        <p:nvPicPr>
+          <p:cNvPr id="37" name="Picture 36">
+            <a:extLst>
+              <a:ext uri="{FF2B5EF4-FFF2-40B4-BE49-F238E27FC236}">
+                <a16:creationId xmlns:a16="http://schemas.microsoft.com/office/drawing/2014/main" id="{048477BC-6CC0-0805-AD08-2E72F89FBA64}"/>
+              </a:ext>
+            </a:extLst>
+          </p:cNvPr>
+          <p:cNvPicPr>
+            <a:picLocks noChangeAspect="1"/>
+          </p:cNvPicPr>
+          <p:nvPr/>
+        </p:nvPicPr>
+        <p:blipFill>
+          <a:blip r:embed="rId3"/>
+          <a:stretch>
+            <a:fillRect/>
+          </a:stretch>
+        </p:blipFill>
+        <p:spPr>
+          <a:xfrm>
+            <a:off x="3248207" y="6438030"/>
+            <a:ext cx="361585" cy="657427"/>
+          </a:xfrm>
+          <a:prstGeom prst="rect">
+            <a:avLst/>
+          </a:prstGeom>
+        </p:spPr>
+      </p:pic>
+      <p:cxnSp>
+        <p:nvCxnSpPr>
+          <p:cNvPr id="38" name="Straight Arrow Connector 37">
+            <a:extLst>
+              <a:ext uri="{FF2B5EF4-FFF2-40B4-BE49-F238E27FC236}">
+                <a16:creationId xmlns:a16="http://schemas.microsoft.com/office/drawing/2014/main" id="{7F76CD94-1C52-98E7-9680-AF6EA8F4AA09}"/>
+              </a:ext>
+            </a:extLst>
+          </p:cNvPr>
+          <p:cNvCxnSpPr>
+            <a:cxnSpLocks/>
+          </p:cNvCxnSpPr>
+          <p:nvPr/>
+        </p:nvCxnSpPr>
+        <p:spPr>
+          <a:xfrm flipV="1">
+            <a:off x="3661449" y="6210417"/>
+            <a:ext cx="811823" cy="393936"/>
+          </a:xfrm>
+          <a:prstGeom prst="straightConnector1">
+            <a:avLst/>
+          </a:prstGeom>
+          <a:ln>
+            <a:solidFill>
+              <a:schemeClr val="tx1"/>
+            </a:solidFill>
+            <a:tailEnd type="triangle" w="lg" len="lg"/>
+          </a:ln>
+        </p:spPr>
+        <p:style>
+          <a:lnRef idx="1">
+            <a:schemeClr val="accent1"/>
+          </a:lnRef>
+          <a:fillRef idx="0">
+            <a:schemeClr val="accent1"/>
+          </a:fillRef>
+          <a:effectRef idx="0">
+            <a:schemeClr val="accent1"/>
+          </a:effectRef>
+          <a:fontRef idx="minor">
+            <a:schemeClr val="tx1"/>
+          </a:fontRef>
+        </p:style>
+      </p:cxnSp>
+      <p:cxnSp>
+        <p:nvCxnSpPr>
+          <p:cNvPr id="39" name="Straight Arrow Connector 38">
+            <a:extLst>
+              <a:ext uri="{FF2B5EF4-FFF2-40B4-BE49-F238E27FC236}">
+                <a16:creationId xmlns:a16="http://schemas.microsoft.com/office/drawing/2014/main" id="{A39FD7E4-D5D1-8822-5581-34ECB7D9EC03}"/>
+              </a:ext>
+            </a:extLst>
+          </p:cNvPr>
+          <p:cNvCxnSpPr>
+            <a:cxnSpLocks/>
+          </p:cNvCxnSpPr>
+          <p:nvPr/>
+        </p:nvCxnSpPr>
+        <p:spPr>
+          <a:xfrm>
+            <a:off x="3661449" y="6900102"/>
+            <a:ext cx="790214" cy="365043"/>
+          </a:xfrm>
+          <a:prstGeom prst="straightConnector1">
+            <a:avLst/>
+          </a:prstGeom>
+          <a:ln>
+            <a:solidFill>
+              <a:schemeClr val="tx1"/>
+            </a:solidFill>
+            <a:tailEnd type="triangle" w="lg" len="lg"/>
+          </a:ln>
+        </p:spPr>
+        <p:style>
+          <a:lnRef idx="1">
+            <a:schemeClr val="accent1"/>
+          </a:lnRef>
+          <a:fillRef idx="0">
+            <a:schemeClr val="accent1"/>
+          </a:fillRef>
+          <a:effectRef idx="0">
+            <a:schemeClr val="accent1"/>
+          </a:effectRef>
+          <a:fontRef idx="minor">
+            <a:schemeClr val="tx1"/>
+          </a:fontRef>
+        </p:style>
+      </p:cxnSp>
+      <p:sp>
+        <p:nvSpPr>
+          <p:cNvPr id="45" name="Oval 44">
+            <a:extLst>
+              <a:ext uri="{FF2B5EF4-FFF2-40B4-BE49-F238E27FC236}">
+                <a16:creationId xmlns:a16="http://schemas.microsoft.com/office/drawing/2014/main" id="{33AF70B5-73D6-E40A-A279-0B09AB33EA85}"/>
+              </a:ext>
+            </a:extLst>
+          </p:cNvPr>
+          <p:cNvSpPr/>
+          <p:nvPr/>
+        </p:nvSpPr>
+        <p:spPr>
+          <a:xfrm>
+            <a:off x="4524929" y="5819904"/>
+            <a:ext cx="1440103" cy="895351"/>
+          </a:xfrm>
+          <a:prstGeom prst="ellipse">
+            <a:avLst/>
+          </a:prstGeom>
+          <a:solidFill>
+            <a:schemeClr val="accent4">
+              <a:lumMod val="20000"/>
+              <a:lumOff val="80000"/>
+            </a:schemeClr>
+          </a:solidFill>
+          <a:ln>
+            <a:solidFill>
+              <a:schemeClr val="tx1"/>
+            </a:solidFill>
+          </a:ln>
+        </p:spPr>
+        <p:style>
+          <a:lnRef idx="2">
+            <a:schemeClr val="accent1">
+              <a:shade val="15000"/>
+            </a:schemeClr>
+          </a:lnRef>
+          <a:fillRef idx="1">
+            <a:schemeClr val="accent1"/>
+          </a:fillRef>
+          <a:effectRef idx="0">
+            <a:schemeClr val="accent1"/>
+          </a:effectRef>
+          <a:fontRef idx="minor">
+            <a:schemeClr val="lt1"/>
+          </a:fontRef>
+        </p:style>
+        <p:txBody>
+          <a:bodyPr rtlCol="0" anchor="ctr"/>
+          <a:lstStyle/>
+          <a:p>
+            <a:pPr algn="ctr"/>
+            <a:r>
+              <a:rPr lang="en-US" sz="1600" b="1" dirty="0">
+                <a:solidFill>
+                  <a:schemeClr val="tx1"/>
+                </a:solidFill>
+              </a:rPr>
+              <a:t>The Pet Lost and Found</a:t>
+            </a:r>
+          </a:p>
+        </p:txBody>
+      </p:sp>
+      <p:sp>
+        <p:nvSpPr>
+          <p:cNvPr id="46" name="Oval 45">
+            <a:extLst>
+              <a:ext uri="{FF2B5EF4-FFF2-40B4-BE49-F238E27FC236}">
+                <a16:creationId xmlns:a16="http://schemas.microsoft.com/office/drawing/2014/main" id="{492CE0CA-5198-6C92-A726-14BBBFAA8842}"/>
+              </a:ext>
+            </a:extLst>
+          </p:cNvPr>
+          <p:cNvSpPr/>
+          <p:nvPr/>
+        </p:nvSpPr>
+        <p:spPr>
+          <a:xfrm>
+            <a:off x="4524929" y="6817469"/>
+            <a:ext cx="1440103" cy="895351"/>
+          </a:xfrm>
+          <a:prstGeom prst="ellipse">
+            <a:avLst/>
+          </a:prstGeom>
+          <a:solidFill>
+            <a:schemeClr val="accent2">
+              <a:lumMod val="40000"/>
+              <a:lumOff val="60000"/>
+            </a:schemeClr>
+          </a:solidFill>
+          <a:ln>
+            <a:solidFill>
+              <a:schemeClr val="tx1"/>
+            </a:solidFill>
+          </a:ln>
+        </p:spPr>
+        <p:style>
+          <a:lnRef idx="2">
+            <a:schemeClr val="accent1">
+              <a:shade val="15000"/>
+            </a:schemeClr>
+          </a:lnRef>
+          <a:fillRef idx="1">
+            <a:schemeClr val="accent1"/>
+          </a:fillRef>
+          <a:effectRef idx="0">
+            <a:schemeClr val="accent1"/>
+          </a:effectRef>
+          <a:fontRef idx="minor">
+            <a:schemeClr val="lt1"/>
+          </a:fontRef>
+        </p:style>
+        <p:txBody>
+          <a:bodyPr rtlCol="0" anchor="ctr"/>
+          <a:lstStyle/>
+          <a:p>
+            <a:pPr algn="ctr"/>
+            <a:r>
+              <a:rPr lang="en-US" sz="1600" b="1" dirty="0">
+                <a:solidFill>
+                  <a:schemeClr val="tx1"/>
+                </a:solidFill>
+              </a:rPr>
+              <a:t>Anyone on NextDoor</a:t>
+            </a:r>
+          </a:p>
+        </p:txBody>
+      </p:sp>
+      <p:sp>
+        <p:nvSpPr>
+          <p:cNvPr id="47" name="TextBox 46">
+            <a:extLst>
+              <a:ext uri="{FF2B5EF4-FFF2-40B4-BE49-F238E27FC236}">
+                <a16:creationId xmlns:a16="http://schemas.microsoft.com/office/drawing/2014/main" id="{B9546930-CF4D-CDD3-5760-1D2825B0A000}"/>
+              </a:ext>
+            </a:extLst>
+          </p:cNvPr>
+          <p:cNvSpPr txBox="1"/>
+          <p:nvPr/>
+        </p:nvSpPr>
+        <p:spPr>
+          <a:xfrm>
+            <a:off x="1422073" y="1313483"/>
+            <a:ext cx="1101984" cy="923330"/>
+          </a:xfrm>
+          <a:prstGeom prst="rect">
+            <a:avLst/>
+          </a:prstGeom>
+          <a:noFill/>
+        </p:spPr>
+        <p:txBody>
+          <a:bodyPr wrap="square" rtlCol="0">
+            <a:spAutoFit/>
+          </a:bodyPr>
+          <a:lstStyle/>
+          <a:p>
+            <a:r>
+              <a:rPr lang="en-US" b="1" dirty="0"/>
+              <a:t>Only Pet Lost and Found</a:t>
+            </a:r>
+          </a:p>
+        </p:txBody>
+      </p:sp>
+      <p:sp>
+        <p:nvSpPr>
+          <p:cNvPr id="48" name="TextBox 47">
+            <a:extLst>
+              <a:ext uri="{FF2B5EF4-FFF2-40B4-BE49-F238E27FC236}">
+                <a16:creationId xmlns:a16="http://schemas.microsoft.com/office/drawing/2014/main" id="{8E8DB781-8FCE-C906-CD60-BDDF37E7031A}"/>
+              </a:ext>
+            </a:extLst>
+          </p:cNvPr>
+          <p:cNvSpPr txBox="1"/>
+          <p:nvPr/>
+        </p:nvSpPr>
+        <p:spPr>
+          <a:xfrm>
+            <a:off x="1422073" y="3780481"/>
+            <a:ext cx="1101984" cy="923330"/>
+          </a:xfrm>
+          <a:prstGeom prst="rect">
+            <a:avLst/>
+          </a:prstGeom>
+          <a:noFill/>
+        </p:spPr>
+        <p:txBody>
+          <a:bodyPr wrap="square" rtlCol="0">
+            <a:spAutoFit/>
+          </a:bodyPr>
+          <a:lstStyle/>
+          <a:p>
+            <a:r>
+              <a:rPr lang="en-US" b="1" dirty="0"/>
+              <a:t>Anyone on NextDoor</a:t>
+            </a:r>
+          </a:p>
+        </p:txBody>
+      </p:sp>
+      <p:sp>
+        <p:nvSpPr>
+          <p:cNvPr id="50" name="TextBox 49">
+            <a:extLst>
+              <a:ext uri="{FF2B5EF4-FFF2-40B4-BE49-F238E27FC236}">
+                <a16:creationId xmlns:a16="http://schemas.microsoft.com/office/drawing/2014/main" id="{2D43653E-FA5C-DD6A-A910-8CAE9A3FAB4C}"/>
+              </a:ext>
+            </a:extLst>
+          </p:cNvPr>
+          <p:cNvSpPr txBox="1"/>
+          <p:nvPr/>
+        </p:nvSpPr>
+        <p:spPr>
+          <a:xfrm>
+            <a:off x="1300697" y="6156678"/>
+            <a:ext cx="1440103" cy="1200329"/>
+          </a:xfrm>
+          <a:prstGeom prst="rect">
+            <a:avLst/>
+          </a:prstGeom>
+          <a:noFill/>
+        </p:spPr>
+        <p:txBody>
+          <a:bodyPr wrap="square" rtlCol="0">
+            <a:spAutoFit/>
+          </a:bodyPr>
+          <a:lstStyle/>
+          <a:p>
+            <a:r>
+              <a:rPr lang="en-US" b="1" dirty="0"/>
+              <a:t>Both Pet Lost </a:t>
+            </a:r>
+            <a:r>
+              <a:rPr lang="en-US" b="1" u="sng" dirty="0"/>
+              <a:t>and</a:t>
+            </a:r>
+            <a:r>
+              <a:rPr lang="en-US" b="1" dirty="0"/>
+              <a:t> Found and Anyone on NextDoor</a:t>
+            </a:r>
+          </a:p>
+        </p:txBody>
+      </p:sp>
+      <p:pic>
+        <p:nvPicPr>
+          <p:cNvPr id="51" name="Picture 50">
+            <a:extLst>
+              <a:ext uri="{FF2B5EF4-FFF2-40B4-BE49-F238E27FC236}">
+                <a16:creationId xmlns:a16="http://schemas.microsoft.com/office/drawing/2014/main" id="{A642B783-F1DA-6EE8-642F-7EB3D6BB7258}"/>
+              </a:ext>
+            </a:extLst>
+          </p:cNvPr>
+          <p:cNvPicPr>
+            <a:picLocks noChangeAspect="1"/>
+          </p:cNvPicPr>
+          <p:nvPr/>
+        </p:nvPicPr>
+        <p:blipFill>
+          <a:blip r:embed="rId4">
+            <a:extLst>
+              <a:ext uri="{28A0092B-C50C-407E-A947-70E740481C1C}">
+                <a14:useLocalDpi xmlns:a14="http://schemas.microsoft.com/office/drawing/2010/main" val="0"/>
+              </a:ext>
+            </a:extLst>
+          </a:blip>
+          <a:stretch>
+            <a:fillRect/>
+          </a:stretch>
+        </p:blipFill>
+        <p:spPr>
+          <a:xfrm>
+            <a:off x="1215890" y="8852004"/>
+            <a:ext cx="4866667" cy="176542"/>
+          </a:xfrm>
+          <a:prstGeom prst="rect">
+            <a:avLst/>
+          </a:prstGeom>
+          <a:ln w="57150">
+            <a:solidFill>
+              <a:schemeClr val="accent1"/>
+            </a:solidFill>
+          </a:ln>
+        </p:spPr>
+      </p:pic>
+      <p:sp>
+        <p:nvSpPr>
+          <p:cNvPr id="52" name="TextBox 51">
+            <a:extLst>
+              <a:ext uri="{FF2B5EF4-FFF2-40B4-BE49-F238E27FC236}">
+                <a16:creationId xmlns:a16="http://schemas.microsoft.com/office/drawing/2014/main" id="{4B8CECDE-83F0-C47D-03DF-F40AF0B69B86}"/>
+              </a:ext>
+            </a:extLst>
+          </p:cNvPr>
+          <p:cNvSpPr txBox="1"/>
+          <p:nvPr/>
+        </p:nvSpPr>
+        <p:spPr>
+          <a:xfrm>
+            <a:off x="198650" y="8707372"/>
+            <a:ext cx="874959" cy="369332"/>
+          </a:xfrm>
+          <a:prstGeom prst="rect">
+            <a:avLst/>
+          </a:prstGeom>
+          <a:noFill/>
+        </p:spPr>
+        <p:txBody>
+          <a:bodyPr wrap="square" rtlCol="0">
+            <a:spAutoFit/>
+          </a:bodyPr>
+          <a:lstStyle/>
+          <a:p>
+            <a:pPr algn="ctr"/>
+            <a:r>
+              <a:rPr lang="en-US" b="1" dirty="0">
+                <a:solidFill>
+                  <a:schemeClr val="accent1"/>
+                </a:solidFill>
+              </a:rPr>
+              <a:t>82%</a:t>
+            </a:r>
+          </a:p>
+        </p:txBody>
+      </p:sp>
+    </p:spTree>
+    <p:extLst>
+      <p:ext uri="{BB962C8B-B14F-4D97-AF65-F5344CB8AC3E}">
+        <p14:creationId xmlns:p14="http://schemas.microsoft.com/office/powerpoint/2010/main" val="4004389404"/>
+      </p:ext>
+    </p:extLst>
+  </p:cSld>
+  <p:clrMapOvr>
+    <a:masterClrMapping/>
+  </p:clrMapOvr>
+</p:sld>
+</file>
+
 <file path=ppt/theme/theme1.xml><?xml version="1.0" encoding="utf-8"?>
 <a:theme xmlns:a="http://schemas.openxmlformats.org/drawingml/2006/main" name="TB-Theme">
   <a:themeElements>

--- a/image/howToPost.pptx
+++ b/image/howToPost.pptx
@@ -8,7 +8,9 @@
     <p:sldId id="256" r:id="rId2"/>
     <p:sldId id="257" r:id="rId3"/>
     <p:sldId id="258" r:id="rId4"/>
-    <p:sldId id="259" r:id="rId5"/>
+    <p:sldId id="260" r:id="rId5"/>
+    <p:sldId id="261" r:id="rId6"/>
+    <p:sldId id="259" r:id="rId7"/>
   </p:sldIdLst>
   <p:sldSz cx="6858000" cy="9144000" type="screen4x3"/>
   <p:notesSz cx="6858000" cy="9144000"/>
@@ -120,7 +122,7 @@
   <pc:docChgLst>
     <pc:chgData name="George John" userId="1c7f5d7288d1a48b" providerId="LiveId" clId="{0144DF34-647E-4BF4-ABCB-FB17BAA507B1}"/>
     <pc:docChg chg="undo custSel addSld modSld">
-      <pc:chgData name="George John" userId="1c7f5d7288d1a48b" providerId="LiveId" clId="{0144DF34-647E-4BF4-ABCB-FB17BAA507B1}" dt="2023-10-30T18:09:55.279" v="1982" actId="115"/>
+      <pc:chgData name="George John" userId="1c7f5d7288d1a48b" providerId="LiveId" clId="{0144DF34-647E-4BF4-ABCB-FB17BAA507B1}" dt="2023-10-30T22:50:52.202" v="3149" actId="20577"/>
       <pc:docMkLst>
         <pc:docMk/>
       </pc:docMkLst>
@@ -332,7 +334,7 @@
         </pc:cxnChg>
       </pc:sldChg>
       <pc:sldChg chg="addSp delSp modSp new mod">
-        <pc:chgData name="George John" userId="1c7f5d7288d1a48b" providerId="LiveId" clId="{0144DF34-647E-4BF4-ABCB-FB17BAA507B1}" dt="2023-10-30T00:12:36.140" v="1205" actId="14100"/>
+        <pc:chgData name="George John" userId="1c7f5d7288d1a48b" providerId="LiveId" clId="{0144DF34-647E-4BF4-ABCB-FB17BAA507B1}" dt="2023-10-30T22:43:48.496" v="3060" actId="1076"/>
         <pc:sldMkLst>
           <pc:docMk/>
           <pc:sldMk cId="1926906025" sldId="257"/>
@@ -514,7 +516,7 @@
           </ac:cxnSpMkLst>
         </pc:cxnChg>
         <pc:cxnChg chg="add mod ord">
-          <ac:chgData name="George John" userId="1c7f5d7288d1a48b" providerId="LiveId" clId="{0144DF34-647E-4BF4-ABCB-FB17BAA507B1}" dt="2023-10-30T00:12:08.312" v="1203" actId="166"/>
+          <ac:chgData name="George John" userId="1c7f5d7288d1a48b" providerId="LiveId" clId="{0144DF34-647E-4BF4-ABCB-FB17BAA507B1}" dt="2023-10-30T22:43:48.496" v="3060" actId="1076"/>
           <ac:cxnSpMkLst>
             <pc:docMk/>
             <pc:sldMk cId="1926906025" sldId="257"/>
@@ -845,6 +847,348 @@
             <pc:docMk/>
             <pc:sldMk cId="4004389404" sldId="259"/>
             <ac:cxnSpMk id="39" creationId="{A39FD7E4-D5D1-8822-5581-34ECB7D9EC03}"/>
+          </ac:cxnSpMkLst>
+        </pc:cxnChg>
+      </pc:sldChg>
+      <pc:sldChg chg="addSp modSp new mod">
+        <pc:chgData name="George John" userId="1c7f5d7288d1a48b" providerId="LiveId" clId="{0144DF34-647E-4BF4-ABCB-FB17BAA507B1}" dt="2023-10-30T19:57:29.962" v="2056" actId="1076"/>
+        <pc:sldMkLst>
+          <pc:docMk/>
+          <pc:sldMk cId="1522941257" sldId="260"/>
+        </pc:sldMkLst>
+        <pc:spChg chg="add mod">
+          <ac:chgData name="George John" userId="1c7f5d7288d1a48b" providerId="LiveId" clId="{0144DF34-647E-4BF4-ABCB-FB17BAA507B1}" dt="2023-10-30T19:57:29.962" v="2056" actId="1076"/>
+          <ac:spMkLst>
+            <pc:docMk/>
+            <pc:sldMk cId="1522941257" sldId="260"/>
+            <ac:spMk id="6" creationId="{C1CEC779-45E1-67C7-FABB-12C35F05E15E}"/>
+          </ac:spMkLst>
+        </pc:spChg>
+        <pc:picChg chg="add mod">
+          <ac:chgData name="George John" userId="1c7f5d7288d1a48b" providerId="LiveId" clId="{0144DF34-647E-4BF4-ABCB-FB17BAA507B1}" dt="2023-10-30T19:56:17.062" v="1989" actId="1076"/>
+          <ac:picMkLst>
+            <pc:docMk/>
+            <pc:sldMk cId="1522941257" sldId="260"/>
+            <ac:picMk id="3" creationId="{418689E5-E4A6-29FF-495C-F91A8A66ACA5}"/>
+          </ac:picMkLst>
+        </pc:picChg>
+        <pc:cxnChg chg="add mod">
+          <ac:chgData name="George John" userId="1c7f5d7288d1a48b" providerId="LiveId" clId="{0144DF34-647E-4BF4-ABCB-FB17BAA507B1}" dt="2023-10-30T19:56:48.533" v="2018" actId="692"/>
+          <ac:cxnSpMkLst>
+            <pc:docMk/>
+            <pc:sldMk cId="1522941257" sldId="260"/>
+            <ac:cxnSpMk id="5" creationId="{89182AD7-CA8A-BB9E-D831-7C96A773EE0B}"/>
+          </ac:cxnSpMkLst>
+        </pc:cxnChg>
+      </pc:sldChg>
+      <pc:sldChg chg="addSp delSp modSp new mod">
+        <pc:chgData name="George John" userId="1c7f5d7288d1a48b" providerId="LiveId" clId="{0144DF34-647E-4BF4-ABCB-FB17BAA507B1}" dt="2023-10-30T22:50:52.202" v="3149" actId="20577"/>
+        <pc:sldMkLst>
+          <pc:docMk/>
+          <pc:sldMk cId="2622195291" sldId="261"/>
+        </pc:sldMkLst>
+        <pc:spChg chg="add mod">
+          <ac:chgData name="George John" userId="1c7f5d7288d1a48b" providerId="LiveId" clId="{0144DF34-647E-4BF4-ABCB-FB17BAA507B1}" dt="2023-10-30T22:46:56.009" v="3109" actId="1035"/>
+          <ac:spMkLst>
+            <pc:docMk/>
+            <pc:sldMk cId="2622195291" sldId="261"/>
+            <ac:spMk id="2" creationId="{5958EE25-4C59-FFFC-BCA5-EDA73B421050}"/>
+          </ac:spMkLst>
+        </pc:spChg>
+        <pc:spChg chg="add mod">
+          <ac:chgData name="George John" userId="1c7f5d7288d1a48b" providerId="LiveId" clId="{0144DF34-647E-4BF4-ABCB-FB17BAA507B1}" dt="2023-10-30T22:36:35.053" v="2825" actId="1036"/>
+          <ac:spMkLst>
+            <pc:docMk/>
+            <pc:sldMk cId="2622195291" sldId="261"/>
+            <ac:spMk id="3" creationId="{E80E925E-06E1-AB4E-7EE7-AA2C3E2271DC}"/>
+          </ac:spMkLst>
+        </pc:spChg>
+        <pc:spChg chg="add mod">
+          <ac:chgData name="George John" userId="1c7f5d7288d1a48b" providerId="LiveId" clId="{0144DF34-647E-4BF4-ABCB-FB17BAA507B1}" dt="2023-10-30T22:36:35.053" v="2825" actId="1036"/>
+          <ac:spMkLst>
+            <pc:docMk/>
+            <pc:sldMk cId="2622195291" sldId="261"/>
+            <ac:spMk id="4" creationId="{C74E1CF8-08E0-5C68-1EFA-B168D2FBE143}"/>
+          </ac:spMkLst>
+        </pc:spChg>
+        <pc:spChg chg="add mod">
+          <ac:chgData name="George John" userId="1c7f5d7288d1a48b" providerId="LiveId" clId="{0144DF34-647E-4BF4-ABCB-FB17BAA507B1}" dt="2023-10-30T22:39:40.858" v="2983" actId="1035"/>
+          <ac:spMkLst>
+            <pc:docMk/>
+            <pc:sldMk cId="2622195291" sldId="261"/>
+            <ac:spMk id="5" creationId="{A4BE5CA2-D184-796E-92B9-54FBD1BBB475}"/>
+          </ac:spMkLst>
+        </pc:spChg>
+        <pc:spChg chg="add mod">
+          <ac:chgData name="George John" userId="1c7f5d7288d1a48b" providerId="LiveId" clId="{0144DF34-647E-4BF4-ABCB-FB17BAA507B1}" dt="2023-10-30T22:39:40.858" v="2983" actId="1035"/>
+          <ac:spMkLst>
+            <pc:docMk/>
+            <pc:sldMk cId="2622195291" sldId="261"/>
+            <ac:spMk id="6" creationId="{1E0B6612-67A2-755F-9D74-D1971E890ADB}"/>
+          </ac:spMkLst>
+        </pc:spChg>
+        <pc:spChg chg="add mod ord">
+          <ac:chgData name="George John" userId="1c7f5d7288d1a48b" providerId="LiveId" clId="{0144DF34-647E-4BF4-ABCB-FB17BAA507B1}" dt="2023-10-30T22:36:35.053" v="2825" actId="1036"/>
+          <ac:spMkLst>
+            <pc:docMk/>
+            <pc:sldMk cId="2622195291" sldId="261"/>
+            <ac:spMk id="10" creationId="{DBDED702-BB04-01D1-252D-CFC8EED510C4}"/>
+          </ac:spMkLst>
+        </pc:spChg>
+        <pc:spChg chg="add mod">
+          <ac:chgData name="George John" userId="1c7f5d7288d1a48b" providerId="LiveId" clId="{0144DF34-647E-4BF4-ABCB-FB17BAA507B1}" dt="2023-10-30T22:36:35.053" v="2825" actId="1036"/>
+          <ac:spMkLst>
+            <pc:docMk/>
+            <pc:sldMk cId="2622195291" sldId="261"/>
+            <ac:spMk id="11" creationId="{9967B53D-2130-7059-127B-63C75EDE0CBE}"/>
+          </ac:spMkLst>
+        </pc:spChg>
+        <pc:spChg chg="mod topLvl">
+          <ac:chgData name="George John" userId="1c7f5d7288d1a48b" providerId="LiveId" clId="{0144DF34-647E-4BF4-ABCB-FB17BAA507B1}" dt="2023-10-30T22:39:40.858" v="2983" actId="1035"/>
+          <ac:spMkLst>
+            <pc:docMk/>
+            <pc:sldMk cId="2622195291" sldId="261"/>
+            <ac:spMk id="14" creationId="{8B520BC1-FE83-1194-7466-C1E17C026C85}"/>
+          </ac:spMkLst>
+        </pc:spChg>
+        <pc:spChg chg="mod topLvl">
+          <ac:chgData name="George John" userId="1c7f5d7288d1a48b" providerId="LiveId" clId="{0144DF34-647E-4BF4-ABCB-FB17BAA507B1}" dt="2023-10-30T22:40:59.735" v="3013" actId="20577"/>
+          <ac:spMkLst>
+            <pc:docMk/>
+            <pc:sldMk cId="2622195291" sldId="261"/>
+            <ac:spMk id="15" creationId="{E239E608-DBAE-96CC-DF55-E1D88B48BD1D}"/>
+          </ac:spMkLst>
+        </pc:spChg>
+        <pc:spChg chg="mod">
+          <ac:chgData name="George John" userId="1c7f5d7288d1a48b" providerId="LiveId" clId="{0144DF34-647E-4BF4-ABCB-FB17BAA507B1}" dt="2023-10-30T22:36:35.053" v="2825" actId="1036"/>
+          <ac:spMkLst>
+            <pc:docMk/>
+            <pc:sldMk cId="2622195291" sldId="261"/>
+            <ac:spMk id="17" creationId="{461A5FD1-1A80-A428-16E3-42B9EA879D83}"/>
+          </ac:spMkLst>
+        </pc:spChg>
+        <pc:spChg chg="mod">
+          <ac:chgData name="George John" userId="1c7f5d7288d1a48b" providerId="LiveId" clId="{0144DF34-647E-4BF4-ABCB-FB17BAA507B1}" dt="2023-10-30T22:36:35.053" v="2825" actId="1036"/>
+          <ac:spMkLst>
+            <pc:docMk/>
+            <pc:sldMk cId="2622195291" sldId="261"/>
+            <ac:spMk id="18" creationId="{0C596277-3E84-01A5-D623-BDFD61CB7183}"/>
+          </ac:spMkLst>
+        </pc:spChg>
+        <pc:spChg chg="mod">
+          <ac:chgData name="George John" userId="1c7f5d7288d1a48b" providerId="LiveId" clId="{0144DF34-647E-4BF4-ABCB-FB17BAA507B1}" dt="2023-10-30T22:39:40.858" v="2983" actId="1035"/>
+          <ac:spMkLst>
+            <pc:docMk/>
+            <pc:sldMk cId="2622195291" sldId="261"/>
+            <ac:spMk id="20" creationId="{DBCCB3F3-11F0-14BB-6CD3-835B4C41D1D1}"/>
+          </ac:spMkLst>
+        </pc:spChg>
+        <pc:spChg chg="mod">
+          <ac:chgData name="George John" userId="1c7f5d7288d1a48b" providerId="LiveId" clId="{0144DF34-647E-4BF4-ABCB-FB17BAA507B1}" dt="2023-10-30T22:41:03.401" v="3015" actId="20577"/>
+          <ac:spMkLst>
+            <pc:docMk/>
+            <pc:sldMk cId="2622195291" sldId="261"/>
+            <ac:spMk id="21" creationId="{194385FD-B809-89B5-99BD-819568216ADA}"/>
+          </ac:spMkLst>
+        </pc:spChg>
+        <pc:spChg chg="add mod">
+          <ac:chgData name="George John" userId="1c7f5d7288d1a48b" providerId="LiveId" clId="{0144DF34-647E-4BF4-ABCB-FB17BAA507B1}" dt="2023-10-30T22:36:35.053" v="2825" actId="1036"/>
+          <ac:spMkLst>
+            <pc:docMk/>
+            <pc:sldMk cId="2622195291" sldId="261"/>
+            <ac:spMk id="22" creationId="{17792CDE-C728-1203-9BDD-563FCECE7F30}"/>
+          </ac:spMkLst>
+        </pc:spChg>
+        <pc:spChg chg="add mod">
+          <ac:chgData name="George John" userId="1c7f5d7288d1a48b" providerId="LiveId" clId="{0144DF34-647E-4BF4-ABCB-FB17BAA507B1}" dt="2023-10-30T22:42:01.018" v="3037" actId="14100"/>
+          <ac:spMkLst>
+            <pc:docMk/>
+            <pc:sldMk cId="2622195291" sldId="261"/>
+            <ac:spMk id="23" creationId="{A03F639A-4CF2-3FFC-E950-D7A6C915D8E0}"/>
+          </ac:spMkLst>
+        </pc:spChg>
+        <pc:spChg chg="add mod">
+          <ac:chgData name="George John" userId="1c7f5d7288d1a48b" providerId="LiveId" clId="{0144DF34-647E-4BF4-ABCB-FB17BAA507B1}" dt="2023-10-30T22:36:35.053" v="2825" actId="1036"/>
+          <ac:spMkLst>
+            <pc:docMk/>
+            <pc:sldMk cId="2622195291" sldId="261"/>
+            <ac:spMk id="24" creationId="{FA3C29CA-D1C9-7053-C45F-EBBDC63D12EA}"/>
+          </ac:spMkLst>
+        </pc:spChg>
+        <pc:spChg chg="add mod">
+          <ac:chgData name="George John" userId="1c7f5d7288d1a48b" providerId="LiveId" clId="{0144DF34-647E-4BF4-ABCB-FB17BAA507B1}" dt="2023-10-30T22:42:42.504" v="3058" actId="122"/>
+          <ac:spMkLst>
+            <pc:docMk/>
+            <pc:sldMk cId="2622195291" sldId="261"/>
+            <ac:spMk id="25" creationId="{B537231B-1839-E6F4-8218-8FCF17491745}"/>
+          </ac:spMkLst>
+        </pc:spChg>
+        <pc:spChg chg="add mod">
+          <ac:chgData name="George John" userId="1c7f5d7288d1a48b" providerId="LiveId" clId="{0144DF34-647E-4BF4-ABCB-FB17BAA507B1}" dt="2023-10-30T22:46:56.009" v="3109" actId="1035"/>
+          <ac:spMkLst>
+            <pc:docMk/>
+            <pc:sldMk cId="2622195291" sldId="261"/>
+            <ac:spMk id="26" creationId="{C29169B4-5498-400C-DEB3-9E98BA74F89E}"/>
+          </ac:spMkLst>
+        </pc:spChg>
+        <pc:spChg chg="add mod">
+          <ac:chgData name="George John" userId="1c7f5d7288d1a48b" providerId="LiveId" clId="{0144DF34-647E-4BF4-ABCB-FB17BAA507B1}" dt="2023-10-30T22:50:06.600" v="3146" actId="115"/>
+          <ac:spMkLst>
+            <pc:docMk/>
+            <pc:sldMk cId="2622195291" sldId="261"/>
+            <ac:spMk id="27" creationId="{2C219B3B-D7C4-DE97-7778-B181F053CCA7}"/>
+          </ac:spMkLst>
+        </pc:spChg>
+        <pc:spChg chg="add mod">
+          <ac:chgData name="George John" userId="1c7f5d7288d1a48b" providerId="LiveId" clId="{0144DF34-647E-4BF4-ABCB-FB17BAA507B1}" dt="2023-10-30T22:40:31.268" v="3010" actId="207"/>
+          <ac:spMkLst>
+            <pc:docMk/>
+            <pc:sldMk cId="2622195291" sldId="261"/>
+            <ac:spMk id="28" creationId="{41A5F580-BD6E-A0CF-918E-DCA39D1B6433}"/>
+          </ac:spMkLst>
+        </pc:spChg>
+        <pc:spChg chg="add mod">
+          <ac:chgData name="George John" userId="1c7f5d7288d1a48b" providerId="LiveId" clId="{0144DF34-647E-4BF4-ABCB-FB17BAA507B1}" dt="2023-10-30T22:40:49.785" v="3011" actId="207"/>
+          <ac:spMkLst>
+            <pc:docMk/>
+            <pc:sldMk cId="2622195291" sldId="261"/>
+            <ac:spMk id="30" creationId="{1E76B0C7-FE04-4A84-67D4-C07C00659175}"/>
+          </ac:spMkLst>
+        </pc:spChg>
+        <pc:spChg chg="add mod">
+          <ac:chgData name="George John" userId="1c7f5d7288d1a48b" providerId="LiveId" clId="{0144DF34-647E-4BF4-ABCB-FB17BAA507B1}" dt="2023-10-30T22:39:55.381" v="2985" actId="1076"/>
+          <ac:spMkLst>
+            <pc:docMk/>
+            <pc:sldMk cId="2622195291" sldId="261"/>
+            <ac:spMk id="31" creationId="{C50FEC01-12BA-D57E-1C8D-6463A428615B}"/>
+          </ac:spMkLst>
+        </pc:spChg>
+        <pc:spChg chg="add mod">
+          <ac:chgData name="George John" userId="1c7f5d7288d1a48b" providerId="LiveId" clId="{0144DF34-647E-4BF4-ABCB-FB17BAA507B1}" dt="2023-10-30T22:50:52.202" v="3149" actId="20577"/>
+          <ac:spMkLst>
+            <pc:docMk/>
+            <pc:sldMk cId="2622195291" sldId="261"/>
+            <ac:spMk id="43" creationId="{498DB151-A92B-93DF-2A14-37CAB9886127}"/>
+          </ac:spMkLst>
+        </pc:spChg>
+        <pc:grpChg chg="add mod">
+          <ac:chgData name="George John" userId="1c7f5d7288d1a48b" providerId="LiveId" clId="{0144DF34-647E-4BF4-ABCB-FB17BAA507B1}" dt="2023-10-30T22:36:35.053" v="2825" actId="1036"/>
+          <ac:grpSpMkLst>
+            <pc:docMk/>
+            <pc:sldMk cId="2622195291" sldId="261"/>
+            <ac:grpSpMk id="12" creationId="{33B3F1F7-C292-29C9-FB7A-C2C01620FB6B}"/>
+          </ac:grpSpMkLst>
+        </pc:grpChg>
+        <pc:grpChg chg="add del mod">
+          <ac:chgData name="George John" userId="1c7f5d7288d1a48b" providerId="LiveId" clId="{0144DF34-647E-4BF4-ABCB-FB17BAA507B1}" dt="2023-10-30T22:28:35.917" v="2456" actId="165"/>
+          <ac:grpSpMkLst>
+            <pc:docMk/>
+            <pc:sldMk cId="2622195291" sldId="261"/>
+            <ac:grpSpMk id="13" creationId="{68775C57-1BBD-43A9-49D3-479F96A04E58}"/>
+          </ac:grpSpMkLst>
+        </pc:grpChg>
+        <pc:grpChg chg="add mod">
+          <ac:chgData name="George John" userId="1c7f5d7288d1a48b" providerId="LiveId" clId="{0144DF34-647E-4BF4-ABCB-FB17BAA507B1}" dt="2023-10-30T22:36:35.053" v="2825" actId="1036"/>
+          <ac:grpSpMkLst>
+            <pc:docMk/>
+            <pc:sldMk cId="2622195291" sldId="261"/>
+            <ac:grpSpMk id="16" creationId="{5EFDEFD3-F07C-CF25-2A55-5E5D163FA37A}"/>
+          </ac:grpSpMkLst>
+        </pc:grpChg>
+        <pc:grpChg chg="add mod">
+          <ac:chgData name="George John" userId="1c7f5d7288d1a48b" providerId="LiveId" clId="{0144DF34-647E-4BF4-ABCB-FB17BAA507B1}" dt="2023-10-30T22:39:40.858" v="2983" actId="1035"/>
+          <ac:grpSpMkLst>
+            <pc:docMk/>
+            <pc:sldMk cId="2622195291" sldId="261"/>
+            <ac:grpSpMk id="19" creationId="{0071BDF5-687D-7248-3E94-27A6443195EC}"/>
+          </ac:grpSpMkLst>
+        </pc:grpChg>
+        <pc:grpChg chg="add mod">
+          <ac:chgData name="George John" userId="1c7f5d7288d1a48b" providerId="LiveId" clId="{0144DF34-647E-4BF4-ABCB-FB17BAA507B1}" dt="2023-10-30T22:48:58.765" v="3131" actId="164"/>
+          <ac:grpSpMkLst>
+            <pc:docMk/>
+            <pc:sldMk cId="2622195291" sldId="261"/>
+            <ac:grpSpMk id="41" creationId="{32FCA239-124D-6384-514D-45D699A76419}"/>
+          </ac:grpSpMkLst>
+        </pc:grpChg>
+        <pc:picChg chg="add mod">
+          <ac:chgData name="George John" userId="1c7f5d7288d1a48b" providerId="LiveId" clId="{0144DF34-647E-4BF4-ABCB-FB17BAA507B1}" dt="2023-10-30T22:46:13.394" v="3069" actId="1038"/>
+          <ac:picMkLst>
+            <pc:docMk/>
+            <pc:sldMk cId="2622195291" sldId="261"/>
+            <ac:picMk id="7" creationId="{99788449-C15C-801F-8672-B78B95DEDFC3}"/>
+          </ac:picMkLst>
+        </pc:picChg>
+        <pc:picChg chg="add mod">
+          <ac:chgData name="George John" userId="1c7f5d7288d1a48b" providerId="LiveId" clId="{0144DF34-647E-4BF4-ABCB-FB17BAA507B1}" dt="2023-10-30T22:39:40.858" v="2983" actId="1035"/>
+          <ac:picMkLst>
+            <pc:docMk/>
+            <pc:sldMk cId="2622195291" sldId="261"/>
+            <ac:picMk id="9" creationId="{DEA74BB5-4D79-60D3-C9BC-4603FBD935FB}"/>
+          </ac:picMkLst>
+        </pc:picChg>
+        <pc:picChg chg="add mod">
+          <ac:chgData name="George John" userId="1c7f5d7288d1a48b" providerId="LiveId" clId="{0144DF34-647E-4BF4-ABCB-FB17BAA507B1}" dt="2023-10-30T22:39:55.381" v="2985" actId="1076"/>
+          <ac:picMkLst>
+            <pc:docMk/>
+            <pc:sldMk cId="2622195291" sldId="261"/>
+            <ac:picMk id="29" creationId="{51B686AB-0D15-C73D-ED0F-6B0D94EC470F}"/>
+          </ac:picMkLst>
+        </pc:picChg>
+        <pc:picChg chg="add mod">
+          <ac:chgData name="George John" userId="1c7f5d7288d1a48b" providerId="LiveId" clId="{0144DF34-647E-4BF4-ABCB-FB17BAA507B1}" dt="2023-10-30T22:44:11.177" v="3064" actId="1076"/>
+          <ac:picMkLst>
+            <pc:docMk/>
+            <pc:sldMk cId="2622195291" sldId="261"/>
+            <ac:picMk id="33" creationId="{C70A76A8-FC47-D7E7-8D5C-3DA05B6381D4}"/>
+          </ac:picMkLst>
+        </pc:picChg>
+        <pc:picChg chg="add mod">
+          <ac:chgData name="George John" userId="1c7f5d7288d1a48b" providerId="LiveId" clId="{0144DF34-647E-4BF4-ABCB-FB17BAA507B1}" dt="2023-10-30T22:48:58.765" v="3131" actId="164"/>
+          <ac:picMkLst>
+            <pc:docMk/>
+            <pc:sldMk cId="2622195291" sldId="261"/>
+            <ac:picMk id="35" creationId="{73CAA95F-6B0F-84C9-7CFA-8E7B432DE658}"/>
+          </ac:picMkLst>
+        </pc:picChg>
+        <pc:picChg chg="add mod">
+          <ac:chgData name="George John" userId="1c7f5d7288d1a48b" providerId="LiveId" clId="{0144DF34-647E-4BF4-ABCB-FB17BAA507B1}" dt="2023-10-30T22:36:35.053" v="2825" actId="1036"/>
+          <ac:picMkLst>
+            <pc:docMk/>
+            <pc:sldMk cId="2622195291" sldId="261"/>
+            <ac:picMk id="1026" creationId="{DA3B7F83-1089-3253-D4BA-574FD0FD008F}"/>
+          </ac:picMkLst>
+        </pc:picChg>
+        <pc:picChg chg="add del mod">
+          <ac:chgData name="George John" userId="1c7f5d7288d1a48b" providerId="LiveId" clId="{0144DF34-647E-4BF4-ABCB-FB17BAA507B1}" dt="2023-10-30T22:22:07.223" v="2308" actId="478"/>
+          <ac:picMkLst>
+            <pc:docMk/>
+            <pc:sldMk cId="2622195291" sldId="261"/>
+            <ac:picMk id="1028" creationId="{B36474E3-7AF5-CE52-1E9D-7819889C5D41}"/>
+          </ac:picMkLst>
+        </pc:picChg>
+        <pc:picChg chg="add mod">
+          <ac:chgData name="George John" userId="1c7f5d7288d1a48b" providerId="LiveId" clId="{0144DF34-647E-4BF4-ABCB-FB17BAA507B1}" dt="2023-10-30T22:36:35.053" v="2825" actId="1036"/>
+          <ac:picMkLst>
+            <pc:docMk/>
+            <pc:sldMk cId="2622195291" sldId="261"/>
+            <ac:picMk id="1030" creationId="{A267F367-2066-6C0E-F6AB-C4FDCF5C70F9}"/>
+          </ac:picMkLst>
+        </pc:picChg>
+        <pc:cxnChg chg="add mod">
+          <ac:chgData name="George John" userId="1c7f5d7288d1a48b" providerId="LiveId" clId="{0144DF34-647E-4BF4-ABCB-FB17BAA507B1}" dt="2023-10-30T22:48:58.765" v="3131" actId="164"/>
+          <ac:cxnSpMkLst>
+            <pc:docMk/>
+            <pc:sldMk cId="2622195291" sldId="261"/>
+            <ac:cxnSpMk id="37" creationId="{56B4A1EB-EDF6-F83C-3C0F-494CFF399408}"/>
+          </ac:cxnSpMkLst>
+        </pc:cxnChg>
+        <pc:cxnChg chg="add mod">
+          <ac:chgData name="George John" userId="1c7f5d7288d1a48b" providerId="LiveId" clId="{0144DF34-647E-4BF4-ABCB-FB17BAA507B1}" dt="2023-10-30T22:48:58.765" v="3131" actId="164"/>
+          <ac:cxnSpMkLst>
+            <pc:docMk/>
+            <pc:sldMk cId="2622195291" sldId="261"/>
+            <ac:cxnSpMk id="38" creationId="{97185A02-32BC-C818-A9BC-6A8C8B3A0EE2}"/>
           </ac:cxnSpMkLst>
         </pc:cxnChg>
       </pc:sldChg>
@@ -984,7 +1328,7 @@
           <a:p>
             <a:fld id="{EA307E68-3151-4021-8034-6905DEC8B993}" type="datetimeFigureOut">
               <a:rPr lang="en-US" smtClean="0"/>
-              <a:t>10/29/2023</a:t>
+              <a:t>10/30/2023</a:t>
             </a:fld>
             <a:endParaRPr lang="en-US"/>
           </a:p>
@@ -1154,7 +1498,7 @@
           <a:p>
             <a:fld id="{EA307E68-3151-4021-8034-6905DEC8B993}" type="datetimeFigureOut">
               <a:rPr lang="en-US" smtClean="0"/>
-              <a:t>10/29/2023</a:t>
+              <a:t>10/30/2023</a:t>
             </a:fld>
             <a:endParaRPr lang="en-US"/>
           </a:p>
@@ -1334,7 +1678,7 @@
           <a:p>
             <a:fld id="{EA307E68-3151-4021-8034-6905DEC8B993}" type="datetimeFigureOut">
               <a:rPr lang="en-US" smtClean="0"/>
-              <a:t>10/29/2023</a:t>
+              <a:t>10/30/2023</a:t>
             </a:fld>
             <a:endParaRPr lang="en-US"/>
           </a:p>
@@ -1504,7 +1848,7 @@
           <a:p>
             <a:fld id="{EA307E68-3151-4021-8034-6905DEC8B993}" type="datetimeFigureOut">
               <a:rPr lang="en-US" smtClean="0"/>
-              <a:t>10/29/2023</a:t>
+              <a:t>10/30/2023</a:t>
             </a:fld>
             <a:endParaRPr lang="en-US"/>
           </a:p>
@@ -1748,7 +2092,7 @@
           <a:p>
             <a:fld id="{EA307E68-3151-4021-8034-6905DEC8B993}" type="datetimeFigureOut">
               <a:rPr lang="en-US" smtClean="0"/>
-              <a:t>10/29/2023</a:t>
+              <a:t>10/30/2023</a:t>
             </a:fld>
             <a:endParaRPr lang="en-US"/>
           </a:p>
@@ -1980,7 +2324,7 @@
           <a:p>
             <a:fld id="{EA307E68-3151-4021-8034-6905DEC8B993}" type="datetimeFigureOut">
               <a:rPr lang="en-US" smtClean="0"/>
-              <a:t>10/29/2023</a:t>
+              <a:t>10/30/2023</a:t>
             </a:fld>
             <a:endParaRPr lang="en-US"/>
           </a:p>
@@ -2347,7 +2691,7 @@
           <a:p>
             <a:fld id="{EA307E68-3151-4021-8034-6905DEC8B993}" type="datetimeFigureOut">
               <a:rPr lang="en-US" smtClean="0"/>
-              <a:t>10/29/2023</a:t>
+              <a:t>10/30/2023</a:t>
             </a:fld>
             <a:endParaRPr lang="en-US"/>
           </a:p>
@@ -2465,7 +2809,7 @@
           <a:p>
             <a:fld id="{EA307E68-3151-4021-8034-6905DEC8B993}" type="datetimeFigureOut">
               <a:rPr lang="en-US" smtClean="0"/>
-              <a:t>10/29/2023</a:t>
+              <a:t>10/30/2023</a:t>
             </a:fld>
             <a:endParaRPr lang="en-US"/>
           </a:p>
@@ -2560,7 +2904,7 @@
           <a:p>
             <a:fld id="{EA307E68-3151-4021-8034-6905DEC8B993}" type="datetimeFigureOut">
               <a:rPr lang="en-US" smtClean="0"/>
-              <a:t>10/29/2023</a:t>
+              <a:t>10/30/2023</a:t>
             </a:fld>
             <a:endParaRPr lang="en-US"/>
           </a:p>
@@ -2837,7 +3181,7 @@
           <a:p>
             <a:fld id="{EA307E68-3151-4021-8034-6905DEC8B993}" type="datetimeFigureOut">
               <a:rPr lang="en-US" smtClean="0"/>
-              <a:t>10/29/2023</a:t>
+              <a:t>10/30/2023</a:t>
             </a:fld>
             <a:endParaRPr lang="en-US"/>
           </a:p>
@@ -3094,7 +3438,7 @@
           <a:p>
             <a:fld id="{EA307E68-3151-4021-8034-6905DEC8B993}" type="datetimeFigureOut">
               <a:rPr lang="en-US" smtClean="0"/>
-              <a:t>10/29/2023</a:t>
+              <a:t>10/30/2023</a:t>
             </a:fld>
             <a:endParaRPr lang="en-US"/>
           </a:p>
@@ -3307,7 +3651,7 @@
           <a:p>
             <a:fld id="{EA307E68-3151-4021-8034-6905DEC8B993}" type="datetimeFigureOut">
               <a:rPr lang="en-US" smtClean="0"/>
-              <a:t>10/29/2023</a:t>
+              <a:t>10/30/2023</a:t>
             </a:fld>
             <a:endParaRPr lang="en-US"/>
           </a:p>
@@ -5243,6 +5587,1655 @@
           <p:cNvPr id="3" name="Picture 2">
             <a:extLst>
               <a:ext uri="{FF2B5EF4-FFF2-40B4-BE49-F238E27FC236}">
+                <a16:creationId xmlns:a16="http://schemas.microsoft.com/office/drawing/2014/main" id="{418689E5-E4A6-29FF-495C-F91A8A66ACA5}"/>
+              </a:ext>
+            </a:extLst>
+          </p:cNvPr>
+          <p:cNvPicPr>
+            <a:picLocks noChangeAspect="1"/>
+          </p:cNvPicPr>
+          <p:nvPr/>
+        </p:nvPicPr>
+        <p:blipFill>
+          <a:blip r:embed="rId2"/>
+          <a:stretch>
+            <a:fillRect/>
+          </a:stretch>
+        </p:blipFill>
+        <p:spPr>
+          <a:xfrm>
+            <a:off x="1641159" y="1695216"/>
+            <a:ext cx="3575682" cy="2156913"/>
+          </a:xfrm>
+          <a:prstGeom prst="rect">
+            <a:avLst/>
+          </a:prstGeom>
+        </p:spPr>
+      </p:pic>
+      <p:cxnSp>
+        <p:nvCxnSpPr>
+          <p:cNvPr id="5" name="Straight Arrow Connector 4">
+            <a:extLst>
+              <a:ext uri="{FF2B5EF4-FFF2-40B4-BE49-F238E27FC236}">
+                <a16:creationId xmlns:a16="http://schemas.microsoft.com/office/drawing/2014/main" id="{89182AD7-CA8A-BB9E-D831-7C96A773EE0B}"/>
+              </a:ext>
+            </a:extLst>
+          </p:cNvPr>
+          <p:cNvCxnSpPr/>
+          <p:nvPr/>
+        </p:nvCxnSpPr>
+        <p:spPr>
+          <a:xfrm flipV="1">
+            <a:off x="2391508" y="3528646"/>
+            <a:ext cx="738554" cy="644769"/>
+          </a:xfrm>
+          <a:prstGeom prst="straightConnector1">
+            <a:avLst/>
+          </a:prstGeom>
+          <a:ln w="92075">
+            <a:tailEnd type="triangle"/>
+          </a:ln>
+        </p:spPr>
+        <p:style>
+          <a:lnRef idx="1">
+            <a:schemeClr val="accent2"/>
+          </a:lnRef>
+          <a:fillRef idx="0">
+            <a:schemeClr val="accent2"/>
+          </a:fillRef>
+          <a:effectRef idx="0">
+            <a:schemeClr val="accent2"/>
+          </a:effectRef>
+          <a:fontRef idx="minor">
+            <a:schemeClr val="tx1"/>
+          </a:fontRef>
+        </p:style>
+      </p:cxnSp>
+      <p:sp>
+        <p:nvSpPr>
+          <p:cNvPr id="6" name="TextBox 5">
+            <a:extLst>
+              <a:ext uri="{FF2B5EF4-FFF2-40B4-BE49-F238E27FC236}">
+                <a16:creationId xmlns:a16="http://schemas.microsoft.com/office/drawing/2014/main" id="{C1CEC779-45E1-67C7-FABB-12C35F05E15E}"/>
+              </a:ext>
+            </a:extLst>
+          </p:cNvPr>
+          <p:cNvSpPr txBox="1"/>
+          <p:nvPr/>
+        </p:nvSpPr>
+        <p:spPr>
+          <a:xfrm>
+            <a:off x="1816397" y="4173415"/>
+            <a:ext cx="1612603" cy="923330"/>
+          </a:xfrm>
+          <a:prstGeom prst="rect">
+            <a:avLst/>
+          </a:prstGeom>
+          <a:noFill/>
+        </p:spPr>
+        <p:txBody>
+          <a:bodyPr wrap="square" rtlCol="0">
+            <a:spAutoFit/>
+          </a:bodyPr>
+          <a:lstStyle/>
+          <a:p>
+            <a:r>
+              <a:rPr lang="en-US" b="1" dirty="0">
+                <a:solidFill>
+                  <a:schemeClr val="accent2">
+                    <a:lumMod val="75000"/>
+                  </a:schemeClr>
+                </a:solidFill>
+              </a:rPr>
+              <a:t>This button not always visible</a:t>
+            </a:r>
+          </a:p>
+        </p:txBody>
+      </p:sp>
+    </p:spTree>
+    <p:extLst>
+      <p:ext uri="{BB962C8B-B14F-4D97-AF65-F5344CB8AC3E}">
+        <p14:creationId xmlns:p14="http://schemas.microsoft.com/office/powerpoint/2010/main" val="1522941257"/>
+      </p:ext>
+    </p:extLst>
+  </p:cSld>
+  <p:clrMapOvr>
+    <a:masterClrMapping/>
+  </p:clrMapOvr>
+</p:sld>
+</file>
+
+<file path=ppt/slides/slide5.xml><?xml version="1.0" encoding="utf-8"?>
+<p:sld xmlns:a="http://schemas.openxmlformats.org/drawingml/2006/main" xmlns:r="http://schemas.openxmlformats.org/officeDocument/2006/relationships" xmlns:p="http://schemas.openxmlformats.org/presentationml/2006/main">
+  <p:cSld>
+    <p:spTree>
+      <p:nvGrpSpPr>
+        <p:cNvPr id="1" name=""/>
+        <p:cNvGrpSpPr/>
+        <p:nvPr/>
+      </p:nvGrpSpPr>
+      <p:grpSpPr>
+        <a:xfrm>
+          <a:off x="0" y="0"/>
+          <a:ext cx="0" cy="0"/>
+          <a:chOff x="0" y="0"/>
+          <a:chExt cx="0" cy="0"/>
+        </a:xfrm>
+      </p:grpSpPr>
+      <p:sp>
+        <p:nvSpPr>
+          <p:cNvPr id="2" name="TextBox 1">
+            <a:extLst>
+              <a:ext uri="{FF2B5EF4-FFF2-40B4-BE49-F238E27FC236}">
+                <a16:creationId xmlns:a16="http://schemas.microsoft.com/office/drawing/2014/main" id="{5958EE25-4C59-FFFC-BCA5-EDA73B421050}"/>
+              </a:ext>
+            </a:extLst>
+          </p:cNvPr>
+          <p:cNvSpPr txBox="1"/>
+          <p:nvPr/>
+        </p:nvSpPr>
+        <p:spPr>
+          <a:xfrm>
+            <a:off x="1878397" y="472042"/>
+            <a:ext cx="3435236" cy="646331"/>
+          </a:xfrm>
+          <a:prstGeom prst="rect">
+            <a:avLst/>
+          </a:prstGeom>
+          <a:noFill/>
+        </p:spPr>
+        <p:txBody>
+          <a:bodyPr wrap="none" rtlCol="0">
+            <a:spAutoFit/>
+          </a:bodyPr>
+          <a:lstStyle/>
+          <a:p>
+            <a:r>
+              <a:rPr lang="en-US" sz="3600" b="1" dirty="0"/>
+              <a:t>NextDoor Clients</a:t>
+            </a:r>
+          </a:p>
+        </p:txBody>
+      </p:sp>
+      <p:sp>
+        <p:nvSpPr>
+          <p:cNvPr id="3" name="TextBox 2">
+            <a:extLst>
+              <a:ext uri="{FF2B5EF4-FFF2-40B4-BE49-F238E27FC236}">
+                <a16:creationId xmlns:a16="http://schemas.microsoft.com/office/drawing/2014/main" id="{E80E925E-06E1-AB4E-7EE7-AA2C3E2271DC}"/>
+              </a:ext>
+            </a:extLst>
+          </p:cNvPr>
+          <p:cNvSpPr txBox="1"/>
+          <p:nvPr/>
+        </p:nvSpPr>
+        <p:spPr>
+          <a:xfrm>
+            <a:off x="1659596" y="2126122"/>
+            <a:ext cx="1685818" cy="923330"/>
+          </a:xfrm>
+          <a:prstGeom prst="rect">
+            <a:avLst/>
+          </a:prstGeom>
+          <a:solidFill>
+            <a:schemeClr val="accent6">
+              <a:lumMod val="20000"/>
+              <a:lumOff val="80000"/>
+            </a:schemeClr>
+          </a:solidFill>
+          <a:ln>
+            <a:solidFill>
+              <a:schemeClr val="tx1"/>
+            </a:solidFill>
+          </a:ln>
+        </p:spPr>
+        <p:txBody>
+          <a:bodyPr wrap="square" rtlCol="0">
+            <a:spAutoFit/>
+          </a:bodyPr>
+          <a:lstStyle/>
+          <a:p>
+            <a:pPr algn="ctr"/>
+            <a:r>
+              <a:rPr lang="en-US" dirty="0"/>
+              <a:t>NextDoor “App” on Android Phone</a:t>
+            </a:r>
+          </a:p>
+        </p:txBody>
+      </p:sp>
+      <p:sp>
+        <p:nvSpPr>
+          <p:cNvPr id="4" name="TextBox 3">
+            <a:extLst>
+              <a:ext uri="{FF2B5EF4-FFF2-40B4-BE49-F238E27FC236}">
+                <a16:creationId xmlns:a16="http://schemas.microsoft.com/office/drawing/2014/main" id="{C74E1CF8-08E0-5C68-1EFA-B168D2FBE143}"/>
+              </a:ext>
+            </a:extLst>
+          </p:cNvPr>
+          <p:cNvSpPr txBox="1"/>
+          <p:nvPr/>
+        </p:nvSpPr>
+        <p:spPr>
+          <a:xfrm>
+            <a:off x="1659596" y="3415299"/>
+            <a:ext cx="1685818" cy="923330"/>
+          </a:xfrm>
+          <a:prstGeom prst="rect">
+            <a:avLst/>
+          </a:prstGeom>
+          <a:solidFill>
+            <a:schemeClr val="accent6">
+              <a:lumMod val="60000"/>
+              <a:lumOff val="40000"/>
+            </a:schemeClr>
+          </a:solidFill>
+          <a:ln>
+            <a:solidFill>
+              <a:schemeClr val="tx1"/>
+            </a:solidFill>
+          </a:ln>
+        </p:spPr>
+        <p:txBody>
+          <a:bodyPr wrap="square" rtlCol="0">
+            <a:spAutoFit/>
+          </a:bodyPr>
+          <a:lstStyle>
+            <a:defPPr>
+              <a:defRPr lang="en-US"/>
+            </a:defPPr>
+            <a:lvl1pPr algn="ctr">
+              <a:defRPr/>
+            </a:lvl1pPr>
+          </a:lstStyle>
+          <a:p>
+            <a:r>
+              <a:rPr lang="en-US" dirty="0"/>
+              <a:t>NextDoor “App” on iPhone</a:t>
+            </a:r>
+          </a:p>
+          <a:p>
+            <a:endParaRPr lang="en-US" dirty="0"/>
+          </a:p>
+        </p:txBody>
+      </p:sp>
+      <p:sp>
+        <p:nvSpPr>
+          <p:cNvPr id="5" name="TextBox 4">
+            <a:extLst>
+              <a:ext uri="{FF2B5EF4-FFF2-40B4-BE49-F238E27FC236}">
+                <a16:creationId xmlns:a16="http://schemas.microsoft.com/office/drawing/2014/main" id="{A4BE5CA2-D184-796E-92B9-54FBD1BBB475}"/>
+              </a:ext>
+            </a:extLst>
+          </p:cNvPr>
+          <p:cNvSpPr txBox="1"/>
+          <p:nvPr/>
+        </p:nvSpPr>
+        <p:spPr>
+          <a:xfrm>
+            <a:off x="3994586" y="3461625"/>
+            <a:ext cx="1685816" cy="923330"/>
+          </a:xfrm>
+          <a:prstGeom prst="rect">
+            <a:avLst/>
+          </a:prstGeom>
+          <a:solidFill>
+            <a:schemeClr val="accent4">
+              <a:lumMod val="20000"/>
+              <a:lumOff val="80000"/>
+            </a:schemeClr>
+          </a:solidFill>
+          <a:ln>
+            <a:solidFill>
+              <a:schemeClr val="tx1"/>
+            </a:solidFill>
+          </a:ln>
+        </p:spPr>
+        <p:txBody>
+          <a:bodyPr wrap="square" rtlCol="0">
+            <a:spAutoFit/>
+          </a:bodyPr>
+          <a:lstStyle>
+            <a:defPPr>
+              <a:defRPr lang="en-US"/>
+            </a:defPPr>
+            <a:lvl1pPr algn="ctr">
+              <a:defRPr/>
+            </a:lvl1pPr>
+          </a:lstStyle>
+          <a:p>
+            <a:r>
+              <a:rPr lang="en-US" dirty="0"/>
+              <a:t>Web Browser on Windows PC</a:t>
+            </a:r>
+          </a:p>
+          <a:p>
+            <a:endParaRPr lang="en-US" dirty="0"/>
+          </a:p>
+        </p:txBody>
+      </p:sp>
+      <p:sp>
+        <p:nvSpPr>
+          <p:cNvPr id="6" name="TextBox 5">
+            <a:extLst>
+              <a:ext uri="{FF2B5EF4-FFF2-40B4-BE49-F238E27FC236}">
+                <a16:creationId xmlns:a16="http://schemas.microsoft.com/office/drawing/2014/main" id="{1E0B6612-67A2-755F-9D74-D1971E890ADB}"/>
+              </a:ext>
+            </a:extLst>
+          </p:cNvPr>
+          <p:cNvSpPr txBox="1"/>
+          <p:nvPr/>
+        </p:nvSpPr>
+        <p:spPr>
+          <a:xfrm>
+            <a:off x="3994586" y="4761426"/>
+            <a:ext cx="1685817" cy="923330"/>
+          </a:xfrm>
+          <a:prstGeom prst="rect">
+            <a:avLst/>
+          </a:prstGeom>
+          <a:solidFill>
+            <a:schemeClr val="accent4">
+              <a:lumMod val="60000"/>
+              <a:lumOff val="40000"/>
+            </a:schemeClr>
+          </a:solidFill>
+          <a:ln>
+            <a:solidFill>
+              <a:schemeClr val="tx1"/>
+            </a:solidFill>
+          </a:ln>
+        </p:spPr>
+        <p:txBody>
+          <a:bodyPr wrap="square" rtlCol="0">
+            <a:spAutoFit/>
+          </a:bodyPr>
+          <a:lstStyle>
+            <a:defPPr>
+              <a:defRPr lang="en-US"/>
+            </a:defPPr>
+            <a:lvl1pPr algn="ctr">
+              <a:defRPr/>
+            </a:lvl1pPr>
+          </a:lstStyle>
+          <a:p>
+            <a:r>
+              <a:rPr lang="en-US" dirty="0"/>
+              <a:t>Web Browser on Apple PC</a:t>
+            </a:r>
+          </a:p>
+          <a:p>
+            <a:endParaRPr lang="en-US" dirty="0"/>
+          </a:p>
+        </p:txBody>
+      </p:sp>
+      <p:pic>
+        <p:nvPicPr>
+          <p:cNvPr id="1026" name="Picture 2">
+            <a:extLst>
+              <a:ext uri="{FF2B5EF4-FFF2-40B4-BE49-F238E27FC236}">
+                <a16:creationId xmlns:a16="http://schemas.microsoft.com/office/drawing/2014/main" id="{DA3B7F83-1089-3253-D4BA-574FD0FD008F}"/>
+              </a:ext>
+            </a:extLst>
+          </p:cNvPr>
+          <p:cNvPicPr>
+            <a:picLocks noChangeAspect="1" noChangeArrowheads="1"/>
+          </p:cNvPicPr>
+          <p:nvPr/>
+        </p:nvPicPr>
+        <p:blipFill>
+          <a:blip r:embed="rId2">
+            <a:extLst>
+              <a:ext uri="{28A0092B-C50C-407E-A947-70E740481C1C}">
+                <a14:useLocalDpi xmlns:a14="http://schemas.microsoft.com/office/drawing/2010/main" val="0"/>
+              </a:ext>
+            </a:extLst>
+          </a:blip>
+          <a:srcRect/>
+          <a:stretch>
+            <a:fillRect/>
+          </a:stretch>
+        </p:blipFill>
+        <p:spPr bwMode="auto">
+          <a:xfrm>
+            <a:off x="1665420" y="4006740"/>
+            <a:ext cx="331889" cy="331889"/>
+          </a:xfrm>
+          <a:prstGeom prst="rect">
+            <a:avLst/>
+          </a:prstGeom>
+          <a:noFill/>
+          <a:ln>
+            <a:solidFill>
+              <a:schemeClr val="tx1"/>
+            </a:solidFill>
+          </a:ln>
+          <a:extLst>
+            <a:ext uri="{909E8E84-426E-40DD-AFC4-6F175D3DCCD1}">
+              <a14:hiddenFill xmlns:a14="http://schemas.microsoft.com/office/drawing/2010/main">
+                <a:solidFill>
+                  <a:srgbClr val="FFFFFF"/>
+                </a:solidFill>
+              </a14:hiddenFill>
+            </a:ext>
+          </a:extLst>
+        </p:spPr>
+      </p:pic>
+      <p:pic>
+        <p:nvPicPr>
+          <p:cNvPr id="7" name="Picture 2">
+            <a:extLst>
+              <a:ext uri="{FF2B5EF4-FFF2-40B4-BE49-F238E27FC236}">
+                <a16:creationId xmlns:a16="http://schemas.microsoft.com/office/drawing/2014/main" id="{99788449-C15C-801F-8672-B78B95DEDFC3}"/>
+              </a:ext>
+            </a:extLst>
+          </p:cNvPr>
+          <p:cNvPicPr>
+            <a:picLocks noChangeAspect="1" noChangeArrowheads="1"/>
+          </p:cNvPicPr>
+          <p:nvPr/>
+        </p:nvPicPr>
+        <p:blipFill>
+          <a:blip r:embed="rId2">
+            <a:extLst>
+              <a:ext uri="{28A0092B-C50C-407E-A947-70E740481C1C}">
+                <a14:useLocalDpi xmlns:a14="http://schemas.microsoft.com/office/drawing/2010/main" val="0"/>
+              </a:ext>
+            </a:extLst>
+          </a:blip>
+          <a:srcRect/>
+          <a:stretch>
+            <a:fillRect/>
+          </a:stretch>
+        </p:blipFill>
+        <p:spPr bwMode="auto">
+          <a:xfrm>
+            <a:off x="4014210" y="5378943"/>
+            <a:ext cx="303925" cy="303925"/>
+          </a:xfrm>
+          <a:prstGeom prst="rect">
+            <a:avLst/>
+          </a:prstGeom>
+          <a:noFill/>
+          <a:ln>
+            <a:solidFill>
+              <a:schemeClr val="tx1"/>
+            </a:solidFill>
+          </a:ln>
+          <a:extLst>
+            <a:ext uri="{909E8E84-426E-40DD-AFC4-6F175D3DCCD1}">
+              <a14:hiddenFill xmlns:a14="http://schemas.microsoft.com/office/drawing/2010/main">
+                <a:solidFill>
+                  <a:srgbClr val="FFFFFF"/>
+                </a:solidFill>
+              </a14:hiddenFill>
+            </a:ext>
+          </a:extLst>
+        </p:spPr>
+      </p:pic>
+      <p:pic>
+        <p:nvPicPr>
+          <p:cNvPr id="9" name="Picture 8">
+            <a:extLst>
+              <a:ext uri="{FF2B5EF4-FFF2-40B4-BE49-F238E27FC236}">
+                <a16:creationId xmlns:a16="http://schemas.microsoft.com/office/drawing/2014/main" id="{DEA74BB5-4D79-60D3-C9BC-4603FBD935FB}"/>
+              </a:ext>
+            </a:extLst>
+          </p:cNvPr>
+          <p:cNvPicPr>
+            <a:picLocks noChangeAspect="1"/>
+          </p:cNvPicPr>
+          <p:nvPr/>
+        </p:nvPicPr>
+        <p:blipFill>
+          <a:blip r:embed="rId3"/>
+          <a:stretch>
+            <a:fillRect/>
+          </a:stretch>
+        </p:blipFill>
+        <p:spPr>
+          <a:xfrm>
+            <a:off x="4000870" y="4112573"/>
+            <a:ext cx="302096" cy="272382"/>
+          </a:xfrm>
+          <a:prstGeom prst="rect">
+            <a:avLst/>
+          </a:prstGeom>
+          <a:ln>
+            <a:solidFill>
+              <a:schemeClr val="tx1"/>
+            </a:solidFill>
+          </a:ln>
+        </p:spPr>
+      </p:pic>
+      <p:pic>
+        <p:nvPicPr>
+          <p:cNvPr id="1030" name="Picture 6" descr="4GQM0AAAAASUVORK5CYII= (207×243)">
+            <a:extLst>
+              <a:ext uri="{FF2B5EF4-FFF2-40B4-BE49-F238E27FC236}">
+                <a16:creationId xmlns:a16="http://schemas.microsoft.com/office/drawing/2014/main" id="{A267F367-2066-6C0E-F6AB-C4FDCF5C70F9}"/>
+              </a:ext>
+            </a:extLst>
+          </p:cNvPr>
+          <p:cNvPicPr>
+            <a:picLocks noChangeAspect="1" noChangeArrowheads="1"/>
+          </p:cNvPicPr>
+          <p:nvPr/>
+        </p:nvPicPr>
+        <p:blipFill>
+          <a:blip r:embed="rId4">
+            <a:extLst>
+              <a:ext uri="{28A0092B-C50C-407E-A947-70E740481C1C}">
+                <a14:useLocalDpi xmlns:a14="http://schemas.microsoft.com/office/drawing/2010/main" val="0"/>
+              </a:ext>
+            </a:extLst>
+          </a:blip>
+          <a:srcRect/>
+          <a:stretch>
+            <a:fillRect/>
+          </a:stretch>
+        </p:blipFill>
+        <p:spPr bwMode="auto">
+          <a:xfrm>
+            <a:off x="1677605" y="2696807"/>
+            <a:ext cx="302096" cy="354634"/>
+          </a:xfrm>
+          <a:prstGeom prst="rect">
+            <a:avLst/>
+          </a:prstGeom>
+          <a:noFill/>
+          <a:ln>
+            <a:solidFill>
+              <a:schemeClr val="tx1"/>
+            </a:solidFill>
+          </a:ln>
+          <a:extLst>
+            <a:ext uri="{909E8E84-426E-40DD-AFC4-6F175D3DCCD1}">
+              <a14:hiddenFill xmlns:a14="http://schemas.microsoft.com/office/drawing/2010/main">
+                <a:solidFill>
+                  <a:srgbClr val="FFFFFF"/>
+                </a:solidFill>
+              </a14:hiddenFill>
+            </a:ext>
+          </a:extLst>
+        </p:spPr>
+      </p:pic>
+      <p:grpSp>
+        <p:nvGrpSpPr>
+          <p:cNvPr id="12" name="Group 11">
+            <a:extLst>
+              <a:ext uri="{FF2B5EF4-FFF2-40B4-BE49-F238E27FC236}">
+                <a16:creationId xmlns:a16="http://schemas.microsoft.com/office/drawing/2014/main" id="{33B3F1F7-C292-29C9-FB7A-C2C01620FB6B}"/>
+              </a:ext>
+            </a:extLst>
+          </p:cNvPr>
+          <p:cNvGrpSpPr/>
+          <p:nvPr/>
+        </p:nvGrpSpPr>
+        <p:grpSpPr>
+          <a:xfrm>
+            <a:off x="1575346" y="2026354"/>
+            <a:ext cx="299272" cy="276999"/>
+            <a:chOff x="1570275" y="1026920"/>
+            <a:chExt cx="299272" cy="276999"/>
+          </a:xfrm>
+        </p:grpSpPr>
+        <p:sp>
+          <p:nvSpPr>
+            <p:cNvPr id="11" name="Rectangle 10">
+              <a:extLst>
+                <a:ext uri="{FF2B5EF4-FFF2-40B4-BE49-F238E27FC236}">
+                  <a16:creationId xmlns:a16="http://schemas.microsoft.com/office/drawing/2014/main" id="{9967B53D-2130-7059-127B-63C75EDE0CBE}"/>
+                </a:ext>
+              </a:extLst>
+            </p:cNvPr>
+            <p:cNvSpPr/>
+            <p:nvPr/>
+          </p:nvSpPr>
+          <p:spPr>
+            <a:xfrm>
+              <a:off x="1570275" y="1058943"/>
+              <a:ext cx="236529" cy="216817"/>
+            </a:xfrm>
+            <a:prstGeom prst="rect">
+              <a:avLst/>
+            </a:prstGeom>
+            <a:solidFill>
+              <a:schemeClr val="accent6">
+                <a:lumMod val="20000"/>
+                <a:lumOff val="80000"/>
+              </a:schemeClr>
+            </a:solidFill>
+            <a:ln>
+              <a:solidFill>
+                <a:schemeClr val="tx1"/>
+              </a:solidFill>
+            </a:ln>
+          </p:spPr>
+          <p:txBody>
+            <a:bodyPr wrap="square" rtlCol="0">
+              <a:spAutoFit/>
+            </a:bodyPr>
+            <a:lstStyle/>
+            <a:p>
+              <a:pPr algn="ctr"/>
+              <a:endParaRPr lang="en-US">
+                <a:solidFill>
+                  <a:schemeClr val="tx1"/>
+                </a:solidFill>
+              </a:endParaRPr>
+            </a:p>
+          </p:txBody>
+        </p:sp>
+        <p:sp>
+          <p:nvSpPr>
+            <p:cNvPr id="10" name="TextBox 9">
+              <a:extLst>
+                <a:ext uri="{FF2B5EF4-FFF2-40B4-BE49-F238E27FC236}">
+                  <a16:creationId xmlns:a16="http://schemas.microsoft.com/office/drawing/2014/main" id="{DBDED702-BB04-01D1-252D-CFC8EED510C4}"/>
+                </a:ext>
+              </a:extLst>
+            </p:cNvPr>
+            <p:cNvSpPr txBox="1"/>
+            <p:nvPr/>
+          </p:nvSpPr>
+          <p:spPr>
+            <a:xfrm>
+              <a:off x="1599312" y="1026920"/>
+              <a:ext cx="270235" cy="276999"/>
+            </a:xfrm>
+            <a:prstGeom prst="rect">
+              <a:avLst/>
+            </a:prstGeom>
+            <a:noFill/>
+          </p:spPr>
+          <p:txBody>
+            <a:bodyPr wrap="square" lIns="0" tIns="0" bIns="0" rtlCol="0">
+              <a:spAutoFit/>
+            </a:bodyPr>
+            <a:lstStyle/>
+            <a:p>
+              <a:pPr algn="ctr"/>
+              <a:r>
+                <a:rPr lang="en-US" dirty="0"/>
+                <a:t>1</a:t>
+              </a:r>
+            </a:p>
+          </p:txBody>
+        </p:sp>
+      </p:grpSp>
+      <p:sp>
+        <p:nvSpPr>
+          <p:cNvPr id="14" name="Rectangle 13">
+            <a:extLst>
+              <a:ext uri="{FF2B5EF4-FFF2-40B4-BE49-F238E27FC236}">
+                <a16:creationId xmlns:a16="http://schemas.microsoft.com/office/drawing/2014/main" id="{8B520BC1-FE83-1194-7466-C1E17C026C85}"/>
+              </a:ext>
+            </a:extLst>
+          </p:cNvPr>
+          <p:cNvSpPr/>
+          <p:nvPr/>
+        </p:nvSpPr>
+        <p:spPr>
+          <a:xfrm>
+            <a:off x="3899187" y="3401335"/>
+            <a:ext cx="236529" cy="216817"/>
+          </a:xfrm>
+          <a:prstGeom prst="rect">
+            <a:avLst/>
+          </a:prstGeom>
+          <a:solidFill>
+            <a:schemeClr val="accent4">
+              <a:lumMod val="20000"/>
+              <a:lumOff val="80000"/>
+            </a:schemeClr>
+          </a:solidFill>
+          <a:ln>
+            <a:solidFill>
+              <a:schemeClr val="tx1"/>
+            </a:solidFill>
+          </a:ln>
+        </p:spPr>
+        <p:txBody>
+          <a:bodyPr wrap="square" rtlCol="0">
+            <a:spAutoFit/>
+          </a:bodyPr>
+          <a:lstStyle/>
+          <a:p>
+            <a:pPr algn="ctr"/>
+            <a:endParaRPr lang="en-US">
+              <a:solidFill>
+                <a:schemeClr val="tx1"/>
+              </a:solidFill>
+            </a:endParaRPr>
+          </a:p>
+        </p:txBody>
+      </p:sp>
+      <p:sp>
+        <p:nvSpPr>
+          <p:cNvPr id="15" name="TextBox 14">
+            <a:extLst>
+              <a:ext uri="{FF2B5EF4-FFF2-40B4-BE49-F238E27FC236}">
+                <a16:creationId xmlns:a16="http://schemas.microsoft.com/office/drawing/2014/main" id="{E239E608-DBAE-96CC-DF55-E1D88B48BD1D}"/>
+              </a:ext>
+            </a:extLst>
+          </p:cNvPr>
+          <p:cNvSpPr txBox="1"/>
+          <p:nvPr/>
+        </p:nvSpPr>
+        <p:spPr>
+          <a:xfrm>
+            <a:off x="3928224" y="3369312"/>
+            <a:ext cx="270235" cy="276999"/>
+          </a:xfrm>
+          <a:prstGeom prst="rect">
+            <a:avLst/>
+          </a:prstGeom>
+          <a:noFill/>
+        </p:spPr>
+        <p:txBody>
+          <a:bodyPr wrap="square" lIns="0" tIns="0" bIns="0" rtlCol="0">
+            <a:spAutoFit/>
+          </a:bodyPr>
+          <a:lstStyle/>
+          <a:p>
+            <a:pPr algn="ctr"/>
+            <a:r>
+              <a:rPr lang="en-US" dirty="0"/>
+              <a:t>4</a:t>
+            </a:r>
+          </a:p>
+        </p:txBody>
+      </p:sp>
+      <p:grpSp>
+        <p:nvGrpSpPr>
+          <p:cNvPr id="16" name="Group 15">
+            <a:extLst>
+              <a:ext uri="{FF2B5EF4-FFF2-40B4-BE49-F238E27FC236}">
+                <a16:creationId xmlns:a16="http://schemas.microsoft.com/office/drawing/2014/main" id="{5EFDEFD3-F07C-CF25-2A55-5E5D163FA37A}"/>
+              </a:ext>
+            </a:extLst>
+          </p:cNvPr>
+          <p:cNvGrpSpPr/>
+          <p:nvPr/>
+        </p:nvGrpSpPr>
+        <p:grpSpPr>
+          <a:xfrm>
+            <a:off x="1575346" y="3313340"/>
+            <a:ext cx="299272" cy="276999"/>
+            <a:chOff x="1570275" y="1026920"/>
+            <a:chExt cx="299272" cy="276999"/>
+          </a:xfrm>
+        </p:grpSpPr>
+        <p:sp>
+          <p:nvSpPr>
+            <p:cNvPr id="17" name="Rectangle 16">
+              <a:extLst>
+                <a:ext uri="{FF2B5EF4-FFF2-40B4-BE49-F238E27FC236}">
+                  <a16:creationId xmlns:a16="http://schemas.microsoft.com/office/drawing/2014/main" id="{461A5FD1-1A80-A428-16E3-42B9EA879D83}"/>
+                </a:ext>
+              </a:extLst>
+            </p:cNvPr>
+            <p:cNvSpPr/>
+            <p:nvPr/>
+          </p:nvSpPr>
+          <p:spPr>
+            <a:xfrm>
+              <a:off x="1570275" y="1058943"/>
+              <a:ext cx="236529" cy="216817"/>
+            </a:xfrm>
+            <a:prstGeom prst="rect">
+              <a:avLst/>
+            </a:prstGeom>
+            <a:solidFill>
+              <a:schemeClr val="accent6">
+                <a:lumMod val="60000"/>
+                <a:lumOff val="40000"/>
+              </a:schemeClr>
+            </a:solidFill>
+            <a:ln>
+              <a:solidFill>
+                <a:schemeClr val="tx1"/>
+              </a:solidFill>
+            </a:ln>
+          </p:spPr>
+          <p:txBody>
+            <a:bodyPr wrap="square" rtlCol="0">
+              <a:spAutoFit/>
+            </a:bodyPr>
+            <a:lstStyle/>
+            <a:p>
+              <a:pPr algn="ctr"/>
+              <a:endParaRPr lang="en-US">
+                <a:solidFill>
+                  <a:schemeClr val="tx1"/>
+                </a:solidFill>
+              </a:endParaRPr>
+            </a:p>
+          </p:txBody>
+        </p:sp>
+        <p:sp>
+          <p:nvSpPr>
+            <p:cNvPr id="18" name="TextBox 17">
+              <a:extLst>
+                <a:ext uri="{FF2B5EF4-FFF2-40B4-BE49-F238E27FC236}">
+                  <a16:creationId xmlns:a16="http://schemas.microsoft.com/office/drawing/2014/main" id="{0C596277-3E84-01A5-D623-BDFD61CB7183}"/>
+                </a:ext>
+              </a:extLst>
+            </p:cNvPr>
+            <p:cNvSpPr txBox="1"/>
+            <p:nvPr/>
+          </p:nvSpPr>
+          <p:spPr>
+            <a:xfrm>
+              <a:off x="1599312" y="1026920"/>
+              <a:ext cx="270235" cy="276999"/>
+            </a:xfrm>
+            <a:prstGeom prst="rect">
+              <a:avLst/>
+            </a:prstGeom>
+            <a:noFill/>
+          </p:spPr>
+          <p:txBody>
+            <a:bodyPr wrap="square" lIns="0" tIns="0" bIns="0" rtlCol="0">
+              <a:spAutoFit/>
+            </a:bodyPr>
+            <a:lstStyle/>
+            <a:p>
+              <a:pPr algn="ctr"/>
+              <a:r>
+                <a:rPr lang="en-US" dirty="0"/>
+                <a:t>3</a:t>
+              </a:r>
+            </a:p>
+          </p:txBody>
+        </p:sp>
+      </p:grpSp>
+      <p:grpSp>
+        <p:nvGrpSpPr>
+          <p:cNvPr id="19" name="Group 18">
+            <a:extLst>
+              <a:ext uri="{FF2B5EF4-FFF2-40B4-BE49-F238E27FC236}">
+                <a16:creationId xmlns:a16="http://schemas.microsoft.com/office/drawing/2014/main" id="{0071BDF5-687D-7248-3E94-27A6443195EC}"/>
+              </a:ext>
+            </a:extLst>
+          </p:cNvPr>
+          <p:cNvGrpSpPr/>
+          <p:nvPr/>
+        </p:nvGrpSpPr>
+        <p:grpSpPr>
+          <a:xfrm>
+            <a:off x="3913705" y="4648843"/>
+            <a:ext cx="299272" cy="276999"/>
+            <a:chOff x="1570275" y="1026920"/>
+            <a:chExt cx="299272" cy="276999"/>
+          </a:xfrm>
+        </p:grpSpPr>
+        <p:sp>
+          <p:nvSpPr>
+            <p:cNvPr id="20" name="Rectangle 19">
+              <a:extLst>
+                <a:ext uri="{FF2B5EF4-FFF2-40B4-BE49-F238E27FC236}">
+                  <a16:creationId xmlns:a16="http://schemas.microsoft.com/office/drawing/2014/main" id="{DBCCB3F3-11F0-14BB-6CD3-835B4C41D1D1}"/>
+                </a:ext>
+              </a:extLst>
+            </p:cNvPr>
+            <p:cNvSpPr/>
+            <p:nvPr/>
+          </p:nvSpPr>
+          <p:spPr>
+            <a:xfrm>
+              <a:off x="1570275" y="1058943"/>
+              <a:ext cx="236529" cy="216817"/>
+            </a:xfrm>
+            <a:prstGeom prst="rect">
+              <a:avLst/>
+            </a:prstGeom>
+            <a:solidFill>
+              <a:schemeClr val="accent4">
+                <a:lumMod val="60000"/>
+                <a:lumOff val="40000"/>
+              </a:schemeClr>
+            </a:solidFill>
+            <a:ln>
+              <a:solidFill>
+                <a:schemeClr val="tx1"/>
+              </a:solidFill>
+            </a:ln>
+          </p:spPr>
+          <p:txBody>
+            <a:bodyPr wrap="square" rtlCol="0">
+              <a:spAutoFit/>
+            </a:bodyPr>
+            <a:lstStyle/>
+            <a:p>
+              <a:pPr algn="ctr"/>
+              <a:endParaRPr lang="en-US">
+                <a:solidFill>
+                  <a:schemeClr val="tx1"/>
+                </a:solidFill>
+              </a:endParaRPr>
+            </a:p>
+          </p:txBody>
+        </p:sp>
+        <p:sp>
+          <p:nvSpPr>
+            <p:cNvPr id="21" name="TextBox 20">
+              <a:extLst>
+                <a:ext uri="{FF2B5EF4-FFF2-40B4-BE49-F238E27FC236}">
+                  <a16:creationId xmlns:a16="http://schemas.microsoft.com/office/drawing/2014/main" id="{194385FD-B809-89B5-99BD-819568216ADA}"/>
+                </a:ext>
+              </a:extLst>
+            </p:cNvPr>
+            <p:cNvSpPr txBox="1"/>
+            <p:nvPr/>
+          </p:nvSpPr>
+          <p:spPr>
+            <a:xfrm>
+              <a:off x="1599312" y="1026920"/>
+              <a:ext cx="270235" cy="276999"/>
+            </a:xfrm>
+            <a:prstGeom prst="rect">
+              <a:avLst/>
+            </a:prstGeom>
+            <a:noFill/>
+          </p:spPr>
+          <p:txBody>
+            <a:bodyPr wrap="square" lIns="0" tIns="0" bIns="0" rtlCol="0">
+              <a:spAutoFit/>
+            </a:bodyPr>
+            <a:lstStyle/>
+            <a:p>
+              <a:pPr algn="ctr"/>
+              <a:r>
+                <a:rPr lang="en-US" dirty="0"/>
+                <a:t>5</a:t>
+              </a:r>
+            </a:p>
+          </p:txBody>
+        </p:sp>
+      </p:grpSp>
+      <p:sp>
+        <p:nvSpPr>
+          <p:cNvPr id="22" name="Rectangle: Rounded Corners 21">
+            <a:extLst>
+              <a:ext uri="{FF2B5EF4-FFF2-40B4-BE49-F238E27FC236}">
+                <a16:creationId xmlns:a16="http://schemas.microsoft.com/office/drawing/2014/main" id="{17792CDE-C728-1203-9BDD-563FCECE7F30}"/>
+              </a:ext>
+            </a:extLst>
+          </p:cNvPr>
+          <p:cNvSpPr/>
+          <p:nvPr/>
+        </p:nvSpPr>
+        <p:spPr>
+          <a:xfrm>
+            <a:off x="1452027" y="1927277"/>
+            <a:ext cx="2087538" cy="2635485"/>
+          </a:xfrm>
+          <a:prstGeom prst="roundRect">
+            <a:avLst>
+              <a:gd name="adj" fmla="val 9105"/>
+            </a:avLst>
+          </a:prstGeom>
+          <a:noFill/>
+          <a:ln>
+            <a:prstDash val="dash"/>
+          </a:ln>
+        </p:spPr>
+        <p:style>
+          <a:lnRef idx="2">
+            <a:schemeClr val="accent1">
+              <a:shade val="15000"/>
+            </a:schemeClr>
+          </a:lnRef>
+          <a:fillRef idx="1">
+            <a:schemeClr val="accent1"/>
+          </a:fillRef>
+          <a:effectRef idx="0">
+            <a:schemeClr val="accent1"/>
+          </a:effectRef>
+          <a:fontRef idx="minor">
+            <a:schemeClr val="lt1"/>
+          </a:fontRef>
+        </p:style>
+        <p:txBody>
+          <a:bodyPr rtlCol="0" anchor="ctr"/>
+          <a:lstStyle/>
+          <a:p>
+            <a:pPr algn="ctr"/>
+            <a:endParaRPr lang="en-US"/>
+          </a:p>
+        </p:txBody>
+      </p:sp>
+      <p:sp>
+        <p:nvSpPr>
+          <p:cNvPr id="23" name="Rectangle: Rounded Corners 22">
+            <a:extLst>
+              <a:ext uri="{FF2B5EF4-FFF2-40B4-BE49-F238E27FC236}">
+                <a16:creationId xmlns:a16="http://schemas.microsoft.com/office/drawing/2014/main" id="{A03F639A-4CF2-3FFC-E950-D7A6C915D8E0}"/>
+              </a:ext>
+            </a:extLst>
+          </p:cNvPr>
+          <p:cNvSpPr/>
+          <p:nvPr/>
+        </p:nvSpPr>
+        <p:spPr>
+          <a:xfrm>
+            <a:off x="3735586" y="1927277"/>
+            <a:ext cx="2087538" cy="3908040"/>
+          </a:xfrm>
+          <a:prstGeom prst="roundRect">
+            <a:avLst>
+              <a:gd name="adj" fmla="val 9105"/>
+            </a:avLst>
+          </a:prstGeom>
+          <a:noFill/>
+          <a:ln>
+            <a:prstDash val="dash"/>
+          </a:ln>
+        </p:spPr>
+        <p:style>
+          <a:lnRef idx="2">
+            <a:schemeClr val="accent1">
+              <a:shade val="15000"/>
+            </a:schemeClr>
+          </a:lnRef>
+          <a:fillRef idx="1">
+            <a:schemeClr val="accent1"/>
+          </a:fillRef>
+          <a:effectRef idx="0">
+            <a:schemeClr val="accent1"/>
+          </a:effectRef>
+          <a:fontRef idx="minor">
+            <a:schemeClr val="lt1"/>
+          </a:fontRef>
+        </p:style>
+        <p:txBody>
+          <a:bodyPr rtlCol="0" anchor="ctr"/>
+          <a:lstStyle/>
+          <a:p>
+            <a:pPr algn="ctr"/>
+            <a:endParaRPr lang="en-US"/>
+          </a:p>
+        </p:txBody>
+      </p:sp>
+      <p:sp>
+        <p:nvSpPr>
+          <p:cNvPr id="24" name="TextBox 23">
+            <a:extLst>
+              <a:ext uri="{FF2B5EF4-FFF2-40B4-BE49-F238E27FC236}">
+                <a16:creationId xmlns:a16="http://schemas.microsoft.com/office/drawing/2014/main" id="{FA3C29CA-D1C9-7053-C45F-EBBDC63D12EA}"/>
+              </a:ext>
+            </a:extLst>
+          </p:cNvPr>
+          <p:cNvSpPr txBox="1"/>
+          <p:nvPr/>
+        </p:nvSpPr>
+        <p:spPr>
+          <a:xfrm>
+            <a:off x="2194568" y="1559085"/>
+            <a:ext cx="615874" cy="400110"/>
+          </a:xfrm>
+          <a:prstGeom prst="rect">
+            <a:avLst/>
+          </a:prstGeom>
+          <a:noFill/>
+        </p:spPr>
+        <p:txBody>
+          <a:bodyPr wrap="none" rtlCol="0">
+            <a:spAutoFit/>
+          </a:bodyPr>
+          <a:lstStyle/>
+          <a:p>
+            <a:r>
+              <a:rPr lang="en-US" sz="2000" b="1" dirty="0"/>
+              <a:t>App</a:t>
+            </a:r>
+          </a:p>
+        </p:txBody>
+      </p:sp>
+      <p:sp>
+        <p:nvSpPr>
+          <p:cNvPr id="25" name="TextBox 24">
+            <a:extLst>
+              <a:ext uri="{FF2B5EF4-FFF2-40B4-BE49-F238E27FC236}">
+                <a16:creationId xmlns:a16="http://schemas.microsoft.com/office/drawing/2014/main" id="{B537231B-1839-E6F4-8218-8FCF17491745}"/>
+              </a:ext>
+            </a:extLst>
+          </p:cNvPr>
+          <p:cNvSpPr txBox="1"/>
+          <p:nvPr/>
+        </p:nvSpPr>
+        <p:spPr>
+          <a:xfrm>
+            <a:off x="4074366" y="1567827"/>
+            <a:ext cx="1616148" cy="400110"/>
+          </a:xfrm>
+          <a:prstGeom prst="rect">
+            <a:avLst/>
+          </a:prstGeom>
+          <a:noFill/>
+        </p:spPr>
+        <p:txBody>
+          <a:bodyPr wrap="none" rtlCol="0">
+            <a:spAutoFit/>
+          </a:bodyPr>
+          <a:lstStyle/>
+          <a:p>
+            <a:pPr algn="ctr"/>
+            <a:r>
+              <a:rPr lang="en-US" sz="2000" b="1" dirty="0"/>
+              <a:t>Web Browser</a:t>
+            </a:r>
+          </a:p>
+        </p:txBody>
+      </p:sp>
+      <p:sp>
+        <p:nvSpPr>
+          <p:cNvPr id="26" name="TextBox 25">
+            <a:extLst>
+              <a:ext uri="{FF2B5EF4-FFF2-40B4-BE49-F238E27FC236}">
+                <a16:creationId xmlns:a16="http://schemas.microsoft.com/office/drawing/2014/main" id="{C29169B4-5498-400C-DEB3-9E98BA74F89E}"/>
+              </a:ext>
+            </a:extLst>
+          </p:cNvPr>
+          <p:cNvSpPr txBox="1"/>
+          <p:nvPr/>
+        </p:nvSpPr>
+        <p:spPr>
+          <a:xfrm>
+            <a:off x="2121815" y="952885"/>
+            <a:ext cx="3164407" cy="738664"/>
+          </a:xfrm>
+          <a:prstGeom prst="rect">
+            <a:avLst/>
+          </a:prstGeom>
+          <a:noFill/>
+        </p:spPr>
+        <p:txBody>
+          <a:bodyPr wrap="square" rtlCol="0">
+            <a:spAutoFit/>
+          </a:bodyPr>
+          <a:lstStyle/>
+          <a:p>
+            <a:r>
+              <a:rPr lang="en-US" sz="1400" dirty="0"/>
+              <a:t>NextDoor allows members to choose between at least 5 different methods to access the platform</a:t>
+            </a:r>
+          </a:p>
+        </p:txBody>
+      </p:sp>
+      <p:sp>
+        <p:nvSpPr>
+          <p:cNvPr id="27" name="TextBox 26">
+            <a:extLst>
+              <a:ext uri="{FF2B5EF4-FFF2-40B4-BE49-F238E27FC236}">
+                <a16:creationId xmlns:a16="http://schemas.microsoft.com/office/drawing/2014/main" id="{2C219B3B-D7C4-DE97-7778-B181F053CCA7}"/>
+              </a:ext>
+            </a:extLst>
+          </p:cNvPr>
+          <p:cNvSpPr txBox="1"/>
+          <p:nvPr/>
+        </p:nvSpPr>
+        <p:spPr>
+          <a:xfrm>
+            <a:off x="1325033" y="4601958"/>
+            <a:ext cx="2402531" cy="1815882"/>
+          </a:xfrm>
+          <a:prstGeom prst="rect">
+            <a:avLst/>
+          </a:prstGeom>
+          <a:noFill/>
+        </p:spPr>
+        <p:txBody>
+          <a:bodyPr wrap="square" rtlCol="0">
+            <a:spAutoFit/>
+          </a:bodyPr>
+          <a:lstStyle/>
+          <a:p>
+            <a:pPr marL="288925" indent="-288925"/>
+            <a:r>
+              <a:rPr lang="en-US" sz="1400" dirty="0"/>
+              <a:t>2.	Does </a:t>
+            </a:r>
+            <a:r>
+              <a:rPr lang="en-US" sz="1400" u="sng" dirty="0"/>
+              <a:t>not</a:t>
+            </a:r>
+            <a:r>
+              <a:rPr lang="en-US" sz="1400" dirty="0"/>
+              <a:t> provide </a:t>
+            </a:r>
+            <a:r>
+              <a:rPr lang="en-US" sz="1400" b="1" dirty="0"/>
+              <a:t>Btn 1</a:t>
+            </a:r>
+            <a:r>
+              <a:rPr lang="en-US" sz="1400" dirty="0"/>
+              <a:t> for posting to multiple specified groups including “anyone on NextDoor”</a:t>
+            </a:r>
+          </a:p>
+          <a:p>
+            <a:pPr marL="288925" indent="-288925"/>
+            <a:r>
+              <a:rPr lang="en-US" sz="1400" dirty="0"/>
+              <a:t>3.	Provides </a:t>
+            </a:r>
+            <a:r>
+              <a:rPr lang="en-US" sz="1400" b="1" dirty="0"/>
+              <a:t>Btn 1</a:t>
+            </a:r>
+            <a:r>
+              <a:rPr lang="en-US" sz="1400" dirty="0"/>
+              <a:t> for posting to specified groups including “anyone on NextDoor”</a:t>
+            </a:r>
+          </a:p>
+        </p:txBody>
+      </p:sp>
+      <p:sp>
+        <p:nvSpPr>
+          <p:cNvPr id="28" name="TextBox 27">
+            <a:extLst>
+              <a:ext uri="{FF2B5EF4-FFF2-40B4-BE49-F238E27FC236}">
+                <a16:creationId xmlns:a16="http://schemas.microsoft.com/office/drawing/2014/main" id="{41A5F580-BD6E-A0CF-918E-DCA39D1B6433}"/>
+              </a:ext>
+            </a:extLst>
+          </p:cNvPr>
+          <p:cNvSpPr txBox="1"/>
+          <p:nvPr/>
+        </p:nvSpPr>
+        <p:spPr>
+          <a:xfrm>
+            <a:off x="3994586" y="2112093"/>
+            <a:ext cx="1685816" cy="923330"/>
+          </a:xfrm>
+          <a:prstGeom prst="rect">
+            <a:avLst/>
+          </a:prstGeom>
+          <a:solidFill>
+            <a:schemeClr val="accent2">
+              <a:lumMod val="20000"/>
+              <a:lumOff val="80000"/>
+            </a:schemeClr>
+          </a:solidFill>
+          <a:ln>
+            <a:solidFill>
+              <a:schemeClr val="tx1"/>
+            </a:solidFill>
+          </a:ln>
+        </p:spPr>
+        <p:txBody>
+          <a:bodyPr wrap="square" rtlCol="0">
+            <a:spAutoFit/>
+          </a:bodyPr>
+          <a:lstStyle>
+            <a:defPPr>
+              <a:defRPr lang="en-US"/>
+            </a:defPPr>
+            <a:lvl1pPr algn="ctr">
+              <a:defRPr/>
+            </a:lvl1pPr>
+          </a:lstStyle>
+          <a:p>
+            <a:r>
+              <a:rPr lang="en-US" dirty="0"/>
+              <a:t>Web Browser on Android Phone</a:t>
+            </a:r>
+          </a:p>
+        </p:txBody>
+      </p:sp>
+      <p:pic>
+        <p:nvPicPr>
+          <p:cNvPr id="29" name="Picture 28">
+            <a:extLst>
+              <a:ext uri="{FF2B5EF4-FFF2-40B4-BE49-F238E27FC236}">
+                <a16:creationId xmlns:a16="http://schemas.microsoft.com/office/drawing/2014/main" id="{51B686AB-0D15-C73D-ED0F-6B0D94EC470F}"/>
+              </a:ext>
+            </a:extLst>
+          </p:cNvPr>
+          <p:cNvPicPr>
+            <a:picLocks noChangeAspect="1"/>
+          </p:cNvPicPr>
+          <p:nvPr/>
+        </p:nvPicPr>
+        <p:blipFill>
+          <a:blip r:embed="rId3"/>
+          <a:stretch>
+            <a:fillRect/>
+          </a:stretch>
+        </p:blipFill>
+        <p:spPr>
+          <a:xfrm>
+            <a:off x="4000870" y="2763041"/>
+            <a:ext cx="302096" cy="272382"/>
+          </a:xfrm>
+          <a:prstGeom prst="rect">
+            <a:avLst/>
+          </a:prstGeom>
+          <a:ln>
+            <a:solidFill>
+              <a:schemeClr val="tx1"/>
+            </a:solidFill>
+          </a:ln>
+        </p:spPr>
+      </p:pic>
+      <p:sp>
+        <p:nvSpPr>
+          <p:cNvPr id="30" name="Rectangle 29">
+            <a:extLst>
+              <a:ext uri="{FF2B5EF4-FFF2-40B4-BE49-F238E27FC236}">
+                <a16:creationId xmlns:a16="http://schemas.microsoft.com/office/drawing/2014/main" id="{1E76B0C7-FE04-4A84-67D4-C07C00659175}"/>
+              </a:ext>
+            </a:extLst>
+          </p:cNvPr>
+          <p:cNvSpPr/>
+          <p:nvPr/>
+        </p:nvSpPr>
+        <p:spPr>
+          <a:xfrm>
+            <a:off x="3899187" y="2051803"/>
+            <a:ext cx="236529" cy="216817"/>
+          </a:xfrm>
+          <a:prstGeom prst="rect">
+            <a:avLst/>
+          </a:prstGeom>
+          <a:solidFill>
+            <a:schemeClr val="accent2">
+              <a:lumMod val="20000"/>
+              <a:lumOff val="80000"/>
+            </a:schemeClr>
+          </a:solidFill>
+          <a:ln>
+            <a:solidFill>
+              <a:schemeClr val="tx1"/>
+            </a:solidFill>
+          </a:ln>
+        </p:spPr>
+        <p:txBody>
+          <a:bodyPr wrap="square" rtlCol="0">
+            <a:spAutoFit/>
+          </a:bodyPr>
+          <a:lstStyle/>
+          <a:p>
+            <a:pPr algn="ctr"/>
+            <a:endParaRPr lang="en-US">
+              <a:solidFill>
+                <a:schemeClr val="tx1"/>
+              </a:solidFill>
+            </a:endParaRPr>
+          </a:p>
+        </p:txBody>
+      </p:sp>
+      <p:sp>
+        <p:nvSpPr>
+          <p:cNvPr id="31" name="TextBox 30">
+            <a:extLst>
+              <a:ext uri="{FF2B5EF4-FFF2-40B4-BE49-F238E27FC236}">
+                <a16:creationId xmlns:a16="http://schemas.microsoft.com/office/drawing/2014/main" id="{C50FEC01-12BA-D57E-1C8D-6463A428615B}"/>
+              </a:ext>
+            </a:extLst>
+          </p:cNvPr>
+          <p:cNvSpPr txBox="1"/>
+          <p:nvPr/>
+        </p:nvSpPr>
+        <p:spPr>
+          <a:xfrm>
+            <a:off x="3928224" y="2019780"/>
+            <a:ext cx="270235" cy="276999"/>
+          </a:xfrm>
+          <a:prstGeom prst="rect">
+            <a:avLst/>
+          </a:prstGeom>
+          <a:noFill/>
+        </p:spPr>
+        <p:txBody>
+          <a:bodyPr wrap="square" lIns="0" tIns="0" bIns="0" rtlCol="0">
+            <a:spAutoFit/>
+          </a:bodyPr>
+          <a:lstStyle/>
+          <a:p>
+            <a:pPr algn="ctr"/>
+            <a:r>
+              <a:rPr lang="en-US" dirty="0"/>
+              <a:t>2</a:t>
+            </a:r>
+          </a:p>
+        </p:txBody>
+      </p:sp>
+      <p:pic>
+        <p:nvPicPr>
+          <p:cNvPr id="33" name="Picture 32">
+            <a:extLst>
+              <a:ext uri="{FF2B5EF4-FFF2-40B4-BE49-F238E27FC236}">
+                <a16:creationId xmlns:a16="http://schemas.microsoft.com/office/drawing/2014/main" id="{C70A76A8-FC47-D7E7-8D5C-3DA05B6381D4}"/>
+              </a:ext>
+            </a:extLst>
+          </p:cNvPr>
+          <p:cNvPicPr>
+            <a:picLocks noChangeAspect="1"/>
+          </p:cNvPicPr>
+          <p:nvPr/>
+        </p:nvPicPr>
+        <p:blipFill>
+          <a:blip r:embed="rId5"/>
+          <a:stretch>
+            <a:fillRect/>
+          </a:stretch>
+        </p:blipFill>
+        <p:spPr>
+          <a:xfrm>
+            <a:off x="2344561" y="4006740"/>
+            <a:ext cx="465881" cy="523220"/>
+          </a:xfrm>
+          <a:prstGeom prst="rect">
+            <a:avLst/>
+          </a:prstGeom>
+        </p:spPr>
+      </p:pic>
+      <p:grpSp>
+        <p:nvGrpSpPr>
+          <p:cNvPr id="41" name="Group 40">
+            <a:extLst>
+              <a:ext uri="{FF2B5EF4-FFF2-40B4-BE49-F238E27FC236}">
+                <a16:creationId xmlns:a16="http://schemas.microsoft.com/office/drawing/2014/main" id="{32FCA239-124D-6384-514D-45D699A76419}"/>
+              </a:ext>
+            </a:extLst>
+          </p:cNvPr>
+          <p:cNvGrpSpPr/>
+          <p:nvPr/>
+        </p:nvGrpSpPr>
+        <p:grpSpPr>
+          <a:xfrm>
+            <a:off x="5205046" y="2728268"/>
+            <a:ext cx="401853" cy="469469"/>
+            <a:chOff x="5205046" y="2728268"/>
+            <a:chExt cx="401853" cy="469469"/>
+          </a:xfrm>
+        </p:grpSpPr>
+        <p:pic>
+          <p:nvPicPr>
+            <p:cNvPr id="35" name="Picture 34">
+              <a:extLst>
+                <a:ext uri="{FF2B5EF4-FFF2-40B4-BE49-F238E27FC236}">
+                  <a16:creationId xmlns:a16="http://schemas.microsoft.com/office/drawing/2014/main" id="{73CAA95F-6B0F-84C9-7CFA-8E7B432DE658}"/>
+                </a:ext>
+              </a:extLst>
+            </p:cNvPr>
+            <p:cNvPicPr>
+              <a:picLocks noChangeAspect="1"/>
+            </p:cNvPicPr>
+            <p:nvPr/>
+          </p:nvPicPr>
+          <p:blipFill>
+            <a:blip r:embed="rId5"/>
+            <a:stretch>
+              <a:fillRect/>
+            </a:stretch>
+          </p:blipFill>
+          <p:spPr>
+            <a:xfrm>
+              <a:off x="5205046" y="2728268"/>
+              <a:ext cx="401853" cy="451311"/>
+            </a:xfrm>
+            <a:prstGeom prst="rect">
+              <a:avLst/>
+            </a:prstGeom>
+          </p:spPr>
+        </p:pic>
+        <p:cxnSp>
+          <p:nvCxnSpPr>
+            <p:cNvPr id="37" name="Straight Connector 36">
+              <a:extLst>
+                <a:ext uri="{FF2B5EF4-FFF2-40B4-BE49-F238E27FC236}">
+                  <a16:creationId xmlns:a16="http://schemas.microsoft.com/office/drawing/2014/main" id="{56B4A1EB-EDF6-F83C-3C0F-494CFF399408}"/>
+                </a:ext>
+              </a:extLst>
+            </p:cNvPr>
+            <p:cNvCxnSpPr/>
+            <p:nvPr/>
+          </p:nvCxnSpPr>
+          <p:spPr>
+            <a:xfrm>
+              <a:off x="5205046" y="2728268"/>
+              <a:ext cx="401853" cy="451311"/>
+            </a:xfrm>
+            <a:prstGeom prst="line">
+              <a:avLst/>
+            </a:prstGeom>
+            <a:ln w="12700">
+              <a:solidFill>
+                <a:schemeClr val="tx1"/>
+              </a:solidFill>
+            </a:ln>
+          </p:spPr>
+          <p:style>
+            <a:lnRef idx="1">
+              <a:schemeClr val="accent1"/>
+            </a:lnRef>
+            <a:fillRef idx="0">
+              <a:schemeClr val="accent1"/>
+            </a:fillRef>
+            <a:effectRef idx="0">
+              <a:schemeClr val="accent1"/>
+            </a:effectRef>
+            <a:fontRef idx="minor">
+              <a:schemeClr val="tx1"/>
+            </a:fontRef>
+          </p:style>
+        </p:cxnSp>
+        <p:cxnSp>
+          <p:nvCxnSpPr>
+            <p:cNvPr id="38" name="Straight Connector 37">
+              <a:extLst>
+                <a:ext uri="{FF2B5EF4-FFF2-40B4-BE49-F238E27FC236}">
+                  <a16:creationId xmlns:a16="http://schemas.microsoft.com/office/drawing/2014/main" id="{97185A02-32BC-C818-A9BC-6A8C8B3A0EE2}"/>
+                </a:ext>
+              </a:extLst>
+            </p:cNvPr>
+            <p:cNvCxnSpPr>
+              <a:cxnSpLocks/>
+            </p:cNvCxnSpPr>
+            <p:nvPr/>
+          </p:nvCxnSpPr>
+          <p:spPr>
+            <a:xfrm flipH="1">
+              <a:off x="5205046" y="2728268"/>
+              <a:ext cx="382542" cy="469469"/>
+            </a:xfrm>
+            <a:prstGeom prst="line">
+              <a:avLst/>
+            </a:prstGeom>
+            <a:ln w="12700">
+              <a:solidFill>
+                <a:schemeClr val="tx1"/>
+              </a:solidFill>
+            </a:ln>
+          </p:spPr>
+          <p:style>
+            <a:lnRef idx="1">
+              <a:schemeClr val="accent1"/>
+            </a:lnRef>
+            <a:fillRef idx="0">
+              <a:schemeClr val="accent1"/>
+            </a:fillRef>
+            <a:effectRef idx="0">
+              <a:schemeClr val="accent1"/>
+            </a:effectRef>
+            <a:fontRef idx="minor">
+              <a:schemeClr val="tx1"/>
+            </a:fontRef>
+          </p:style>
+        </p:cxnSp>
+      </p:grpSp>
+      <p:sp>
+        <p:nvSpPr>
+          <p:cNvPr id="43" name="TextBox 42">
+            <a:extLst>
+              <a:ext uri="{FF2B5EF4-FFF2-40B4-BE49-F238E27FC236}">
+                <a16:creationId xmlns:a16="http://schemas.microsoft.com/office/drawing/2014/main" id="{498DB151-A92B-93DF-2A14-37CAB9886127}"/>
+              </a:ext>
+            </a:extLst>
+          </p:cNvPr>
+          <p:cNvSpPr txBox="1"/>
+          <p:nvPr/>
+        </p:nvSpPr>
+        <p:spPr>
+          <a:xfrm>
+            <a:off x="1857222" y="6974591"/>
+            <a:ext cx="3429000" cy="1477328"/>
+          </a:xfrm>
+          <a:prstGeom prst="rect">
+            <a:avLst/>
+          </a:prstGeom>
+          <a:noFill/>
+        </p:spPr>
+        <p:txBody>
+          <a:bodyPr wrap="square">
+            <a:spAutoFit/>
+          </a:bodyPr>
+          <a:lstStyle/>
+          <a:p>
+            <a:r>
+              <a:rPr lang="en-US" dirty="0"/>
+              <a:t>You could say if there isa green button on the bottom of the screen use it if not go to the main page and use the button at the bottom of the screen</a:t>
+            </a:r>
+          </a:p>
+        </p:txBody>
+      </p:sp>
+    </p:spTree>
+    <p:extLst>
+      <p:ext uri="{BB962C8B-B14F-4D97-AF65-F5344CB8AC3E}">
+        <p14:creationId xmlns:p14="http://schemas.microsoft.com/office/powerpoint/2010/main" val="2622195291"/>
+      </p:ext>
+    </p:extLst>
+  </p:cSld>
+  <p:clrMapOvr>
+    <a:masterClrMapping/>
+  </p:clrMapOvr>
+</p:sld>
+</file>
+
+<file path=ppt/slides/slide6.xml><?xml version="1.0" encoding="utf-8"?>
+<p:sld xmlns:a="http://schemas.openxmlformats.org/drawingml/2006/main" xmlns:r="http://schemas.openxmlformats.org/officeDocument/2006/relationships" xmlns:p="http://schemas.openxmlformats.org/presentationml/2006/main">
+  <p:cSld>
+    <p:spTree>
+      <p:nvGrpSpPr>
+        <p:cNvPr id="1" name=""/>
+        <p:cNvGrpSpPr/>
+        <p:nvPr/>
+      </p:nvGrpSpPr>
+      <p:grpSpPr>
+        <a:xfrm>
+          <a:off x="0" y="0"/>
+          <a:ext cx="0" cy="0"/>
+          <a:chOff x="0" y="0"/>
+          <a:chExt cx="0" cy="0"/>
+        </a:xfrm>
+      </p:grpSpPr>
+      <p:pic>
+        <p:nvPicPr>
+          <p:cNvPr id="3" name="Picture 2">
+            <a:extLst>
+              <a:ext uri="{FF2B5EF4-FFF2-40B4-BE49-F238E27FC236}">
                 <a16:creationId xmlns:a16="http://schemas.microsoft.com/office/drawing/2014/main" id="{EF0CE378-26C5-099F-49B3-47F2BC2612CD}"/>
               </a:ext>
             </a:extLst>

--- a/image/howToPost.pptx
+++ b/image/howToPost.pptx
@@ -8,9 +8,10 @@
     <p:sldId id="256" r:id="rId2"/>
     <p:sldId id="257" r:id="rId3"/>
     <p:sldId id="258" r:id="rId4"/>
-    <p:sldId id="260" r:id="rId5"/>
-    <p:sldId id="261" r:id="rId6"/>
-    <p:sldId id="259" r:id="rId7"/>
+    <p:sldId id="262" r:id="rId5"/>
+    <p:sldId id="260" r:id="rId6"/>
+    <p:sldId id="261" r:id="rId7"/>
+    <p:sldId id="259" r:id="rId8"/>
   </p:sldIdLst>
   <p:sldSz cx="6858000" cy="9144000" type="screen4x3"/>
   <p:notesSz cx="6858000" cy="9144000"/>
@@ -122,7 +123,7 @@
   <pc:docChgLst>
     <pc:chgData name="George John" userId="1c7f5d7288d1a48b" providerId="LiveId" clId="{0144DF34-647E-4BF4-ABCB-FB17BAA507B1}"/>
     <pc:docChg chg="undo custSel addSld modSld">
-      <pc:chgData name="George John" userId="1c7f5d7288d1a48b" providerId="LiveId" clId="{0144DF34-647E-4BF4-ABCB-FB17BAA507B1}" dt="2023-10-30T22:50:52.202" v="3149" actId="20577"/>
+      <pc:chgData name="George John" userId="1c7f5d7288d1a48b" providerId="LiveId" clId="{0144DF34-647E-4BF4-ABCB-FB17BAA507B1}" dt="2023-10-31T19:23:13.894" v="3619" actId="1038"/>
       <pc:docMkLst>
         <pc:docMk/>
       </pc:docMkLst>
@@ -525,13 +526,13 @@
         </pc:cxnChg>
       </pc:sldChg>
       <pc:sldChg chg="addSp modSp new mod">
-        <pc:chgData name="George John" userId="1c7f5d7288d1a48b" providerId="LiveId" clId="{0144DF34-647E-4BF4-ABCB-FB17BAA507B1}" dt="2023-10-30T03:30:50.834" v="1624" actId="313"/>
+        <pc:chgData name="George John" userId="1c7f5d7288d1a48b" providerId="LiveId" clId="{0144DF34-647E-4BF4-ABCB-FB17BAA507B1}" dt="2023-10-31T19:07:19.631" v="3499" actId="20577"/>
         <pc:sldMkLst>
           <pc:docMk/>
           <pc:sldMk cId="1888480241" sldId="258"/>
         </pc:sldMkLst>
         <pc:spChg chg="add mod">
-          <ac:chgData name="George John" userId="1c7f5d7288d1a48b" providerId="LiveId" clId="{0144DF34-647E-4BF4-ABCB-FB17BAA507B1}" dt="2023-10-30T03:30:50.834" v="1624" actId="313"/>
+          <ac:chgData name="George John" userId="1c7f5d7288d1a48b" providerId="LiveId" clId="{0144DF34-647E-4BF4-ABCB-FB17BAA507B1}" dt="2023-10-31T19:07:19.631" v="3499" actId="20577"/>
           <ac:spMkLst>
             <pc:docMk/>
             <pc:sldMk cId="1888480241" sldId="258"/>
@@ -851,7 +852,7 @@
         </pc:cxnChg>
       </pc:sldChg>
       <pc:sldChg chg="addSp modSp new mod">
-        <pc:chgData name="George John" userId="1c7f5d7288d1a48b" providerId="LiveId" clId="{0144DF34-647E-4BF4-ABCB-FB17BAA507B1}" dt="2023-10-30T19:57:29.962" v="2056" actId="1076"/>
+        <pc:chgData name="George John" userId="1c7f5d7288d1a48b" providerId="LiveId" clId="{0144DF34-647E-4BF4-ABCB-FB17BAA507B1}" dt="2023-10-31T19:23:13.894" v="3619" actId="1038"/>
         <pc:sldMkLst>
           <pc:docMk/>
           <pc:sldMk cId="1522941257" sldId="260"/>
@@ -864,12 +865,28 @@
             <ac:spMk id="6" creationId="{C1CEC779-45E1-67C7-FABB-12C35F05E15E}"/>
           </ac:spMkLst>
         </pc:spChg>
+        <pc:spChg chg="add mod">
+          <ac:chgData name="George John" userId="1c7f5d7288d1a48b" providerId="LiveId" clId="{0144DF34-647E-4BF4-ABCB-FB17BAA507B1}" dt="2023-10-31T19:23:13.894" v="3619" actId="1038"/>
+          <ac:spMkLst>
+            <pc:docMk/>
+            <pc:sldMk cId="1522941257" sldId="260"/>
+            <ac:spMk id="11" creationId="{33A7D8A4-B13F-6B06-29E3-15AB5E32F239}"/>
+          </ac:spMkLst>
+        </pc:spChg>
         <pc:picChg chg="add mod">
           <ac:chgData name="George John" userId="1c7f5d7288d1a48b" providerId="LiveId" clId="{0144DF34-647E-4BF4-ABCB-FB17BAA507B1}" dt="2023-10-30T19:56:17.062" v="1989" actId="1076"/>
           <ac:picMkLst>
             <pc:docMk/>
             <pc:sldMk cId="1522941257" sldId="260"/>
             <ac:picMk id="3" creationId="{418689E5-E4A6-29FF-495C-F91A8A66ACA5}"/>
+          </ac:picMkLst>
+        </pc:picChg>
+        <pc:picChg chg="add mod">
+          <ac:chgData name="George John" userId="1c7f5d7288d1a48b" providerId="LiveId" clId="{0144DF34-647E-4BF4-ABCB-FB17BAA507B1}" dt="2023-10-31T19:22:56.422" v="3586" actId="1035"/>
+          <ac:picMkLst>
+            <pc:docMk/>
+            <pc:sldMk cId="1522941257" sldId="260"/>
+            <ac:picMk id="4" creationId="{125FC532-61E8-40AD-12B1-0E94B0A0010D}"/>
           </ac:picMkLst>
         </pc:picChg>
         <pc:cxnChg chg="add mod">
@@ -880,9 +897,17 @@
             <ac:cxnSpMk id="5" creationId="{89182AD7-CA8A-BB9E-D831-7C96A773EE0B}"/>
           </ac:cxnSpMkLst>
         </pc:cxnChg>
+        <pc:cxnChg chg="add mod">
+          <ac:chgData name="George John" userId="1c7f5d7288d1a48b" providerId="LiveId" clId="{0144DF34-647E-4BF4-ABCB-FB17BAA507B1}" dt="2023-10-31T19:22:56.422" v="3586" actId="1035"/>
+          <ac:cxnSpMkLst>
+            <pc:docMk/>
+            <pc:sldMk cId="1522941257" sldId="260"/>
+            <ac:cxnSpMk id="7" creationId="{11A595A2-7844-A506-7C2A-82C1FED4435E}"/>
+          </ac:cxnSpMkLst>
+        </pc:cxnChg>
       </pc:sldChg>
       <pc:sldChg chg="addSp delSp modSp new mod">
-        <pc:chgData name="George John" userId="1c7f5d7288d1a48b" providerId="LiveId" clId="{0144DF34-647E-4BF4-ABCB-FB17BAA507B1}" dt="2023-10-30T22:50:52.202" v="3149" actId="20577"/>
+        <pc:chgData name="George John" userId="1c7f5d7288d1a48b" providerId="LiveId" clId="{0144DF34-647E-4BF4-ABCB-FB17BAA507B1}" dt="2023-10-31T19:10:43.294" v="3514" actId="20577"/>
         <pc:sldMkLst>
           <pc:docMk/>
           <pc:sldMk cId="2622195291" sldId="261"/>
@@ -927,6 +952,14 @@
             <ac:spMk id="6" creationId="{1E0B6612-67A2-755F-9D74-D1971E890ADB}"/>
           </ac:spMkLst>
         </pc:spChg>
+        <pc:spChg chg="add mod">
+          <ac:chgData name="George John" userId="1c7f5d7288d1a48b" providerId="LiveId" clId="{0144DF34-647E-4BF4-ABCB-FB17BAA507B1}" dt="2023-10-31T19:03:09.259" v="3440" actId="1038"/>
+          <ac:spMkLst>
+            <pc:docMk/>
+            <pc:sldMk cId="2622195291" sldId="261"/>
+            <ac:spMk id="8" creationId="{E268462F-70FA-9697-7571-BA87C95B0FCE}"/>
+          </ac:spMkLst>
+        </pc:spChg>
         <pc:spChg chg="add mod ord">
           <ac:chgData name="George John" userId="1c7f5d7288d1a48b" providerId="LiveId" clId="{0144DF34-647E-4BF4-ABCB-FB17BAA507B1}" dt="2023-10-30T22:36:35.053" v="2825" actId="1036"/>
           <ac:spMkLst>
@@ -936,15 +969,23 @@
           </ac:spMkLst>
         </pc:spChg>
         <pc:spChg chg="add mod">
-          <ac:chgData name="George John" userId="1c7f5d7288d1a48b" providerId="LiveId" clId="{0144DF34-647E-4BF4-ABCB-FB17BAA507B1}" dt="2023-10-30T22:36:35.053" v="2825" actId="1036"/>
+          <ac:chgData name="George John" userId="1c7f5d7288d1a48b" providerId="LiveId" clId="{0144DF34-647E-4BF4-ABCB-FB17BAA507B1}" dt="2023-10-31T18:43:35.520" v="3286" actId="207"/>
           <ac:spMkLst>
             <pc:docMk/>
             <pc:sldMk cId="2622195291" sldId="261"/>
             <ac:spMk id="11" creationId="{9967B53D-2130-7059-127B-63C75EDE0CBE}"/>
           </ac:spMkLst>
         </pc:spChg>
+        <pc:spChg chg="add mod">
+          <ac:chgData name="George John" userId="1c7f5d7288d1a48b" providerId="LiveId" clId="{0144DF34-647E-4BF4-ABCB-FB17BAA507B1}" dt="2023-10-31T19:03:33.001" v="3448" actId="20577"/>
+          <ac:spMkLst>
+            <pc:docMk/>
+            <pc:sldMk cId="2622195291" sldId="261"/>
+            <ac:spMk id="13" creationId="{CC9B8F94-E87E-5CEF-F148-56B3250D1A4B}"/>
+          </ac:spMkLst>
+        </pc:spChg>
         <pc:spChg chg="mod topLvl">
-          <ac:chgData name="George John" userId="1c7f5d7288d1a48b" providerId="LiveId" clId="{0144DF34-647E-4BF4-ABCB-FB17BAA507B1}" dt="2023-10-30T22:39:40.858" v="2983" actId="1035"/>
+          <ac:chgData name="George John" userId="1c7f5d7288d1a48b" providerId="LiveId" clId="{0144DF34-647E-4BF4-ABCB-FB17BAA507B1}" dt="2023-10-31T18:44:00.491" v="3289" actId="207"/>
           <ac:spMkLst>
             <pc:docMk/>
             <pc:sldMk cId="2622195291" sldId="261"/>
@@ -960,7 +1001,7 @@
           </ac:spMkLst>
         </pc:spChg>
         <pc:spChg chg="mod">
-          <ac:chgData name="George John" userId="1c7f5d7288d1a48b" providerId="LiveId" clId="{0144DF34-647E-4BF4-ABCB-FB17BAA507B1}" dt="2023-10-30T22:36:35.053" v="2825" actId="1036"/>
+          <ac:chgData name="George John" userId="1c7f5d7288d1a48b" providerId="LiveId" clId="{0144DF34-647E-4BF4-ABCB-FB17BAA507B1}" dt="2023-10-31T18:43:43.810" v="3287" actId="207"/>
           <ac:spMkLst>
             <pc:docMk/>
             <pc:sldMk cId="2622195291" sldId="261"/>
@@ -976,7 +1017,7 @@
           </ac:spMkLst>
         </pc:spChg>
         <pc:spChg chg="mod">
-          <ac:chgData name="George John" userId="1c7f5d7288d1a48b" providerId="LiveId" clId="{0144DF34-647E-4BF4-ABCB-FB17BAA507B1}" dt="2023-10-30T22:39:40.858" v="2983" actId="1035"/>
+          <ac:chgData name="George John" userId="1c7f5d7288d1a48b" providerId="LiveId" clId="{0144DF34-647E-4BF4-ABCB-FB17BAA507B1}" dt="2023-10-31T18:44:08.162" v="3290" actId="207"/>
           <ac:spMkLst>
             <pc:docMk/>
             <pc:sldMk cId="2622195291" sldId="261"/>
@@ -1024,7 +1065,7 @@
           </ac:spMkLst>
         </pc:spChg>
         <pc:spChg chg="add mod">
-          <ac:chgData name="George John" userId="1c7f5d7288d1a48b" providerId="LiveId" clId="{0144DF34-647E-4BF4-ABCB-FB17BAA507B1}" dt="2023-10-30T22:46:56.009" v="3109" actId="1035"/>
+          <ac:chgData name="George John" userId="1c7f5d7288d1a48b" providerId="LiveId" clId="{0144DF34-647E-4BF4-ABCB-FB17BAA507B1}" dt="2023-10-31T19:06:06.703" v="3496" actId="14100"/>
           <ac:spMkLst>
             <pc:docMk/>
             <pc:sldMk cId="2622195291" sldId="261"/>
@@ -1032,7 +1073,7 @@
           </ac:spMkLst>
         </pc:spChg>
         <pc:spChg chg="add mod">
-          <ac:chgData name="George John" userId="1c7f5d7288d1a48b" providerId="LiveId" clId="{0144DF34-647E-4BF4-ABCB-FB17BAA507B1}" dt="2023-10-30T22:50:06.600" v="3146" actId="115"/>
+          <ac:chgData name="George John" userId="1c7f5d7288d1a48b" providerId="LiveId" clId="{0144DF34-647E-4BF4-ABCB-FB17BAA507B1}" dt="2023-10-31T18:47:18.939" v="3363" actId="20577"/>
           <ac:spMkLst>
             <pc:docMk/>
             <pc:sldMk cId="2622195291" sldId="261"/>
@@ -1040,7 +1081,7 @@
           </ac:spMkLst>
         </pc:spChg>
         <pc:spChg chg="add mod">
-          <ac:chgData name="George John" userId="1c7f5d7288d1a48b" providerId="LiveId" clId="{0144DF34-647E-4BF4-ABCB-FB17BAA507B1}" dt="2023-10-30T22:40:31.268" v="3010" actId="207"/>
+          <ac:chgData name="George John" userId="1c7f5d7288d1a48b" providerId="LiveId" clId="{0144DF34-647E-4BF4-ABCB-FB17BAA507B1}" dt="2023-10-31T19:05:26.240" v="3494" actId="20577"/>
           <ac:spMkLst>
             <pc:docMk/>
             <pc:sldMk cId="2622195291" sldId="261"/>
@@ -1048,7 +1089,7 @@
           </ac:spMkLst>
         </pc:spChg>
         <pc:spChg chg="add mod">
-          <ac:chgData name="George John" userId="1c7f5d7288d1a48b" providerId="LiveId" clId="{0144DF34-647E-4BF4-ABCB-FB17BAA507B1}" dt="2023-10-30T22:40:49.785" v="3011" actId="207"/>
+          <ac:chgData name="George John" userId="1c7f5d7288d1a48b" providerId="LiveId" clId="{0144DF34-647E-4BF4-ABCB-FB17BAA507B1}" dt="2023-10-31T18:43:57.034" v="3288" actId="207"/>
           <ac:spMkLst>
             <pc:docMk/>
             <pc:sldMk cId="2622195291" sldId="261"/>
@@ -1064,6 +1105,22 @@
           </ac:spMkLst>
         </pc:spChg>
         <pc:spChg chg="add mod">
+          <ac:chgData name="George John" userId="1c7f5d7288d1a48b" providerId="LiveId" clId="{0144DF34-647E-4BF4-ABCB-FB17BAA507B1}" dt="2023-10-31T19:03:56.926" v="3485" actId="1037"/>
+          <ac:spMkLst>
+            <pc:docMk/>
+            <pc:sldMk cId="2622195291" sldId="261"/>
+            <ac:spMk id="32" creationId="{7F1544B7-70C7-A492-2A64-A09D011BA2C9}"/>
+          </ac:spMkLst>
+        </pc:spChg>
+        <pc:spChg chg="add mod">
+          <ac:chgData name="George John" userId="1c7f5d7288d1a48b" providerId="LiveId" clId="{0144DF34-647E-4BF4-ABCB-FB17BAA507B1}" dt="2023-10-31T19:10:43.294" v="3514" actId="20577"/>
+          <ac:spMkLst>
+            <pc:docMk/>
+            <pc:sldMk cId="2622195291" sldId="261"/>
+            <ac:spMk id="34" creationId="{02B66FED-805F-4FC2-4A69-60759EEF05EF}"/>
+          </ac:spMkLst>
+        </pc:spChg>
+        <pc:spChg chg="add mod">
           <ac:chgData name="George John" userId="1c7f5d7288d1a48b" providerId="LiveId" clId="{0144DF34-647E-4BF4-ABCB-FB17BAA507B1}" dt="2023-10-30T22:50:52.202" v="3149" actId="20577"/>
           <ac:spMkLst>
             <pc:docMk/>
@@ -1191,6 +1248,29 @@
             <ac:cxnSpMk id="38" creationId="{97185A02-32BC-C818-A9BC-6A8C8B3A0EE2}"/>
           </ac:cxnSpMkLst>
         </pc:cxnChg>
+      </pc:sldChg>
+      <pc:sldChg chg="addSp modSp new mod">
+        <pc:chgData name="George John" userId="1c7f5d7288d1a48b" providerId="LiveId" clId="{0144DF34-647E-4BF4-ABCB-FB17BAA507B1}" dt="2023-10-31T19:07:27.263" v="3502" actId="20577"/>
+        <pc:sldMkLst>
+          <pc:docMk/>
+          <pc:sldMk cId="349446590" sldId="262"/>
+        </pc:sldMkLst>
+        <pc:spChg chg="add mod">
+          <ac:chgData name="George John" userId="1c7f5d7288d1a48b" providerId="LiveId" clId="{0144DF34-647E-4BF4-ABCB-FB17BAA507B1}" dt="2023-10-31T19:07:27.263" v="3502" actId="20577"/>
+          <ac:spMkLst>
+            <pc:docMk/>
+            <pc:sldMk cId="349446590" sldId="262"/>
+            <ac:spMk id="4" creationId="{0C908AEE-05CC-09FE-C2C4-AE6CF6E1D9F5}"/>
+          </ac:spMkLst>
+        </pc:spChg>
+        <pc:picChg chg="add mod">
+          <ac:chgData name="George John" userId="1c7f5d7288d1a48b" providerId="LiveId" clId="{0144DF34-647E-4BF4-ABCB-FB17BAA507B1}" dt="2023-10-31T18:42:01.797" v="3166" actId="1038"/>
+          <ac:picMkLst>
+            <pc:docMk/>
+            <pc:sldMk cId="349446590" sldId="262"/>
+            <ac:picMk id="3" creationId="{BDD8726A-6AD6-6749-71F5-9B071A5A9653}"/>
+          </ac:picMkLst>
+        </pc:picChg>
       </pc:sldChg>
     </pc:docChg>
   </pc:docChgLst>
@@ -1328,7 +1408,7 @@
           <a:p>
             <a:fld id="{EA307E68-3151-4021-8034-6905DEC8B993}" type="datetimeFigureOut">
               <a:rPr lang="en-US" smtClean="0"/>
-              <a:t>10/30/2023</a:t>
+              <a:t>10/31/2023</a:t>
             </a:fld>
             <a:endParaRPr lang="en-US"/>
           </a:p>
@@ -1498,7 +1578,7 @@
           <a:p>
             <a:fld id="{EA307E68-3151-4021-8034-6905DEC8B993}" type="datetimeFigureOut">
               <a:rPr lang="en-US" smtClean="0"/>
-              <a:t>10/30/2023</a:t>
+              <a:t>10/31/2023</a:t>
             </a:fld>
             <a:endParaRPr lang="en-US"/>
           </a:p>
@@ -1678,7 +1758,7 @@
           <a:p>
             <a:fld id="{EA307E68-3151-4021-8034-6905DEC8B993}" type="datetimeFigureOut">
               <a:rPr lang="en-US" smtClean="0"/>
-              <a:t>10/30/2023</a:t>
+              <a:t>10/31/2023</a:t>
             </a:fld>
             <a:endParaRPr lang="en-US"/>
           </a:p>
@@ -1848,7 +1928,7 @@
           <a:p>
             <a:fld id="{EA307E68-3151-4021-8034-6905DEC8B993}" type="datetimeFigureOut">
               <a:rPr lang="en-US" smtClean="0"/>
-              <a:t>10/30/2023</a:t>
+              <a:t>10/31/2023</a:t>
             </a:fld>
             <a:endParaRPr lang="en-US"/>
           </a:p>
@@ -2092,7 +2172,7 @@
           <a:p>
             <a:fld id="{EA307E68-3151-4021-8034-6905DEC8B993}" type="datetimeFigureOut">
               <a:rPr lang="en-US" smtClean="0"/>
-              <a:t>10/30/2023</a:t>
+              <a:t>10/31/2023</a:t>
             </a:fld>
             <a:endParaRPr lang="en-US"/>
           </a:p>
@@ -2324,7 +2404,7 @@
           <a:p>
             <a:fld id="{EA307E68-3151-4021-8034-6905DEC8B993}" type="datetimeFigureOut">
               <a:rPr lang="en-US" smtClean="0"/>
-              <a:t>10/30/2023</a:t>
+              <a:t>10/31/2023</a:t>
             </a:fld>
             <a:endParaRPr lang="en-US"/>
           </a:p>
@@ -2691,7 +2771,7 @@
           <a:p>
             <a:fld id="{EA307E68-3151-4021-8034-6905DEC8B993}" type="datetimeFigureOut">
               <a:rPr lang="en-US" smtClean="0"/>
-              <a:t>10/30/2023</a:t>
+              <a:t>10/31/2023</a:t>
             </a:fld>
             <a:endParaRPr lang="en-US"/>
           </a:p>
@@ -2809,7 +2889,7 @@
           <a:p>
             <a:fld id="{EA307E68-3151-4021-8034-6905DEC8B993}" type="datetimeFigureOut">
               <a:rPr lang="en-US" smtClean="0"/>
-              <a:t>10/30/2023</a:t>
+              <a:t>10/31/2023</a:t>
             </a:fld>
             <a:endParaRPr lang="en-US"/>
           </a:p>
@@ -2904,7 +2984,7 @@
           <a:p>
             <a:fld id="{EA307E68-3151-4021-8034-6905DEC8B993}" type="datetimeFigureOut">
               <a:rPr lang="en-US" smtClean="0"/>
-              <a:t>10/30/2023</a:t>
+              <a:t>10/31/2023</a:t>
             </a:fld>
             <a:endParaRPr lang="en-US"/>
           </a:p>
@@ -3181,7 +3261,7 @@
           <a:p>
             <a:fld id="{EA307E68-3151-4021-8034-6905DEC8B993}" type="datetimeFigureOut">
               <a:rPr lang="en-US" smtClean="0"/>
-              <a:t>10/30/2023</a:t>
+              <a:t>10/31/2023</a:t>
             </a:fld>
             <a:endParaRPr lang="en-US"/>
           </a:p>
@@ -3438,7 +3518,7 @@
           <a:p>
             <a:fld id="{EA307E68-3151-4021-8034-6905DEC8B993}" type="datetimeFigureOut">
               <a:rPr lang="en-US" smtClean="0"/>
-              <a:t>10/30/2023</a:t>
+              <a:t>10/31/2023</a:t>
             </a:fld>
             <a:endParaRPr lang="en-US"/>
           </a:p>
@@ -3651,7 +3731,7 @@
           <a:p>
             <a:fld id="{EA307E68-3151-4021-8034-6905DEC8B993}" type="datetimeFigureOut">
               <a:rPr lang="en-US" smtClean="0"/>
-              <a:t>10/30/2023</a:t>
+              <a:t>10/31/2023</a:t>
             </a:fld>
             <a:endParaRPr lang="en-US"/>
           </a:p>
@@ -5532,7 +5612,7 @@
         <p:spPr>
           <a:xfrm>
             <a:off x="1817077" y="351692"/>
-            <a:ext cx="2889637" cy="369332"/>
+            <a:ext cx="3175293" cy="369332"/>
           </a:xfrm>
           <a:prstGeom prst="rect">
             <a:avLst/>
@@ -5547,7 +5627,7 @@
           <a:p>
             <a:r>
               <a:rPr lang="en-US" dirty="0"/>
-              <a:t>Screen Snap of Brett’s Phone</a:t>
+              <a:t>Screen Snap #1 of Brett’s Phone</a:t>
             </a:r>
           </a:p>
         </p:txBody>
@@ -5587,7 +5667,7 @@
           <p:cNvPr id="3" name="Picture 2">
             <a:extLst>
               <a:ext uri="{FF2B5EF4-FFF2-40B4-BE49-F238E27FC236}">
-                <a16:creationId xmlns:a16="http://schemas.microsoft.com/office/drawing/2014/main" id="{418689E5-E4A6-29FF-495C-F91A8A66ACA5}"/>
+                <a16:creationId xmlns:a16="http://schemas.microsoft.com/office/drawing/2014/main" id="{BDD8726A-6AD6-6749-71F5-9B071A5A9653}"/>
               </a:ext>
             </a:extLst>
           </p:cNvPr>
@@ -5604,59 +5684,20 @@
         </p:blipFill>
         <p:spPr>
           <a:xfrm>
-            <a:off x="1641159" y="1695216"/>
-            <a:ext cx="3575682" cy="2156913"/>
+            <a:off x="1569294" y="757732"/>
+            <a:ext cx="3742857" cy="7933333"/>
           </a:xfrm>
           <a:prstGeom prst="rect">
             <a:avLst/>
           </a:prstGeom>
         </p:spPr>
       </p:pic>
-      <p:cxnSp>
-        <p:nvCxnSpPr>
-          <p:cNvPr id="5" name="Straight Arrow Connector 4">
+      <p:sp>
+        <p:nvSpPr>
+          <p:cNvPr id="4" name="TextBox 3">
             <a:extLst>
               <a:ext uri="{FF2B5EF4-FFF2-40B4-BE49-F238E27FC236}">
-                <a16:creationId xmlns:a16="http://schemas.microsoft.com/office/drawing/2014/main" id="{89182AD7-CA8A-BB9E-D831-7C96A773EE0B}"/>
-              </a:ext>
-            </a:extLst>
-          </p:cNvPr>
-          <p:cNvCxnSpPr/>
-          <p:nvPr/>
-        </p:nvCxnSpPr>
-        <p:spPr>
-          <a:xfrm flipV="1">
-            <a:off x="2391508" y="3528646"/>
-            <a:ext cx="738554" cy="644769"/>
-          </a:xfrm>
-          <a:prstGeom prst="straightConnector1">
-            <a:avLst/>
-          </a:prstGeom>
-          <a:ln w="92075">
-            <a:tailEnd type="triangle"/>
-          </a:ln>
-        </p:spPr>
-        <p:style>
-          <a:lnRef idx="1">
-            <a:schemeClr val="accent2"/>
-          </a:lnRef>
-          <a:fillRef idx="0">
-            <a:schemeClr val="accent2"/>
-          </a:fillRef>
-          <a:effectRef idx="0">
-            <a:schemeClr val="accent2"/>
-          </a:effectRef>
-          <a:fontRef idx="minor">
-            <a:schemeClr val="tx1"/>
-          </a:fontRef>
-        </p:style>
-      </p:cxnSp>
-      <p:sp>
-        <p:nvSpPr>
-          <p:cNvPr id="6" name="TextBox 5">
-            <a:extLst>
-              <a:ext uri="{FF2B5EF4-FFF2-40B4-BE49-F238E27FC236}">
-                <a16:creationId xmlns:a16="http://schemas.microsoft.com/office/drawing/2014/main" id="{C1CEC779-45E1-67C7-FABB-12C35F05E15E}"/>
+                <a16:creationId xmlns:a16="http://schemas.microsoft.com/office/drawing/2014/main" id="{0C908AEE-05CC-09FE-C2C4-AE6CF6E1D9F5}"/>
               </a:ext>
             </a:extLst>
           </p:cNvPr>
@@ -5665,8 +5706,8 @@
         </p:nvSpPr>
         <p:spPr>
           <a:xfrm>
-            <a:off x="1816397" y="4173415"/>
-            <a:ext cx="1612603" cy="923330"/>
+            <a:off x="1817077" y="351692"/>
+            <a:ext cx="3175293" cy="369332"/>
           </a:xfrm>
           <a:prstGeom prst="rect">
             <a:avLst/>
@@ -5674,20 +5715,14 @@
           <a:noFill/>
         </p:spPr>
         <p:txBody>
-          <a:bodyPr wrap="square" rtlCol="0">
+          <a:bodyPr wrap="none" rtlCol="0">
             <a:spAutoFit/>
           </a:bodyPr>
           <a:lstStyle/>
           <a:p>
             <a:r>
-              <a:rPr lang="en-US" b="1" dirty="0">
-                <a:solidFill>
-                  <a:schemeClr val="accent2">
-                    <a:lumMod val="75000"/>
-                  </a:schemeClr>
-                </a:solidFill>
-              </a:rPr>
-              <a:t>This button not always visible</a:t>
+              <a:rPr lang="en-US" dirty="0"/>
+              <a:t>Screen Snap #2 of Brett’s Phone</a:t>
             </a:r>
           </a:p>
         </p:txBody>
@@ -5695,7 +5730,7 @@
     </p:spTree>
     <p:extLst>
       <p:ext uri="{BB962C8B-B14F-4D97-AF65-F5344CB8AC3E}">
-        <p14:creationId xmlns:p14="http://schemas.microsoft.com/office/powerpoint/2010/main" val="1522941257"/>
+        <p14:creationId xmlns:p14="http://schemas.microsoft.com/office/powerpoint/2010/main" val="349446590"/>
       </p:ext>
     </p:extLst>
   </p:cSld>
@@ -5722,6 +5757,258 @@
           <a:chExt cx="0" cy="0"/>
         </a:xfrm>
       </p:grpSpPr>
+      <p:pic>
+        <p:nvPicPr>
+          <p:cNvPr id="3" name="Picture 2">
+            <a:extLst>
+              <a:ext uri="{FF2B5EF4-FFF2-40B4-BE49-F238E27FC236}">
+                <a16:creationId xmlns:a16="http://schemas.microsoft.com/office/drawing/2014/main" id="{418689E5-E4A6-29FF-495C-F91A8A66ACA5}"/>
+              </a:ext>
+            </a:extLst>
+          </p:cNvPr>
+          <p:cNvPicPr>
+            <a:picLocks noChangeAspect="1"/>
+          </p:cNvPicPr>
+          <p:nvPr/>
+        </p:nvPicPr>
+        <p:blipFill>
+          <a:blip r:embed="rId2"/>
+          <a:stretch>
+            <a:fillRect/>
+          </a:stretch>
+        </p:blipFill>
+        <p:spPr>
+          <a:xfrm>
+            <a:off x="1641159" y="1695216"/>
+            <a:ext cx="3575682" cy="2156913"/>
+          </a:xfrm>
+          <a:prstGeom prst="rect">
+            <a:avLst/>
+          </a:prstGeom>
+        </p:spPr>
+      </p:pic>
+      <p:cxnSp>
+        <p:nvCxnSpPr>
+          <p:cNvPr id="5" name="Straight Arrow Connector 4">
+            <a:extLst>
+              <a:ext uri="{FF2B5EF4-FFF2-40B4-BE49-F238E27FC236}">
+                <a16:creationId xmlns:a16="http://schemas.microsoft.com/office/drawing/2014/main" id="{89182AD7-CA8A-BB9E-D831-7C96A773EE0B}"/>
+              </a:ext>
+            </a:extLst>
+          </p:cNvPr>
+          <p:cNvCxnSpPr/>
+          <p:nvPr/>
+        </p:nvCxnSpPr>
+        <p:spPr>
+          <a:xfrm flipV="1">
+            <a:off x="2391508" y="3528646"/>
+            <a:ext cx="738554" cy="644769"/>
+          </a:xfrm>
+          <a:prstGeom prst="straightConnector1">
+            <a:avLst/>
+          </a:prstGeom>
+          <a:ln w="92075">
+            <a:tailEnd type="triangle"/>
+          </a:ln>
+        </p:spPr>
+        <p:style>
+          <a:lnRef idx="1">
+            <a:schemeClr val="accent2"/>
+          </a:lnRef>
+          <a:fillRef idx="0">
+            <a:schemeClr val="accent2"/>
+          </a:fillRef>
+          <a:effectRef idx="0">
+            <a:schemeClr val="accent2"/>
+          </a:effectRef>
+          <a:fontRef idx="minor">
+            <a:schemeClr val="tx1"/>
+          </a:fontRef>
+        </p:style>
+      </p:cxnSp>
+      <p:sp>
+        <p:nvSpPr>
+          <p:cNvPr id="6" name="TextBox 5">
+            <a:extLst>
+              <a:ext uri="{FF2B5EF4-FFF2-40B4-BE49-F238E27FC236}">
+                <a16:creationId xmlns:a16="http://schemas.microsoft.com/office/drawing/2014/main" id="{C1CEC779-45E1-67C7-FABB-12C35F05E15E}"/>
+              </a:ext>
+            </a:extLst>
+          </p:cNvPr>
+          <p:cNvSpPr txBox="1"/>
+          <p:nvPr/>
+        </p:nvSpPr>
+        <p:spPr>
+          <a:xfrm>
+            <a:off x="1816397" y="4173415"/>
+            <a:ext cx="1612603" cy="923330"/>
+          </a:xfrm>
+          <a:prstGeom prst="rect">
+            <a:avLst/>
+          </a:prstGeom>
+          <a:noFill/>
+        </p:spPr>
+        <p:txBody>
+          <a:bodyPr wrap="square" rtlCol="0">
+            <a:spAutoFit/>
+          </a:bodyPr>
+          <a:lstStyle/>
+          <a:p>
+            <a:r>
+              <a:rPr lang="en-US" b="1" dirty="0">
+                <a:solidFill>
+                  <a:schemeClr val="accent2">
+                    <a:lumMod val="75000"/>
+                  </a:schemeClr>
+                </a:solidFill>
+              </a:rPr>
+              <a:t>This button not always visible</a:t>
+            </a:r>
+          </a:p>
+        </p:txBody>
+      </p:sp>
+      <p:pic>
+        <p:nvPicPr>
+          <p:cNvPr id="4" name="Picture 3">
+            <a:extLst>
+              <a:ext uri="{FF2B5EF4-FFF2-40B4-BE49-F238E27FC236}">
+                <a16:creationId xmlns:a16="http://schemas.microsoft.com/office/drawing/2014/main" id="{125FC532-61E8-40AD-12B1-0E94B0A0010D}"/>
+              </a:ext>
+            </a:extLst>
+          </p:cNvPr>
+          <p:cNvPicPr>
+            <a:picLocks noChangeAspect="1"/>
+          </p:cNvPicPr>
+          <p:nvPr/>
+        </p:nvPicPr>
+        <p:blipFill>
+          <a:blip r:embed="rId3"/>
+          <a:stretch>
+            <a:fillRect/>
+          </a:stretch>
+        </p:blipFill>
+        <p:spPr>
+          <a:xfrm>
+            <a:off x="2550881" y="6545371"/>
+            <a:ext cx="3771429" cy="2266667"/>
+          </a:xfrm>
+          <a:prstGeom prst="rect">
+            <a:avLst/>
+          </a:prstGeom>
+        </p:spPr>
+      </p:pic>
+      <p:cxnSp>
+        <p:nvCxnSpPr>
+          <p:cNvPr id="7" name="Straight Arrow Connector 6">
+            <a:extLst>
+              <a:ext uri="{FF2B5EF4-FFF2-40B4-BE49-F238E27FC236}">
+                <a16:creationId xmlns:a16="http://schemas.microsoft.com/office/drawing/2014/main" id="{11A595A2-7844-A506-7C2A-82C1FED4435E}"/>
+              </a:ext>
+            </a:extLst>
+          </p:cNvPr>
+          <p:cNvCxnSpPr>
+            <a:cxnSpLocks/>
+          </p:cNvCxnSpPr>
+          <p:nvPr/>
+        </p:nvCxnSpPr>
+        <p:spPr>
+          <a:xfrm>
+            <a:off x="2100690" y="6414451"/>
+            <a:ext cx="929113" cy="1078173"/>
+          </a:xfrm>
+          <a:prstGeom prst="straightConnector1">
+            <a:avLst/>
+          </a:prstGeom>
+          <a:ln w="92075">
+            <a:tailEnd type="triangle"/>
+          </a:ln>
+        </p:spPr>
+        <p:style>
+          <a:lnRef idx="1">
+            <a:schemeClr val="accent2"/>
+          </a:lnRef>
+          <a:fillRef idx="0">
+            <a:schemeClr val="accent2"/>
+          </a:fillRef>
+          <a:effectRef idx="0">
+            <a:schemeClr val="accent2"/>
+          </a:effectRef>
+          <a:fontRef idx="minor">
+            <a:schemeClr val="tx1"/>
+          </a:fontRef>
+        </p:style>
+      </p:cxnSp>
+      <p:sp>
+        <p:nvSpPr>
+          <p:cNvPr id="11" name="TextBox 10">
+            <a:extLst>
+              <a:ext uri="{FF2B5EF4-FFF2-40B4-BE49-F238E27FC236}">
+                <a16:creationId xmlns:a16="http://schemas.microsoft.com/office/drawing/2014/main" id="{33A7D8A4-B13F-6B06-29E3-15AB5E32F239}"/>
+              </a:ext>
+            </a:extLst>
+          </p:cNvPr>
+          <p:cNvSpPr txBox="1"/>
+          <p:nvPr/>
+        </p:nvSpPr>
+        <p:spPr>
+          <a:xfrm>
+            <a:off x="1421925" y="6068961"/>
+            <a:ext cx="1612603" cy="369332"/>
+          </a:xfrm>
+          <a:prstGeom prst="rect">
+            <a:avLst/>
+          </a:prstGeom>
+          <a:noFill/>
+        </p:spPr>
+        <p:txBody>
+          <a:bodyPr wrap="square" rtlCol="0">
+            <a:spAutoFit/>
+          </a:bodyPr>
+          <a:lstStyle/>
+          <a:p>
+            <a:r>
+              <a:rPr lang="en-US" b="1" dirty="0">
+                <a:solidFill>
+                  <a:schemeClr val="accent2">
+                    <a:lumMod val="75000"/>
+                  </a:schemeClr>
+                </a:solidFill>
+              </a:rPr>
+              <a:t>Added this</a:t>
+            </a:r>
+          </a:p>
+        </p:txBody>
+      </p:sp>
+    </p:spTree>
+    <p:extLst>
+      <p:ext uri="{BB962C8B-B14F-4D97-AF65-F5344CB8AC3E}">
+        <p14:creationId xmlns:p14="http://schemas.microsoft.com/office/powerpoint/2010/main" val="1522941257"/>
+      </p:ext>
+    </p:extLst>
+  </p:cSld>
+  <p:clrMapOvr>
+    <a:masterClrMapping/>
+  </p:clrMapOvr>
+</p:sld>
+</file>
+
+<file path=ppt/slides/slide6.xml><?xml version="1.0" encoding="utf-8"?>
+<p:sld xmlns:a="http://schemas.openxmlformats.org/drawingml/2006/main" xmlns:r="http://schemas.openxmlformats.org/officeDocument/2006/relationships" xmlns:p="http://schemas.openxmlformats.org/presentationml/2006/main">
+  <p:cSld>
+    <p:spTree>
+      <p:nvGrpSpPr>
+        <p:cNvPr id="1" name=""/>
+        <p:cNvGrpSpPr/>
+        <p:nvPr/>
+      </p:nvGrpSpPr>
+      <p:grpSpPr>
+        <a:xfrm>
+          <a:off x="0" y="0"/>
+          <a:ext cx="0" cy="0"/>
+          <a:chOff x="0" y="0"/>
+          <a:chExt cx="0" cy="0"/>
+        </a:xfrm>
+      </p:grpSpPr>
       <p:sp>
         <p:nvSpPr>
           <p:cNvPr id="2" name="TextBox 1">
@@ -6200,10 +6487,7 @@
               <a:avLst/>
             </a:prstGeom>
             <a:solidFill>
-              <a:schemeClr val="accent6">
-                <a:lumMod val="20000"/>
-                <a:lumOff val="80000"/>
-              </a:schemeClr>
+              <a:schemeClr val="bg1"/>
             </a:solidFill>
             <a:ln>
               <a:solidFill>
@@ -6284,10 +6568,7 @@
             <a:avLst/>
           </a:prstGeom>
           <a:solidFill>
-            <a:schemeClr val="accent4">
-              <a:lumMod val="20000"/>
-              <a:lumOff val="80000"/>
-            </a:schemeClr>
+            <a:schemeClr val="bg1"/>
           </a:solidFill>
           <a:ln>
             <a:solidFill>
@@ -6387,10 +6668,7 @@
               <a:avLst/>
             </a:prstGeom>
             <a:solidFill>
-              <a:schemeClr val="accent6">
-                <a:lumMod val="60000"/>
-                <a:lumOff val="40000"/>
-              </a:schemeClr>
+              <a:schemeClr val="bg1"/>
             </a:solidFill>
             <a:ln>
               <a:solidFill>
@@ -6405,7 +6683,7 @@
             <a:lstStyle/>
             <a:p>
               <a:pPr algn="ctr"/>
-              <a:endParaRPr lang="en-US">
+              <a:endParaRPr lang="en-US" dirty="0">
                 <a:solidFill>
                   <a:schemeClr val="tx1"/>
                 </a:solidFill>
@@ -6491,10 +6769,7 @@
               <a:avLst/>
             </a:prstGeom>
             <a:solidFill>
-              <a:schemeClr val="accent4">
-                <a:lumMod val="60000"/>
-                <a:lumOff val="40000"/>
-              </a:schemeClr>
+              <a:schemeClr val="bg1"/>
             </a:solidFill>
             <a:ln>
               <a:solidFill>
@@ -6743,8 +7018,8 @@
         </p:nvSpPr>
         <p:spPr>
           <a:xfrm>
-            <a:off x="2121815" y="952885"/>
-            <a:ext cx="3164407" cy="738664"/>
+            <a:off x="1554346" y="952885"/>
+            <a:ext cx="4268778" cy="738664"/>
           </a:xfrm>
           <a:prstGeom prst="rect">
             <a:avLst/>
@@ -6759,7 +7034,7 @@
           <a:p>
             <a:r>
               <a:rPr lang="en-US" sz="1400" dirty="0"/>
-              <a:t>NextDoor allows members to choose between at least 5 different methods to access the platform</a:t>
+              <a:t>NextDoor allows members to choose between at least 5 different methods to access the platform. These different clients offer slightly different user experiences</a:t>
             </a:r>
           </a:p>
         </p:txBody>
@@ -6779,7 +7054,7 @@
         <p:spPr>
           <a:xfrm>
             <a:off x="1325033" y="4601958"/>
-            <a:ext cx="2402531" cy="1815882"/>
+            <a:ext cx="2402531" cy="1384995"/>
           </a:xfrm>
           <a:prstGeom prst="rect">
             <a:avLst/>
@@ -6795,15 +7070,7 @@
             <a:pPr marL="288925" indent="-288925"/>
             <a:r>
               <a:rPr lang="en-US" sz="1400" dirty="0"/>
-              <a:t>2.	Does </a:t>
-            </a:r>
-            <a:r>
-              <a:rPr lang="en-US" sz="1400" u="sng" dirty="0"/>
-              <a:t>not</a:t>
-            </a:r>
-            <a:r>
-              <a:rPr lang="en-US" sz="1400" dirty="0"/>
-              <a:t> provide </a:t>
+              <a:t>2.	</a:t>
             </a:r>
             <a:r>
               <a:rPr lang="en-US" sz="1400" b="1" dirty="0"/>
@@ -6811,7 +7078,7 @@
             </a:r>
             <a:r>
               <a:rPr lang="en-US" sz="1400" dirty="0"/>
-              <a:t> for posting to multiple specified groups including “anyone on NextDoor”</a:t>
+              <a:t> is located on NextDoor Home page.</a:t>
             </a:r>
           </a:p>
           <a:p>
@@ -6826,7 +7093,7 @@
             </a:r>
             <a:r>
               <a:rPr lang="en-US" sz="1400" dirty="0"/>
-              <a:t> for posting to specified groups including “anyone on NextDoor”</a:t>
+              <a:t> located within PLF for posting to specified groups including “anyone on NextDoor”</a:t>
             </a:r>
           </a:p>
         </p:txBody>
@@ -6878,8 +7145,11 @@
           <a:p>
             <a:r>
               <a:rPr lang="en-US" dirty="0"/>
-              <a:t>Web Browser on Android Phone</a:t>
-            </a:r>
+              <a:t>Web Browser on Android</a:t>
+            </a:r>
+          </a:p>
+          <a:p>
+            <a:endParaRPr lang="en-US" dirty="0"/>
           </a:p>
         </p:txBody>
       </p:sp>
@@ -6939,10 +7209,7 @@
             <a:avLst/>
           </a:prstGeom>
           <a:solidFill>
-            <a:schemeClr val="accent2">
-              <a:lumMod val="20000"/>
-              <a:lumOff val="80000"/>
-            </a:schemeClr>
+            <a:schemeClr val="bg1"/>
           </a:solidFill>
           <a:ln>
             <a:solidFill>
@@ -7201,6 +7468,182 @@
           </a:p>
         </p:txBody>
       </p:sp>
+      <p:sp>
+        <p:nvSpPr>
+          <p:cNvPr id="8" name="TextBox 7">
+            <a:extLst>
+              <a:ext uri="{FF2B5EF4-FFF2-40B4-BE49-F238E27FC236}">
+                <a16:creationId xmlns:a16="http://schemas.microsoft.com/office/drawing/2014/main" id="{E268462F-70FA-9697-7571-BA87C95B0FCE}"/>
+              </a:ext>
+            </a:extLst>
+          </p:cNvPr>
+          <p:cNvSpPr txBox="1"/>
+          <p:nvPr/>
+        </p:nvSpPr>
+        <p:spPr>
+          <a:xfrm>
+            <a:off x="4274894" y="3996109"/>
+            <a:ext cx="768214" cy="415498"/>
+          </a:xfrm>
+          <a:prstGeom prst="rect">
+            <a:avLst/>
+          </a:prstGeom>
+          <a:noFill/>
+        </p:spPr>
+        <p:txBody>
+          <a:bodyPr wrap="square" rtlCol="0">
+            <a:spAutoFit/>
+          </a:bodyPr>
+          <a:lstStyle/>
+          <a:p>
+            <a:pPr marL="114300" indent="-114300">
+              <a:buFont typeface="Arial" panose="020B0604020202020204" pitchFamily="34" charset="0"/>
+              <a:buChar char="•"/>
+            </a:pPr>
+            <a:r>
+              <a:rPr lang="en-US" sz="1050" dirty="0"/>
+              <a:t>Edge</a:t>
+            </a:r>
+          </a:p>
+          <a:p>
+            <a:pPr marL="114300" indent="-114300">
+              <a:buFont typeface="Arial" panose="020B0604020202020204" pitchFamily="34" charset="0"/>
+              <a:buChar char="•"/>
+            </a:pPr>
+            <a:r>
+              <a:rPr lang="en-US" sz="1050" dirty="0"/>
+              <a:t>Chrome</a:t>
+            </a:r>
+          </a:p>
+        </p:txBody>
+      </p:sp>
+      <p:sp>
+        <p:nvSpPr>
+          <p:cNvPr id="13" name="TextBox 12">
+            <a:extLst>
+              <a:ext uri="{FF2B5EF4-FFF2-40B4-BE49-F238E27FC236}">
+                <a16:creationId xmlns:a16="http://schemas.microsoft.com/office/drawing/2014/main" id="{CC9B8F94-E87E-5CEF-F148-56B3250D1A4B}"/>
+              </a:ext>
+            </a:extLst>
+          </p:cNvPr>
+          <p:cNvSpPr txBox="1"/>
+          <p:nvPr/>
+        </p:nvSpPr>
+        <p:spPr>
+          <a:xfrm>
+            <a:off x="4933003" y="4006740"/>
+            <a:ext cx="677373" cy="415498"/>
+          </a:xfrm>
+          <a:prstGeom prst="rect">
+            <a:avLst/>
+          </a:prstGeom>
+          <a:noFill/>
+        </p:spPr>
+        <p:txBody>
+          <a:bodyPr wrap="square" rtlCol="0">
+            <a:spAutoFit/>
+          </a:bodyPr>
+          <a:lstStyle/>
+          <a:p>
+            <a:pPr marL="114300" indent="-114300">
+              <a:buFont typeface="Arial" panose="020B0604020202020204" pitchFamily="34" charset="0"/>
+              <a:buChar char="•"/>
+            </a:pPr>
+            <a:r>
+              <a:rPr lang="en-US" sz="1050" dirty="0"/>
+              <a:t>Firefox</a:t>
+            </a:r>
+          </a:p>
+          <a:p>
+            <a:pPr marL="114300" indent="-114300">
+              <a:buFont typeface="Arial" panose="020B0604020202020204" pitchFamily="34" charset="0"/>
+              <a:buChar char="•"/>
+            </a:pPr>
+            <a:r>
+              <a:rPr lang="en-US" sz="1050" dirty="0"/>
+              <a:t>Opera</a:t>
+            </a:r>
+          </a:p>
+        </p:txBody>
+      </p:sp>
+      <p:sp>
+        <p:nvSpPr>
+          <p:cNvPr id="32" name="TextBox 31">
+            <a:extLst>
+              <a:ext uri="{FF2B5EF4-FFF2-40B4-BE49-F238E27FC236}">
+                <a16:creationId xmlns:a16="http://schemas.microsoft.com/office/drawing/2014/main" id="{7F1544B7-70C7-A492-2A64-A09D011BA2C9}"/>
+              </a:ext>
+            </a:extLst>
+          </p:cNvPr>
+          <p:cNvSpPr txBox="1"/>
+          <p:nvPr/>
+        </p:nvSpPr>
+        <p:spPr>
+          <a:xfrm>
+            <a:off x="4289684" y="5325748"/>
+            <a:ext cx="768214" cy="253916"/>
+          </a:xfrm>
+          <a:prstGeom prst="rect">
+            <a:avLst/>
+          </a:prstGeom>
+          <a:noFill/>
+        </p:spPr>
+        <p:txBody>
+          <a:bodyPr wrap="square" rtlCol="0">
+            <a:spAutoFit/>
+          </a:bodyPr>
+          <a:lstStyle/>
+          <a:p>
+            <a:pPr marL="114300" indent="-114300">
+              <a:buFont typeface="Arial" panose="020B0604020202020204" pitchFamily="34" charset="0"/>
+              <a:buChar char="•"/>
+            </a:pPr>
+            <a:r>
+              <a:rPr lang="en-US" sz="1050" dirty="0"/>
+              <a:t>Safari</a:t>
+            </a:r>
+          </a:p>
+        </p:txBody>
+      </p:sp>
+      <p:sp>
+        <p:nvSpPr>
+          <p:cNvPr id="34" name="TextBox 33">
+            <a:extLst>
+              <a:ext uri="{FF2B5EF4-FFF2-40B4-BE49-F238E27FC236}">
+                <a16:creationId xmlns:a16="http://schemas.microsoft.com/office/drawing/2014/main" id="{02B66FED-805F-4FC2-4A69-60759EEF05EF}"/>
+              </a:ext>
+            </a:extLst>
+          </p:cNvPr>
+          <p:cNvSpPr txBox="1"/>
+          <p:nvPr/>
+        </p:nvSpPr>
+        <p:spPr>
+          <a:xfrm>
+            <a:off x="4302966" y="2781507"/>
+            <a:ext cx="768214" cy="253916"/>
+          </a:xfrm>
+          <a:prstGeom prst="rect">
+            <a:avLst/>
+          </a:prstGeom>
+          <a:noFill/>
+        </p:spPr>
+        <p:txBody>
+          <a:bodyPr wrap="square" rtlCol="0">
+            <a:spAutoFit/>
+          </a:bodyPr>
+          <a:lstStyle/>
+          <a:p>
+            <a:pPr marL="114300" indent="-114300">
+              <a:buFont typeface="Arial" panose="020B0604020202020204" pitchFamily="34" charset="0"/>
+              <a:buChar char="•"/>
+            </a:pPr>
+            <a:r>
+              <a:rPr lang="en-US" sz="1050" dirty="0"/>
+              <a:t>Chrome</a:t>
+            </a:r>
+          </a:p>
+        </p:txBody>
+      </p:sp>
     </p:spTree>
     <p:extLst>
       <p:ext uri="{BB962C8B-B14F-4D97-AF65-F5344CB8AC3E}">
@@ -7214,7 +7657,7 @@
 </p:sld>
 </file>
 
-<file path=ppt/slides/slide6.xml><?xml version="1.0" encoding="utf-8"?>
+<file path=ppt/slides/slide7.xml><?xml version="1.0" encoding="utf-8"?>
 <p:sld xmlns:a="http://schemas.openxmlformats.org/drawingml/2006/main" xmlns:r="http://schemas.openxmlformats.org/officeDocument/2006/relationships" xmlns:p="http://schemas.openxmlformats.org/presentationml/2006/main">
   <p:cSld>
     <p:spTree>
